--- a/Présentation2.pptx
+++ b/Présentation2.pptx
@@ -5,7 +5,7 @@
     <p:sldMasterId id="2147483648" r:id="rId1"/>
   </p:sldMasterIdLst>
   <p:notesMasterIdLst>
-    <p:notesMasterId r:id="rId11"/>
+    <p:notesMasterId r:id="rId15"/>
   </p:notesMasterIdLst>
   <p:sldIdLst>
     <p:sldId id="257" r:id="rId2"/>
@@ -13,10 +13,14 @@
     <p:sldId id="256" r:id="rId4"/>
     <p:sldId id="259" r:id="rId5"/>
     <p:sldId id="260" r:id="rId6"/>
-    <p:sldId id="261" r:id="rId7"/>
-    <p:sldId id="262" r:id="rId8"/>
-    <p:sldId id="263" r:id="rId9"/>
-    <p:sldId id="264" r:id="rId10"/>
+    <p:sldId id="262" r:id="rId7"/>
+    <p:sldId id="263" r:id="rId8"/>
+    <p:sldId id="264" r:id="rId9"/>
+    <p:sldId id="265" r:id="rId10"/>
+    <p:sldId id="266" r:id="rId11"/>
+    <p:sldId id="268" r:id="rId12"/>
+    <p:sldId id="269" r:id="rId13"/>
+    <p:sldId id="270" r:id="rId14"/>
   </p:sldIdLst>
   <p:sldSz cx="12192000" cy="6858000"/>
   <p:notesSz cx="6858000" cy="9144000"/>
@@ -205,7 +209,7 @@
           <a:p>
             <a:fld id="{98FE0A22-8C78-4422-91FA-EB6E9558014E}" type="datetimeFigureOut">
               <a:rPr lang="fr-FR" smtClean="0"/>
-              <a:t>01/05/2017</a:t>
+              <a:t>02/05/2017</a:t>
             </a:fld>
             <a:endParaRPr lang="fr-FR"/>
           </a:p>
@@ -604,7 +608,7 @@
           <a:p>
             <a:fld id="{BF832263-8BF0-4FC3-8814-3ADCD4FAAD10}" type="datetime1">
               <a:rPr lang="fr-FR" smtClean="0"/>
-              <a:t>01/05/2017</a:t>
+              <a:t>02/05/2017</a:t>
             </a:fld>
             <a:endParaRPr lang="fr-FR"/>
           </a:p>
@@ -778,7 +782,7 @@
           <a:p>
             <a:fld id="{0772B874-F861-4733-96D6-614D0F4D0C16}" type="datetime1">
               <a:rPr lang="fr-FR" smtClean="0"/>
-              <a:t>01/05/2017</a:t>
+              <a:t>02/05/2017</a:t>
             </a:fld>
             <a:endParaRPr lang="fr-FR"/>
           </a:p>
@@ -962,7 +966,7 @@
           <a:p>
             <a:fld id="{F2C43B53-DB81-4210-BECF-C47376B8595E}" type="datetime1">
               <a:rPr lang="fr-FR" smtClean="0"/>
-              <a:t>01/05/2017</a:t>
+              <a:t>02/05/2017</a:t>
             </a:fld>
             <a:endParaRPr lang="fr-FR"/>
           </a:p>
@@ -1136,7 +1140,7 @@
           <a:p>
             <a:fld id="{A3BBD4E2-3DF3-48CF-B929-153024755EC5}" type="datetime1">
               <a:rPr lang="fr-FR" smtClean="0"/>
-              <a:t>01/05/2017</a:t>
+              <a:t>02/05/2017</a:t>
             </a:fld>
             <a:endParaRPr lang="fr-FR"/>
           </a:p>
@@ -1386,7 +1390,7 @@
           <a:p>
             <a:fld id="{48D3BC61-32EB-4187-8331-0A3020DC9DB1}" type="datetime1">
               <a:rPr lang="fr-FR" smtClean="0"/>
-              <a:t>01/05/2017</a:t>
+              <a:t>02/05/2017</a:t>
             </a:fld>
             <a:endParaRPr lang="fr-FR"/>
           </a:p>
@@ -1622,7 +1626,7 @@
           <a:p>
             <a:fld id="{184D03EF-A125-41EF-BE3B-3CB6521EF123}" type="datetime1">
               <a:rPr lang="fr-FR" smtClean="0"/>
-              <a:t>01/05/2017</a:t>
+              <a:t>02/05/2017</a:t>
             </a:fld>
             <a:endParaRPr lang="fr-FR"/>
           </a:p>
@@ -1993,7 +1997,7 @@
           <a:p>
             <a:fld id="{E15FF21B-1D52-4216-828B-52175051CFB8}" type="datetime1">
               <a:rPr lang="fr-FR" smtClean="0"/>
-              <a:t>01/05/2017</a:t>
+              <a:t>02/05/2017</a:t>
             </a:fld>
             <a:endParaRPr lang="fr-FR"/>
           </a:p>
@@ -2115,7 +2119,7 @@
           <a:p>
             <a:fld id="{3588F34A-BCFD-4AC3-912D-EE4B2FED75A8}" type="datetime1">
               <a:rPr lang="fr-FR" smtClean="0"/>
-              <a:t>01/05/2017</a:t>
+              <a:t>02/05/2017</a:t>
             </a:fld>
             <a:endParaRPr lang="fr-FR"/>
           </a:p>
@@ -2214,7 +2218,7 @@
           <a:p>
             <a:fld id="{069D3928-A4C5-4EA9-960E-E6A9E20790E6}" type="datetime1">
               <a:rPr lang="fr-FR" smtClean="0"/>
-              <a:t>01/05/2017</a:t>
+              <a:t>02/05/2017</a:t>
             </a:fld>
             <a:endParaRPr lang="fr-FR"/>
           </a:p>
@@ -2495,7 +2499,7 @@
           <a:p>
             <a:fld id="{4B6CF48B-57D4-4FD5-8D0C-3E83DB32BED4}" type="datetime1">
               <a:rPr lang="fr-FR" smtClean="0"/>
-              <a:t>01/05/2017</a:t>
+              <a:t>02/05/2017</a:t>
             </a:fld>
             <a:endParaRPr lang="fr-FR"/>
           </a:p>
@@ -2752,7 +2756,7 @@
           <a:p>
             <a:fld id="{441F3B14-04E9-4CC8-B3A3-46571A096F6F}" type="datetime1">
               <a:rPr lang="fr-FR" smtClean="0"/>
-              <a:t>01/05/2017</a:t>
+              <a:t>02/05/2017</a:t>
             </a:fld>
             <a:endParaRPr lang="fr-FR"/>
           </a:p>
@@ -2969,7 +2973,7 @@
           <a:p>
             <a:fld id="{791F48C7-B276-49A1-B81A-835EBDD51DFB}" type="datetime1">
               <a:rPr lang="fr-FR" smtClean="0"/>
-              <a:t>01/05/2017</a:t>
+              <a:t>02/05/2017</a:t>
             </a:fld>
             <a:endParaRPr lang="fr-FR"/>
           </a:p>
@@ -3562,6 +3566,1927 @@
 </p:sld>
 </file>
 
+<file path=ppt/slides/slide10.xml><?xml version="1.0" encoding="utf-8"?>
+<p:sld xmlns:a="http://schemas.openxmlformats.org/drawingml/2006/main" xmlns:r="http://schemas.openxmlformats.org/officeDocument/2006/relationships" xmlns:p="http://schemas.openxmlformats.org/presentationml/2006/main">
+  <p:cSld>
+    <p:spTree>
+      <p:nvGrpSpPr>
+        <p:cNvPr id="1" name=""/>
+        <p:cNvGrpSpPr/>
+        <p:nvPr/>
+      </p:nvGrpSpPr>
+      <p:grpSpPr>
+        <a:xfrm>
+          <a:off x="0" y="0"/>
+          <a:ext cx="0" cy="0"/>
+          <a:chOff x="0" y="0"/>
+          <a:chExt cx="0" cy="0"/>
+        </a:xfrm>
+      </p:grpSpPr>
+      <p:sp>
+        <p:nvSpPr>
+          <p:cNvPr id="4" name="Titre 1"/>
+          <p:cNvSpPr>
+            <a:spLocks noGrp="1"/>
+          </p:cNvSpPr>
+          <p:nvPr>
+            <p:ph type="title"/>
+          </p:nvPr>
+        </p:nvSpPr>
+        <p:spPr>
+          <a:xfrm>
+            <a:off x="838200" y="365125"/>
+            <a:ext cx="10515600" cy="1325563"/>
+          </a:xfrm>
+        </p:spPr>
+        <p:txBody>
+          <a:bodyPr/>
+          <a:lstStyle/>
+          <a:p>
+            <a:endParaRPr lang="fr-FR"/>
+          </a:p>
+        </p:txBody>
+      </p:sp>
+      <p:sp>
+        <p:nvSpPr>
+          <p:cNvPr id="5" name="Espace réservé du contenu 2"/>
+          <p:cNvSpPr>
+            <a:spLocks noGrp="1"/>
+          </p:cNvSpPr>
+          <p:nvPr>
+            <p:ph idx="1"/>
+          </p:nvPr>
+        </p:nvSpPr>
+        <p:spPr>
+          <a:xfrm>
+            <a:off x="838200" y="1825625"/>
+            <a:ext cx="10515600" cy="4351338"/>
+          </a:xfrm>
+        </p:spPr>
+        <p:txBody>
+          <a:bodyPr/>
+          <a:lstStyle/>
+          <a:p>
+            <a:endParaRPr lang="fr-FR"/>
+          </a:p>
+        </p:txBody>
+      </p:sp>
+      <p:grpSp>
+        <p:nvGrpSpPr>
+          <p:cNvPr id="6" name="Groupe 5"/>
+          <p:cNvGrpSpPr/>
+          <p:nvPr/>
+        </p:nvGrpSpPr>
+        <p:grpSpPr>
+          <a:xfrm>
+            <a:off x="0" y="0"/>
+            <a:ext cx="12191998" cy="6858000"/>
+            <a:chOff x="0" y="0"/>
+            <a:chExt cx="12191998" cy="6858000"/>
+          </a:xfrm>
+        </p:grpSpPr>
+        <p:sp>
+          <p:nvSpPr>
+            <p:cNvPr id="7" name="Rectangle 6"/>
+            <p:cNvSpPr/>
+            <p:nvPr/>
+          </p:nvSpPr>
+          <p:spPr>
+            <a:xfrm>
+              <a:off x="2048933" y="0"/>
+              <a:ext cx="10143065" cy="6858000"/>
+            </a:xfrm>
+            <a:prstGeom prst="rect">
+              <a:avLst/>
+            </a:prstGeom>
+            <a:solidFill>
+              <a:schemeClr val="tx1">
+                <a:lumMod val="75000"/>
+                <a:lumOff val="25000"/>
+              </a:schemeClr>
+            </a:solidFill>
+            <a:ln>
+              <a:noFill/>
+            </a:ln>
+          </p:spPr>
+          <p:style>
+            <a:lnRef idx="2">
+              <a:schemeClr val="accent1">
+                <a:shade val="50000"/>
+              </a:schemeClr>
+            </a:lnRef>
+            <a:fillRef idx="1">
+              <a:schemeClr val="accent1"/>
+            </a:fillRef>
+            <a:effectRef idx="0">
+              <a:schemeClr val="accent1"/>
+            </a:effectRef>
+            <a:fontRef idx="minor">
+              <a:schemeClr val="lt1"/>
+            </a:fontRef>
+          </p:style>
+          <p:txBody>
+            <a:bodyPr rtlCol="0" anchor="ctr"/>
+            <a:lstStyle/>
+            <a:p>
+              <a:pPr algn="ctr"/>
+              <a:endParaRPr lang="fr-FR"/>
+            </a:p>
+          </p:txBody>
+        </p:sp>
+        <p:sp>
+          <p:nvSpPr>
+            <p:cNvPr id="8" name="Rectangle 7"/>
+            <p:cNvSpPr/>
+            <p:nvPr/>
+          </p:nvSpPr>
+          <p:spPr>
+            <a:xfrm>
+              <a:off x="0" y="0"/>
+              <a:ext cx="2048933" cy="6858000"/>
+            </a:xfrm>
+            <a:prstGeom prst="rect">
+              <a:avLst/>
+            </a:prstGeom>
+            <a:solidFill>
+              <a:srgbClr val="FB8543"/>
+            </a:solidFill>
+            <a:ln>
+              <a:noFill/>
+            </a:ln>
+          </p:spPr>
+          <p:style>
+            <a:lnRef idx="2">
+              <a:schemeClr val="accent1">
+                <a:shade val="50000"/>
+              </a:schemeClr>
+            </a:lnRef>
+            <a:fillRef idx="1">
+              <a:schemeClr val="accent1"/>
+            </a:fillRef>
+            <a:effectRef idx="0">
+              <a:schemeClr val="accent1"/>
+            </a:effectRef>
+            <a:fontRef idx="minor">
+              <a:schemeClr val="lt1"/>
+            </a:fontRef>
+          </p:style>
+          <p:txBody>
+            <a:bodyPr rtlCol="0" anchor="ctr"/>
+            <a:lstStyle/>
+            <a:p>
+              <a:pPr algn="ctr"/>
+              <a:endParaRPr lang="fr-FR"/>
+            </a:p>
+          </p:txBody>
+        </p:sp>
+      </p:grpSp>
+      <p:sp>
+        <p:nvSpPr>
+          <p:cNvPr id="9" name="ZoneTexte 8"/>
+          <p:cNvSpPr txBox="1"/>
+          <p:nvPr/>
+        </p:nvSpPr>
+        <p:spPr>
+          <a:xfrm>
+            <a:off x="0" y="321733"/>
+            <a:ext cx="2048933" cy="4524315"/>
+          </a:xfrm>
+          <a:prstGeom prst="rect">
+            <a:avLst/>
+          </a:prstGeom>
+          <a:noFill/>
+        </p:spPr>
+        <p:txBody>
+          <a:bodyPr wrap="square" rtlCol="0">
+            <a:spAutoFit/>
+          </a:bodyPr>
+          <a:lstStyle/>
+          <a:p>
+            <a:pPr marL="400050" indent="-400050">
+              <a:buAutoNum type="romanUcPeriod"/>
+            </a:pPr>
+            <a:r>
+              <a:rPr lang="fr-FR" sz="1600" dirty="0" smtClean="0">
+                <a:solidFill>
+                  <a:srgbClr val="404040"/>
+                </a:solidFill>
+              </a:rPr>
+              <a:t>Le contexte</a:t>
+            </a:r>
+          </a:p>
+          <a:p>
+            <a:pPr marL="800100" lvl="1" indent="-342900">
+              <a:buAutoNum type="alphaLcParenR"/>
+            </a:pPr>
+            <a:r>
+              <a:rPr lang="fr-FR" sz="1600" dirty="0" smtClean="0">
+                <a:solidFill>
+                  <a:srgbClr val="404040"/>
+                </a:solidFill>
+              </a:rPr>
+              <a:t>Général</a:t>
+            </a:r>
+          </a:p>
+          <a:p>
+            <a:pPr marL="800100" lvl="1" indent="-342900">
+              <a:buAutoNum type="alphaLcParenR"/>
+            </a:pPr>
+            <a:r>
+              <a:rPr lang="fr-FR" sz="1600" dirty="0" smtClean="0">
+                <a:solidFill>
+                  <a:srgbClr val="404040"/>
+                </a:solidFill>
+              </a:rPr>
+              <a:t>Quorum</a:t>
+            </a:r>
+          </a:p>
+          <a:p>
+            <a:pPr lvl="1"/>
+            <a:endParaRPr lang="fr-FR" sz="1600" dirty="0" smtClean="0">
+              <a:solidFill>
+                <a:srgbClr val="404040"/>
+              </a:solidFill>
+            </a:endParaRPr>
+          </a:p>
+          <a:p>
+            <a:r>
+              <a:rPr lang="fr-FR" sz="1600" dirty="0" smtClean="0">
+                <a:solidFill>
+                  <a:srgbClr val="404040"/>
+                </a:solidFill>
+              </a:rPr>
+              <a:t>II.      L’architecture</a:t>
+            </a:r>
+          </a:p>
+          <a:p>
+            <a:pPr marL="800100" lvl="1" indent="-342900">
+              <a:buAutoNum type="alphaLcParenR"/>
+            </a:pPr>
+            <a:r>
+              <a:rPr lang="fr-FR" sz="1600" dirty="0" smtClean="0">
+                <a:solidFill>
+                  <a:srgbClr val="404040"/>
+                </a:solidFill>
+              </a:rPr>
+              <a:t>Langages</a:t>
+            </a:r>
+          </a:p>
+          <a:p>
+            <a:pPr marL="800100" lvl="1" indent="-342900">
+              <a:buAutoNum type="alphaLcParenR"/>
+            </a:pPr>
+            <a:r>
+              <a:rPr lang="fr-FR" sz="1600" dirty="0" smtClean="0">
+                <a:solidFill>
+                  <a:srgbClr val="404040"/>
+                </a:solidFill>
+              </a:rPr>
+              <a:t>Structure</a:t>
+            </a:r>
+          </a:p>
+          <a:p>
+            <a:pPr lvl="1"/>
+            <a:endParaRPr lang="fr-FR" sz="1600" dirty="0" smtClean="0">
+              <a:solidFill>
+                <a:srgbClr val="404040"/>
+              </a:solidFill>
+            </a:endParaRPr>
+          </a:p>
+          <a:p>
+            <a:r>
+              <a:rPr lang="fr-FR" sz="1600" dirty="0" smtClean="0">
+                <a:solidFill>
+                  <a:schemeClr val="bg1"/>
+                </a:solidFill>
+              </a:rPr>
+              <a:t>III.     Les algorithmes</a:t>
+            </a:r>
+          </a:p>
+          <a:p>
+            <a:pPr marL="800100" lvl="1" indent="-342900">
+              <a:buAutoNum type="alphaLcParenR"/>
+            </a:pPr>
+            <a:r>
+              <a:rPr lang="fr-FR" sz="1600" dirty="0" smtClean="0">
+                <a:solidFill>
+                  <a:srgbClr val="404040"/>
+                </a:solidFill>
+              </a:rPr>
+              <a:t>Questions</a:t>
+            </a:r>
+          </a:p>
+          <a:p>
+            <a:pPr marL="800100" lvl="1" indent="-342900">
+              <a:buAutoNum type="alphaLcParenR"/>
+            </a:pPr>
+            <a:r>
+              <a:rPr lang="fr-FR" sz="1600" dirty="0" smtClean="0">
+                <a:solidFill>
+                  <a:srgbClr val="404040"/>
+                </a:solidFill>
+              </a:rPr>
+              <a:t>Fréquentiel</a:t>
+            </a:r>
+          </a:p>
+          <a:p>
+            <a:pPr marL="800100" lvl="1" indent="-342900">
+              <a:buAutoNum type="alphaLcParenR"/>
+            </a:pPr>
+            <a:r>
+              <a:rPr lang="fr-FR" sz="1600" dirty="0" smtClean="0">
+                <a:solidFill>
+                  <a:srgbClr val="404040"/>
+                </a:solidFill>
+              </a:rPr>
+              <a:t>LDA</a:t>
+            </a:r>
+          </a:p>
+          <a:p>
+            <a:pPr marL="800100" lvl="1" indent="-342900">
+              <a:buAutoNum type="alphaLcParenR"/>
+            </a:pPr>
+            <a:r>
+              <a:rPr lang="fr-FR" sz="1600" dirty="0" smtClean="0">
+                <a:solidFill>
+                  <a:srgbClr val="404040"/>
+                </a:solidFill>
+              </a:rPr>
+              <a:t>Ontologique</a:t>
+            </a:r>
+          </a:p>
+          <a:p>
+            <a:pPr marL="800100" lvl="1" indent="-342900">
+              <a:buAutoNum type="alphaLcParenR"/>
+            </a:pPr>
+            <a:r>
+              <a:rPr lang="fr-FR" sz="1600" dirty="0" smtClean="0">
+                <a:solidFill>
+                  <a:schemeClr val="bg1"/>
+                </a:solidFill>
+              </a:rPr>
+              <a:t>HAC</a:t>
+            </a:r>
+          </a:p>
+          <a:p>
+            <a:pPr lvl="1"/>
+            <a:endParaRPr lang="fr-FR" sz="1600" dirty="0" smtClean="0">
+              <a:solidFill>
+                <a:srgbClr val="404040"/>
+              </a:solidFill>
+            </a:endParaRPr>
+          </a:p>
+          <a:p>
+            <a:pPr marL="400050" indent="-400050">
+              <a:buAutoNum type="romanUcPeriod" startAt="4"/>
+            </a:pPr>
+            <a:r>
+              <a:rPr lang="fr-FR" sz="1600" dirty="0">
+                <a:solidFill>
+                  <a:srgbClr val="404040"/>
+                </a:solidFill>
+              </a:rPr>
+              <a:t>Conclusion</a:t>
+            </a:r>
+          </a:p>
+          <a:p>
+            <a:r>
+              <a:rPr lang="fr-FR" sz="1600" dirty="0">
+                <a:solidFill>
+                  <a:srgbClr val="404040"/>
+                </a:solidFill>
+              </a:rPr>
+              <a:t>         a) Difficultés</a:t>
+            </a:r>
+          </a:p>
+          <a:p>
+            <a:r>
+              <a:rPr lang="fr-FR" sz="1600" dirty="0">
+                <a:solidFill>
+                  <a:srgbClr val="404040"/>
+                </a:solidFill>
+              </a:rPr>
+              <a:t>         b) Apports</a:t>
+            </a:r>
+            <a:endParaRPr lang="fr-FR" sz="1600" dirty="0">
+              <a:solidFill>
+                <a:srgbClr val="404040"/>
+              </a:solidFill>
+            </a:endParaRPr>
+          </a:p>
+        </p:txBody>
+      </p:sp>
+      <p:sp>
+        <p:nvSpPr>
+          <p:cNvPr id="10" name="ZoneTexte 9"/>
+          <p:cNvSpPr txBox="1"/>
+          <p:nvPr/>
+        </p:nvSpPr>
+        <p:spPr>
+          <a:xfrm>
+            <a:off x="3441468" y="1363287"/>
+            <a:ext cx="7912331" cy="2031325"/>
+          </a:xfrm>
+          <a:prstGeom prst="rect">
+            <a:avLst/>
+          </a:prstGeom>
+          <a:noFill/>
+        </p:spPr>
+        <p:txBody>
+          <a:bodyPr wrap="square" rtlCol="0">
+            <a:spAutoFit/>
+          </a:bodyPr>
+          <a:lstStyle/>
+          <a:p>
+            <a:pPr marL="285750" indent="-285750">
+              <a:buFont typeface="Arial" panose="020B0604020202020204" pitchFamily="34" charset="0"/>
+              <a:buChar char="•"/>
+            </a:pPr>
+            <a:r>
+              <a:rPr lang="fr-FR" smtClean="0">
+                <a:solidFill>
+                  <a:schemeClr val="bg1"/>
+                </a:solidFill>
+              </a:rPr>
+              <a:t>Chaque réponse </a:t>
+            </a:r>
+            <a:r>
+              <a:rPr lang="fr-FR" dirty="0" smtClean="0">
+                <a:solidFill>
+                  <a:schemeClr val="bg1"/>
+                </a:solidFill>
+              </a:rPr>
+              <a:t>est un vecteur</a:t>
+            </a:r>
+          </a:p>
+          <a:p>
+            <a:pPr marL="285750" indent="-285750">
+              <a:buFont typeface="Arial" panose="020B0604020202020204" pitchFamily="34" charset="0"/>
+              <a:buChar char="•"/>
+            </a:pPr>
+            <a:endParaRPr lang="fr-FR" dirty="0">
+              <a:solidFill>
+                <a:schemeClr val="bg1"/>
+              </a:solidFill>
+            </a:endParaRPr>
+          </a:p>
+          <a:p>
+            <a:pPr marL="285750" indent="-285750">
+              <a:buFont typeface="Arial" panose="020B0604020202020204" pitchFamily="34" charset="0"/>
+              <a:buChar char="•"/>
+            </a:pPr>
+            <a:r>
+              <a:rPr lang="fr-FR" dirty="0" smtClean="0">
+                <a:solidFill>
+                  <a:schemeClr val="bg1"/>
+                </a:solidFill>
+              </a:rPr>
+              <a:t>Calcul de la distance euclidienne entre les vecteurs</a:t>
+            </a:r>
+          </a:p>
+          <a:p>
+            <a:pPr marL="285750" indent="-285750">
+              <a:buFont typeface="Arial" panose="020B0604020202020204" pitchFamily="34" charset="0"/>
+              <a:buChar char="•"/>
+            </a:pPr>
+            <a:endParaRPr lang="fr-FR" dirty="0">
+              <a:solidFill>
+                <a:schemeClr val="bg1"/>
+              </a:solidFill>
+            </a:endParaRPr>
+          </a:p>
+          <a:p>
+            <a:pPr marL="285750" indent="-285750">
+              <a:buFont typeface="Arial" panose="020B0604020202020204" pitchFamily="34" charset="0"/>
+              <a:buChar char="•"/>
+            </a:pPr>
+            <a:r>
+              <a:rPr lang="fr-FR" dirty="0" smtClean="0">
+                <a:solidFill>
+                  <a:schemeClr val="bg1"/>
+                </a:solidFill>
+              </a:rPr>
+              <a:t>Regroupement de clusters</a:t>
+            </a:r>
+          </a:p>
+          <a:p>
+            <a:pPr marL="285750" indent="-285750">
+              <a:buFont typeface="Arial" panose="020B0604020202020204" pitchFamily="34" charset="0"/>
+              <a:buChar char="•"/>
+            </a:pPr>
+            <a:endParaRPr lang="fr-FR" dirty="0">
+              <a:solidFill>
+                <a:schemeClr val="bg1"/>
+              </a:solidFill>
+            </a:endParaRPr>
+          </a:p>
+          <a:p>
+            <a:pPr marL="285750" indent="-285750">
+              <a:buFont typeface="Arial" panose="020B0604020202020204" pitchFamily="34" charset="0"/>
+              <a:buChar char="•"/>
+            </a:pPr>
+            <a:r>
+              <a:rPr lang="fr-FR" dirty="0" smtClean="0">
+                <a:solidFill>
+                  <a:schemeClr val="bg1"/>
+                </a:solidFill>
+              </a:rPr>
+              <a:t>Regarder des groupes de réponses semblables</a:t>
+            </a:r>
+            <a:endParaRPr lang="fr-FR" dirty="0">
+              <a:solidFill>
+                <a:schemeClr val="bg1"/>
+              </a:solidFill>
+            </a:endParaRPr>
+          </a:p>
+        </p:txBody>
+      </p:sp>
+      <p:sp>
+        <p:nvSpPr>
+          <p:cNvPr id="11" name="ZoneTexte 10"/>
+          <p:cNvSpPr txBox="1"/>
+          <p:nvPr/>
+        </p:nvSpPr>
+        <p:spPr>
+          <a:xfrm>
+            <a:off x="2523066" y="6256867"/>
+            <a:ext cx="10143065" cy="323165"/>
+          </a:xfrm>
+          <a:prstGeom prst="rect">
+            <a:avLst/>
+          </a:prstGeom>
+          <a:noFill/>
+        </p:spPr>
+        <p:txBody>
+          <a:bodyPr wrap="square" rtlCol="0">
+            <a:spAutoFit/>
+          </a:bodyPr>
+          <a:lstStyle/>
+          <a:p>
+            <a:r>
+              <a:rPr lang="fr-FR" sz="1500" dirty="0" smtClean="0">
+                <a:solidFill>
+                  <a:srgbClr val="FB8543"/>
+                </a:solidFill>
+              </a:rPr>
+              <a:t>02/05/2017			    Paul LAURENT-ENSC				   	</a:t>
+            </a:r>
+            <a:r>
+              <a:rPr lang="fr-FR" sz="1500" dirty="0" smtClean="0">
+                <a:solidFill>
+                  <a:srgbClr val="FB8543"/>
+                </a:solidFill>
+              </a:rPr>
+              <a:t>10</a:t>
+            </a:r>
+            <a:endParaRPr lang="fr-FR" sz="1500" dirty="0">
+              <a:solidFill>
+                <a:srgbClr val="FB8543"/>
+              </a:solidFill>
+            </a:endParaRPr>
+          </a:p>
+        </p:txBody>
+      </p:sp>
+    </p:spTree>
+    <p:extLst>
+      <p:ext uri="{BB962C8B-B14F-4D97-AF65-F5344CB8AC3E}">
+        <p14:creationId xmlns:p14="http://schemas.microsoft.com/office/powerpoint/2010/main" val="3169625080"/>
+      </p:ext>
+    </p:extLst>
+  </p:cSld>
+  <p:clrMapOvr>
+    <a:masterClrMapping/>
+  </p:clrMapOvr>
+  <p:timing>
+    <p:tnLst>
+      <p:par>
+        <p:cTn id="1" dur="indefinite" restart="never" nodeType="tmRoot"/>
+      </p:par>
+    </p:tnLst>
+  </p:timing>
+</p:sld>
+</file>
+
+<file path=ppt/slides/slide11.xml><?xml version="1.0" encoding="utf-8"?>
+<p:sld xmlns:a="http://schemas.openxmlformats.org/drawingml/2006/main" xmlns:r="http://schemas.openxmlformats.org/officeDocument/2006/relationships" xmlns:p="http://schemas.openxmlformats.org/presentationml/2006/main">
+  <p:cSld>
+    <p:spTree>
+      <p:nvGrpSpPr>
+        <p:cNvPr id="1" name=""/>
+        <p:cNvGrpSpPr/>
+        <p:nvPr/>
+      </p:nvGrpSpPr>
+      <p:grpSpPr>
+        <a:xfrm>
+          <a:off x="0" y="0"/>
+          <a:ext cx="0" cy="0"/>
+          <a:chOff x="0" y="0"/>
+          <a:chExt cx="0" cy="0"/>
+        </a:xfrm>
+      </p:grpSpPr>
+      <p:sp>
+        <p:nvSpPr>
+          <p:cNvPr id="4" name="Titre 1"/>
+          <p:cNvSpPr>
+            <a:spLocks noGrp="1"/>
+          </p:cNvSpPr>
+          <p:nvPr>
+            <p:ph type="title"/>
+          </p:nvPr>
+        </p:nvSpPr>
+        <p:spPr>
+          <a:xfrm>
+            <a:off x="838200" y="365125"/>
+            <a:ext cx="10515600" cy="1325563"/>
+          </a:xfrm>
+        </p:spPr>
+        <p:txBody>
+          <a:bodyPr/>
+          <a:lstStyle/>
+          <a:p>
+            <a:endParaRPr lang="fr-FR"/>
+          </a:p>
+        </p:txBody>
+      </p:sp>
+      <p:sp>
+        <p:nvSpPr>
+          <p:cNvPr id="5" name="Espace réservé du contenu 2"/>
+          <p:cNvSpPr>
+            <a:spLocks noGrp="1"/>
+          </p:cNvSpPr>
+          <p:nvPr>
+            <p:ph idx="1"/>
+          </p:nvPr>
+        </p:nvSpPr>
+        <p:spPr>
+          <a:xfrm>
+            <a:off x="838200" y="1825625"/>
+            <a:ext cx="10515600" cy="4351338"/>
+          </a:xfrm>
+        </p:spPr>
+        <p:txBody>
+          <a:bodyPr/>
+          <a:lstStyle/>
+          <a:p>
+            <a:endParaRPr lang="fr-FR"/>
+          </a:p>
+        </p:txBody>
+      </p:sp>
+      <p:grpSp>
+        <p:nvGrpSpPr>
+          <p:cNvPr id="6" name="Groupe 5"/>
+          <p:cNvGrpSpPr/>
+          <p:nvPr/>
+        </p:nvGrpSpPr>
+        <p:grpSpPr>
+          <a:xfrm>
+            <a:off x="0" y="0"/>
+            <a:ext cx="12191998" cy="6858000"/>
+            <a:chOff x="0" y="0"/>
+            <a:chExt cx="12191998" cy="6858000"/>
+          </a:xfrm>
+        </p:grpSpPr>
+        <p:sp>
+          <p:nvSpPr>
+            <p:cNvPr id="7" name="Rectangle 6"/>
+            <p:cNvSpPr/>
+            <p:nvPr/>
+          </p:nvSpPr>
+          <p:spPr>
+            <a:xfrm>
+              <a:off x="2048933" y="0"/>
+              <a:ext cx="10143065" cy="6858000"/>
+            </a:xfrm>
+            <a:prstGeom prst="rect">
+              <a:avLst/>
+            </a:prstGeom>
+            <a:solidFill>
+              <a:schemeClr val="tx1">
+                <a:lumMod val="75000"/>
+                <a:lumOff val="25000"/>
+              </a:schemeClr>
+            </a:solidFill>
+            <a:ln>
+              <a:noFill/>
+            </a:ln>
+          </p:spPr>
+          <p:style>
+            <a:lnRef idx="2">
+              <a:schemeClr val="accent1">
+                <a:shade val="50000"/>
+              </a:schemeClr>
+            </a:lnRef>
+            <a:fillRef idx="1">
+              <a:schemeClr val="accent1"/>
+            </a:fillRef>
+            <a:effectRef idx="0">
+              <a:schemeClr val="accent1"/>
+            </a:effectRef>
+            <a:fontRef idx="minor">
+              <a:schemeClr val="lt1"/>
+            </a:fontRef>
+          </p:style>
+          <p:txBody>
+            <a:bodyPr rtlCol="0" anchor="ctr"/>
+            <a:lstStyle/>
+            <a:p>
+              <a:pPr algn="ctr"/>
+              <a:endParaRPr lang="fr-FR"/>
+            </a:p>
+          </p:txBody>
+        </p:sp>
+        <p:sp>
+          <p:nvSpPr>
+            <p:cNvPr id="8" name="Rectangle 7"/>
+            <p:cNvSpPr/>
+            <p:nvPr/>
+          </p:nvSpPr>
+          <p:spPr>
+            <a:xfrm>
+              <a:off x="0" y="0"/>
+              <a:ext cx="2048933" cy="6858000"/>
+            </a:xfrm>
+            <a:prstGeom prst="rect">
+              <a:avLst/>
+            </a:prstGeom>
+            <a:solidFill>
+              <a:srgbClr val="FB8543"/>
+            </a:solidFill>
+            <a:ln>
+              <a:noFill/>
+            </a:ln>
+          </p:spPr>
+          <p:style>
+            <a:lnRef idx="2">
+              <a:schemeClr val="accent1">
+                <a:shade val="50000"/>
+              </a:schemeClr>
+            </a:lnRef>
+            <a:fillRef idx="1">
+              <a:schemeClr val="accent1"/>
+            </a:fillRef>
+            <a:effectRef idx="0">
+              <a:schemeClr val="accent1"/>
+            </a:effectRef>
+            <a:fontRef idx="minor">
+              <a:schemeClr val="lt1"/>
+            </a:fontRef>
+          </p:style>
+          <p:txBody>
+            <a:bodyPr rtlCol="0" anchor="ctr"/>
+            <a:lstStyle/>
+            <a:p>
+              <a:pPr algn="ctr"/>
+              <a:endParaRPr lang="fr-FR"/>
+            </a:p>
+          </p:txBody>
+        </p:sp>
+      </p:grpSp>
+      <p:sp>
+        <p:nvSpPr>
+          <p:cNvPr id="9" name="ZoneTexte 8"/>
+          <p:cNvSpPr txBox="1"/>
+          <p:nvPr/>
+        </p:nvSpPr>
+        <p:spPr>
+          <a:xfrm>
+            <a:off x="0" y="321733"/>
+            <a:ext cx="2048933" cy="4524315"/>
+          </a:xfrm>
+          <a:prstGeom prst="rect">
+            <a:avLst/>
+          </a:prstGeom>
+          <a:noFill/>
+        </p:spPr>
+        <p:txBody>
+          <a:bodyPr wrap="square" rtlCol="0">
+            <a:spAutoFit/>
+          </a:bodyPr>
+          <a:lstStyle/>
+          <a:p>
+            <a:pPr marL="400050" indent="-400050">
+              <a:buAutoNum type="romanUcPeriod"/>
+            </a:pPr>
+            <a:r>
+              <a:rPr lang="fr-FR" sz="1600" dirty="0" smtClean="0">
+                <a:solidFill>
+                  <a:srgbClr val="404040"/>
+                </a:solidFill>
+              </a:rPr>
+              <a:t>Le contexte</a:t>
+            </a:r>
+          </a:p>
+          <a:p>
+            <a:pPr marL="800100" lvl="1" indent="-342900">
+              <a:buAutoNum type="alphaLcParenR"/>
+            </a:pPr>
+            <a:r>
+              <a:rPr lang="fr-FR" sz="1600" dirty="0" smtClean="0">
+                <a:solidFill>
+                  <a:srgbClr val="404040"/>
+                </a:solidFill>
+              </a:rPr>
+              <a:t>Général</a:t>
+            </a:r>
+          </a:p>
+          <a:p>
+            <a:pPr marL="800100" lvl="1" indent="-342900">
+              <a:buAutoNum type="alphaLcParenR"/>
+            </a:pPr>
+            <a:r>
+              <a:rPr lang="fr-FR" sz="1600" dirty="0" smtClean="0">
+                <a:solidFill>
+                  <a:srgbClr val="404040"/>
+                </a:solidFill>
+              </a:rPr>
+              <a:t>Quorum</a:t>
+            </a:r>
+          </a:p>
+          <a:p>
+            <a:pPr lvl="1"/>
+            <a:endParaRPr lang="fr-FR" sz="1600" dirty="0" smtClean="0">
+              <a:solidFill>
+                <a:srgbClr val="404040"/>
+              </a:solidFill>
+            </a:endParaRPr>
+          </a:p>
+          <a:p>
+            <a:r>
+              <a:rPr lang="fr-FR" sz="1600" dirty="0" smtClean="0">
+                <a:solidFill>
+                  <a:srgbClr val="404040"/>
+                </a:solidFill>
+              </a:rPr>
+              <a:t>II.      L’architecture</a:t>
+            </a:r>
+          </a:p>
+          <a:p>
+            <a:pPr marL="800100" lvl="1" indent="-342900">
+              <a:buAutoNum type="alphaLcParenR"/>
+            </a:pPr>
+            <a:r>
+              <a:rPr lang="fr-FR" sz="1600" dirty="0" smtClean="0">
+                <a:solidFill>
+                  <a:srgbClr val="404040"/>
+                </a:solidFill>
+              </a:rPr>
+              <a:t>Langages</a:t>
+            </a:r>
+          </a:p>
+          <a:p>
+            <a:pPr marL="800100" lvl="1" indent="-342900">
+              <a:buAutoNum type="alphaLcParenR"/>
+            </a:pPr>
+            <a:r>
+              <a:rPr lang="fr-FR" sz="1600" dirty="0" smtClean="0">
+                <a:solidFill>
+                  <a:srgbClr val="404040"/>
+                </a:solidFill>
+              </a:rPr>
+              <a:t>Structure</a:t>
+            </a:r>
+          </a:p>
+          <a:p>
+            <a:pPr lvl="1"/>
+            <a:endParaRPr lang="fr-FR" sz="1600" dirty="0" smtClean="0">
+              <a:solidFill>
+                <a:srgbClr val="404040"/>
+              </a:solidFill>
+            </a:endParaRPr>
+          </a:p>
+          <a:p>
+            <a:r>
+              <a:rPr lang="fr-FR" sz="1600" dirty="0" smtClean="0">
+                <a:solidFill>
+                  <a:srgbClr val="404040"/>
+                </a:solidFill>
+              </a:rPr>
+              <a:t>III.     Les algorithmes</a:t>
+            </a:r>
+          </a:p>
+          <a:p>
+            <a:pPr marL="800100" lvl="1" indent="-342900">
+              <a:buAutoNum type="alphaLcParenR"/>
+            </a:pPr>
+            <a:r>
+              <a:rPr lang="fr-FR" sz="1600" dirty="0" smtClean="0">
+                <a:solidFill>
+                  <a:srgbClr val="404040"/>
+                </a:solidFill>
+              </a:rPr>
+              <a:t>Questions</a:t>
+            </a:r>
+          </a:p>
+          <a:p>
+            <a:pPr marL="800100" lvl="1" indent="-342900">
+              <a:buAutoNum type="alphaLcParenR"/>
+            </a:pPr>
+            <a:r>
+              <a:rPr lang="fr-FR" sz="1600" dirty="0" smtClean="0">
+                <a:solidFill>
+                  <a:srgbClr val="404040"/>
+                </a:solidFill>
+              </a:rPr>
+              <a:t>Fréquentiel</a:t>
+            </a:r>
+          </a:p>
+          <a:p>
+            <a:pPr marL="800100" lvl="1" indent="-342900">
+              <a:buAutoNum type="alphaLcParenR"/>
+            </a:pPr>
+            <a:r>
+              <a:rPr lang="fr-FR" sz="1600" dirty="0" smtClean="0">
+                <a:solidFill>
+                  <a:srgbClr val="404040"/>
+                </a:solidFill>
+              </a:rPr>
+              <a:t>LDA</a:t>
+            </a:r>
+          </a:p>
+          <a:p>
+            <a:pPr marL="800100" lvl="1" indent="-342900">
+              <a:buAutoNum type="alphaLcParenR"/>
+            </a:pPr>
+            <a:r>
+              <a:rPr lang="fr-FR" sz="1600" dirty="0" smtClean="0">
+                <a:solidFill>
+                  <a:srgbClr val="404040"/>
+                </a:solidFill>
+              </a:rPr>
+              <a:t>Ontologique</a:t>
+            </a:r>
+          </a:p>
+          <a:p>
+            <a:pPr marL="800100" lvl="1" indent="-342900">
+              <a:buAutoNum type="alphaLcParenR"/>
+            </a:pPr>
+            <a:r>
+              <a:rPr lang="fr-FR" sz="1600" dirty="0" smtClean="0">
+                <a:solidFill>
+                  <a:srgbClr val="404040"/>
+                </a:solidFill>
+              </a:rPr>
+              <a:t>HAC</a:t>
+            </a:r>
+          </a:p>
+          <a:p>
+            <a:pPr lvl="1"/>
+            <a:endParaRPr lang="fr-FR" sz="1600" dirty="0" smtClean="0">
+              <a:solidFill>
+                <a:srgbClr val="404040"/>
+              </a:solidFill>
+            </a:endParaRPr>
+          </a:p>
+          <a:p>
+            <a:pPr marL="400050" indent="-400050">
+              <a:buAutoNum type="romanUcPeriod" startAt="4"/>
+            </a:pPr>
+            <a:r>
+              <a:rPr lang="fr-FR" sz="1600" dirty="0" smtClean="0">
+                <a:solidFill>
+                  <a:schemeClr val="bg1"/>
+                </a:solidFill>
+              </a:rPr>
+              <a:t>Conclusion</a:t>
+            </a:r>
+          </a:p>
+          <a:p>
+            <a:r>
+              <a:rPr lang="fr-FR" sz="1600" dirty="0">
+                <a:solidFill>
+                  <a:srgbClr val="404040"/>
+                </a:solidFill>
+              </a:rPr>
+              <a:t> </a:t>
+            </a:r>
+            <a:r>
+              <a:rPr lang="fr-FR" sz="1600" dirty="0" smtClean="0">
+                <a:solidFill>
+                  <a:srgbClr val="404040"/>
+                </a:solidFill>
+              </a:rPr>
+              <a:t>        </a:t>
+            </a:r>
+            <a:r>
+              <a:rPr lang="fr-FR" sz="1600" dirty="0" smtClean="0">
+                <a:solidFill>
+                  <a:schemeClr val="bg1"/>
+                </a:solidFill>
+              </a:rPr>
+              <a:t>a) Difficultés</a:t>
+            </a:r>
+          </a:p>
+          <a:p>
+            <a:r>
+              <a:rPr lang="fr-FR" sz="1600" dirty="0" smtClean="0">
+                <a:solidFill>
+                  <a:srgbClr val="404040"/>
+                </a:solidFill>
+              </a:rPr>
+              <a:t>         b) Apports</a:t>
+            </a:r>
+          </a:p>
+        </p:txBody>
+      </p:sp>
+      <p:sp>
+        <p:nvSpPr>
+          <p:cNvPr id="10" name="ZoneTexte 9"/>
+          <p:cNvSpPr txBox="1"/>
+          <p:nvPr/>
+        </p:nvSpPr>
+        <p:spPr>
+          <a:xfrm>
+            <a:off x="3441468" y="1363287"/>
+            <a:ext cx="7912331" cy="1477328"/>
+          </a:xfrm>
+          <a:prstGeom prst="rect">
+            <a:avLst/>
+          </a:prstGeom>
+          <a:noFill/>
+        </p:spPr>
+        <p:txBody>
+          <a:bodyPr wrap="square" rtlCol="0">
+            <a:spAutoFit/>
+          </a:bodyPr>
+          <a:lstStyle/>
+          <a:p>
+            <a:pPr marL="285750" indent="-285750">
+              <a:buFont typeface="Arial" panose="020B0604020202020204" pitchFamily="34" charset="0"/>
+              <a:buChar char="•"/>
+            </a:pPr>
+            <a:r>
+              <a:rPr lang="fr-FR" dirty="0" smtClean="0">
+                <a:solidFill>
+                  <a:schemeClr val="bg1"/>
+                </a:solidFill>
+              </a:rPr>
+              <a:t>Documentation principalement en anglais </a:t>
+            </a:r>
+          </a:p>
+          <a:p>
+            <a:pPr marL="285750" indent="-285750">
+              <a:buFont typeface="Arial" panose="020B0604020202020204" pitchFamily="34" charset="0"/>
+              <a:buChar char="•"/>
+            </a:pPr>
+            <a:endParaRPr lang="fr-FR" dirty="0">
+              <a:solidFill>
+                <a:schemeClr val="bg1"/>
+              </a:solidFill>
+            </a:endParaRPr>
+          </a:p>
+          <a:p>
+            <a:pPr marL="285750" indent="-285750">
+              <a:buFont typeface="Arial" panose="020B0604020202020204" pitchFamily="34" charset="0"/>
+              <a:buChar char="•"/>
+            </a:pPr>
+            <a:r>
+              <a:rPr lang="fr-FR" dirty="0" smtClean="0">
+                <a:solidFill>
+                  <a:schemeClr val="bg1"/>
+                </a:solidFill>
+              </a:rPr>
+              <a:t>Mise en place d’un serveur python</a:t>
+            </a:r>
+          </a:p>
+          <a:p>
+            <a:pPr marL="285750" indent="-285750">
+              <a:buFont typeface="Arial" panose="020B0604020202020204" pitchFamily="34" charset="0"/>
+              <a:buChar char="•"/>
+            </a:pPr>
+            <a:endParaRPr lang="fr-FR" dirty="0">
+              <a:solidFill>
+                <a:schemeClr val="bg1"/>
+              </a:solidFill>
+            </a:endParaRPr>
+          </a:p>
+          <a:p>
+            <a:pPr marL="285750" indent="-285750">
+              <a:buFont typeface="Arial" panose="020B0604020202020204" pitchFamily="34" charset="0"/>
+              <a:buChar char="•"/>
+            </a:pPr>
+            <a:r>
+              <a:rPr lang="fr-FR" dirty="0" smtClean="0">
+                <a:solidFill>
+                  <a:schemeClr val="bg1"/>
+                </a:solidFill>
+              </a:rPr>
+              <a:t>Lien entre interface et serveur</a:t>
+            </a:r>
+            <a:endParaRPr lang="fr-FR" dirty="0">
+              <a:solidFill>
+                <a:schemeClr val="bg1"/>
+              </a:solidFill>
+            </a:endParaRPr>
+          </a:p>
+        </p:txBody>
+      </p:sp>
+      <p:sp>
+        <p:nvSpPr>
+          <p:cNvPr id="11" name="ZoneTexte 10"/>
+          <p:cNvSpPr txBox="1"/>
+          <p:nvPr/>
+        </p:nvSpPr>
+        <p:spPr>
+          <a:xfrm>
+            <a:off x="2523066" y="6256867"/>
+            <a:ext cx="10143065" cy="323165"/>
+          </a:xfrm>
+          <a:prstGeom prst="rect">
+            <a:avLst/>
+          </a:prstGeom>
+          <a:noFill/>
+        </p:spPr>
+        <p:txBody>
+          <a:bodyPr wrap="square" rtlCol="0">
+            <a:spAutoFit/>
+          </a:bodyPr>
+          <a:lstStyle/>
+          <a:p>
+            <a:r>
+              <a:rPr lang="fr-FR" sz="1500" dirty="0" smtClean="0">
+                <a:solidFill>
+                  <a:srgbClr val="FB8543"/>
+                </a:solidFill>
+              </a:rPr>
+              <a:t>02/05/2017			    Paul LAURENT-ENSC				   	</a:t>
+            </a:r>
+            <a:r>
+              <a:rPr lang="fr-FR" sz="1500" dirty="0" smtClean="0">
+                <a:solidFill>
+                  <a:srgbClr val="FB8543"/>
+                </a:solidFill>
+              </a:rPr>
+              <a:t>11</a:t>
+            </a:r>
+            <a:endParaRPr lang="fr-FR" sz="1500" dirty="0">
+              <a:solidFill>
+                <a:srgbClr val="FB8543"/>
+              </a:solidFill>
+            </a:endParaRPr>
+          </a:p>
+        </p:txBody>
+      </p:sp>
+    </p:spTree>
+    <p:extLst>
+      <p:ext uri="{BB962C8B-B14F-4D97-AF65-F5344CB8AC3E}">
+        <p14:creationId xmlns:p14="http://schemas.microsoft.com/office/powerpoint/2010/main" val="4062668089"/>
+      </p:ext>
+    </p:extLst>
+  </p:cSld>
+  <p:clrMapOvr>
+    <a:masterClrMapping/>
+  </p:clrMapOvr>
+  <p:timing>
+    <p:tnLst>
+      <p:par>
+        <p:cTn id="1" dur="indefinite" restart="never" nodeType="tmRoot"/>
+      </p:par>
+    </p:tnLst>
+  </p:timing>
+</p:sld>
+</file>
+
+<file path=ppt/slides/slide12.xml><?xml version="1.0" encoding="utf-8"?>
+<p:sld xmlns:a="http://schemas.openxmlformats.org/drawingml/2006/main" xmlns:r="http://schemas.openxmlformats.org/officeDocument/2006/relationships" xmlns:p="http://schemas.openxmlformats.org/presentationml/2006/main">
+  <p:cSld>
+    <p:spTree>
+      <p:nvGrpSpPr>
+        <p:cNvPr id="1" name=""/>
+        <p:cNvGrpSpPr/>
+        <p:nvPr/>
+      </p:nvGrpSpPr>
+      <p:grpSpPr>
+        <a:xfrm>
+          <a:off x="0" y="0"/>
+          <a:ext cx="0" cy="0"/>
+          <a:chOff x="0" y="0"/>
+          <a:chExt cx="0" cy="0"/>
+        </a:xfrm>
+      </p:grpSpPr>
+      <p:sp>
+        <p:nvSpPr>
+          <p:cNvPr id="4" name="Titre 1"/>
+          <p:cNvSpPr>
+            <a:spLocks noGrp="1"/>
+          </p:cNvSpPr>
+          <p:nvPr>
+            <p:ph type="title"/>
+          </p:nvPr>
+        </p:nvSpPr>
+        <p:spPr>
+          <a:xfrm>
+            <a:off x="838200" y="365125"/>
+            <a:ext cx="10515600" cy="1325563"/>
+          </a:xfrm>
+        </p:spPr>
+        <p:txBody>
+          <a:bodyPr/>
+          <a:lstStyle/>
+          <a:p>
+            <a:endParaRPr lang="fr-FR"/>
+          </a:p>
+        </p:txBody>
+      </p:sp>
+      <p:sp>
+        <p:nvSpPr>
+          <p:cNvPr id="5" name="Espace réservé du contenu 2"/>
+          <p:cNvSpPr>
+            <a:spLocks noGrp="1"/>
+          </p:cNvSpPr>
+          <p:nvPr>
+            <p:ph idx="1"/>
+          </p:nvPr>
+        </p:nvSpPr>
+        <p:spPr>
+          <a:xfrm>
+            <a:off x="838200" y="1825625"/>
+            <a:ext cx="10515600" cy="4351338"/>
+          </a:xfrm>
+        </p:spPr>
+        <p:txBody>
+          <a:bodyPr/>
+          <a:lstStyle/>
+          <a:p>
+            <a:endParaRPr lang="fr-FR"/>
+          </a:p>
+        </p:txBody>
+      </p:sp>
+      <p:grpSp>
+        <p:nvGrpSpPr>
+          <p:cNvPr id="6" name="Groupe 5"/>
+          <p:cNvGrpSpPr/>
+          <p:nvPr/>
+        </p:nvGrpSpPr>
+        <p:grpSpPr>
+          <a:xfrm>
+            <a:off x="0" y="0"/>
+            <a:ext cx="12191998" cy="6858000"/>
+            <a:chOff x="0" y="0"/>
+            <a:chExt cx="12191998" cy="6858000"/>
+          </a:xfrm>
+        </p:grpSpPr>
+        <p:sp>
+          <p:nvSpPr>
+            <p:cNvPr id="7" name="Rectangle 6"/>
+            <p:cNvSpPr/>
+            <p:nvPr/>
+          </p:nvSpPr>
+          <p:spPr>
+            <a:xfrm>
+              <a:off x="2048933" y="0"/>
+              <a:ext cx="10143065" cy="6858000"/>
+            </a:xfrm>
+            <a:prstGeom prst="rect">
+              <a:avLst/>
+            </a:prstGeom>
+            <a:solidFill>
+              <a:schemeClr val="tx1">
+                <a:lumMod val="75000"/>
+                <a:lumOff val="25000"/>
+              </a:schemeClr>
+            </a:solidFill>
+            <a:ln>
+              <a:noFill/>
+            </a:ln>
+          </p:spPr>
+          <p:style>
+            <a:lnRef idx="2">
+              <a:schemeClr val="accent1">
+                <a:shade val="50000"/>
+              </a:schemeClr>
+            </a:lnRef>
+            <a:fillRef idx="1">
+              <a:schemeClr val="accent1"/>
+            </a:fillRef>
+            <a:effectRef idx="0">
+              <a:schemeClr val="accent1"/>
+            </a:effectRef>
+            <a:fontRef idx="minor">
+              <a:schemeClr val="lt1"/>
+            </a:fontRef>
+          </p:style>
+          <p:txBody>
+            <a:bodyPr rtlCol="0" anchor="ctr"/>
+            <a:lstStyle/>
+            <a:p>
+              <a:pPr algn="ctr"/>
+              <a:endParaRPr lang="fr-FR"/>
+            </a:p>
+          </p:txBody>
+        </p:sp>
+        <p:sp>
+          <p:nvSpPr>
+            <p:cNvPr id="8" name="Rectangle 7"/>
+            <p:cNvSpPr/>
+            <p:nvPr/>
+          </p:nvSpPr>
+          <p:spPr>
+            <a:xfrm>
+              <a:off x="0" y="0"/>
+              <a:ext cx="2048933" cy="6858000"/>
+            </a:xfrm>
+            <a:prstGeom prst="rect">
+              <a:avLst/>
+            </a:prstGeom>
+            <a:solidFill>
+              <a:srgbClr val="FB8543"/>
+            </a:solidFill>
+            <a:ln>
+              <a:noFill/>
+            </a:ln>
+          </p:spPr>
+          <p:style>
+            <a:lnRef idx="2">
+              <a:schemeClr val="accent1">
+                <a:shade val="50000"/>
+              </a:schemeClr>
+            </a:lnRef>
+            <a:fillRef idx="1">
+              <a:schemeClr val="accent1"/>
+            </a:fillRef>
+            <a:effectRef idx="0">
+              <a:schemeClr val="accent1"/>
+            </a:effectRef>
+            <a:fontRef idx="minor">
+              <a:schemeClr val="lt1"/>
+            </a:fontRef>
+          </p:style>
+          <p:txBody>
+            <a:bodyPr rtlCol="0" anchor="ctr"/>
+            <a:lstStyle/>
+            <a:p>
+              <a:pPr algn="ctr"/>
+              <a:endParaRPr lang="fr-FR"/>
+            </a:p>
+          </p:txBody>
+        </p:sp>
+      </p:grpSp>
+      <p:sp>
+        <p:nvSpPr>
+          <p:cNvPr id="9" name="ZoneTexte 8"/>
+          <p:cNvSpPr txBox="1"/>
+          <p:nvPr/>
+        </p:nvSpPr>
+        <p:spPr>
+          <a:xfrm>
+            <a:off x="0" y="321733"/>
+            <a:ext cx="2048933" cy="4524315"/>
+          </a:xfrm>
+          <a:prstGeom prst="rect">
+            <a:avLst/>
+          </a:prstGeom>
+          <a:noFill/>
+        </p:spPr>
+        <p:txBody>
+          <a:bodyPr wrap="square" rtlCol="0">
+            <a:spAutoFit/>
+          </a:bodyPr>
+          <a:lstStyle/>
+          <a:p>
+            <a:pPr marL="400050" indent="-400050">
+              <a:buAutoNum type="romanUcPeriod"/>
+            </a:pPr>
+            <a:r>
+              <a:rPr lang="fr-FR" sz="1600" dirty="0" smtClean="0">
+                <a:solidFill>
+                  <a:srgbClr val="404040"/>
+                </a:solidFill>
+              </a:rPr>
+              <a:t>Le contexte</a:t>
+            </a:r>
+          </a:p>
+          <a:p>
+            <a:pPr marL="800100" lvl="1" indent="-342900">
+              <a:buAutoNum type="alphaLcParenR"/>
+            </a:pPr>
+            <a:r>
+              <a:rPr lang="fr-FR" sz="1600" dirty="0" smtClean="0">
+                <a:solidFill>
+                  <a:srgbClr val="404040"/>
+                </a:solidFill>
+              </a:rPr>
+              <a:t>Général</a:t>
+            </a:r>
+          </a:p>
+          <a:p>
+            <a:pPr marL="800100" lvl="1" indent="-342900">
+              <a:buAutoNum type="alphaLcParenR"/>
+            </a:pPr>
+            <a:r>
+              <a:rPr lang="fr-FR" sz="1600" dirty="0" smtClean="0">
+                <a:solidFill>
+                  <a:srgbClr val="404040"/>
+                </a:solidFill>
+              </a:rPr>
+              <a:t>Quorum</a:t>
+            </a:r>
+          </a:p>
+          <a:p>
+            <a:pPr lvl="1"/>
+            <a:endParaRPr lang="fr-FR" sz="1600" dirty="0" smtClean="0">
+              <a:solidFill>
+                <a:srgbClr val="404040"/>
+              </a:solidFill>
+            </a:endParaRPr>
+          </a:p>
+          <a:p>
+            <a:r>
+              <a:rPr lang="fr-FR" sz="1600" dirty="0" smtClean="0">
+                <a:solidFill>
+                  <a:srgbClr val="404040"/>
+                </a:solidFill>
+              </a:rPr>
+              <a:t>II.      L’architecture</a:t>
+            </a:r>
+          </a:p>
+          <a:p>
+            <a:pPr marL="800100" lvl="1" indent="-342900">
+              <a:buAutoNum type="alphaLcParenR"/>
+            </a:pPr>
+            <a:r>
+              <a:rPr lang="fr-FR" sz="1600" dirty="0" smtClean="0">
+                <a:solidFill>
+                  <a:srgbClr val="404040"/>
+                </a:solidFill>
+              </a:rPr>
+              <a:t>Langages</a:t>
+            </a:r>
+          </a:p>
+          <a:p>
+            <a:pPr marL="800100" lvl="1" indent="-342900">
+              <a:buAutoNum type="alphaLcParenR"/>
+            </a:pPr>
+            <a:r>
+              <a:rPr lang="fr-FR" sz="1600" dirty="0" smtClean="0">
+                <a:solidFill>
+                  <a:srgbClr val="404040"/>
+                </a:solidFill>
+              </a:rPr>
+              <a:t>Structure</a:t>
+            </a:r>
+          </a:p>
+          <a:p>
+            <a:pPr lvl="1"/>
+            <a:endParaRPr lang="fr-FR" sz="1600" dirty="0" smtClean="0">
+              <a:solidFill>
+                <a:srgbClr val="404040"/>
+              </a:solidFill>
+            </a:endParaRPr>
+          </a:p>
+          <a:p>
+            <a:r>
+              <a:rPr lang="fr-FR" sz="1600" dirty="0" smtClean="0">
+                <a:solidFill>
+                  <a:srgbClr val="404040"/>
+                </a:solidFill>
+              </a:rPr>
+              <a:t>III.     Les algorithmes</a:t>
+            </a:r>
+          </a:p>
+          <a:p>
+            <a:pPr marL="800100" lvl="1" indent="-342900">
+              <a:buAutoNum type="alphaLcParenR"/>
+            </a:pPr>
+            <a:r>
+              <a:rPr lang="fr-FR" sz="1600" dirty="0" smtClean="0">
+                <a:solidFill>
+                  <a:srgbClr val="404040"/>
+                </a:solidFill>
+              </a:rPr>
+              <a:t>Questions</a:t>
+            </a:r>
+          </a:p>
+          <a:p>
+            <a:pPr marL="800100" lvl="1" indent="-342900">
+              <a:buAutoNum type="alphaLcParenR"/>
+            </a:pPr>
+            <a:r>
+              <a:rPr lang="fr-FR" sz="1600" dirty="0" smtClean="0">
+                <a:solidFill>
+                  <a:srgbClr val="404040"/>
+                </a:solidFill>
+              </a:rPr>
+              <a:t>Fréquentiel</a:t>
+            </a:r>
+          </a:p>
+          <a:p>
+            <a:pPr marL="800100" lvl="1" indent="-342900">
+              <a:buAutoNum type="alphaLcParenR"/>
+            </a:pPr>
+            <a:r>
+              <a:rPr lang="fr-FR" sz="1600" dirty="0" smtClean="0">
+                <a:solidFill>
+                  <a:srgbClr val="404040"/>
+                </a:solidFill>
+              </a:rPr>
+              <a:t>LDA</a:t>
+            </a:r>
+          </a:p>
+          <a:p>
+            <a:pPr marL="800100" lvl="1" indent="-342900">
+              <a:buAutoNum type="alphaLcParenR"/>
+            </a:pPr>
+            <a:r>
+              <a:rPr lang="fr-FR" sz="1600" dirty="0" smtClean="0">
+                <a:solidFill>
+                  <a:srgbClr val="404040"/>
+                </a:solidFill>
+              </a:rPr>
+              <a:t>Ontologique</a:t>
+            </a:r>
+          </a:p>
+          <a:p>
+            <a:pPr marL="800100" lvl="1" indent="-342900">
+              <a:buAutoNum type="alphaLcParenR"/>
+            </a:pPr>
+            <a:r>
+              <a:rPr lang="fr-FR" sz="1600" dirty="0" smtClean="0">
+                <a:solidFill>
+                  <a:srgbClr val="404040"/>
+                </a:solidFill>
+              </a:rPr>
+              <a:t>HAC</a:t>
+            </a:r>
+          </a:p>
+          <a:p>
+            <a:pPr lvl="1"/>
+            <a:endParaRPr lang="fr-FR" sz="1600" dirty="0" smtClean="0">
+              <a:solidFill>
+                <a:srgbClr val="404040"/>
+              </a:solidFill>
+            </a:endParaRPr>
+          </a:p>
+          <a:p>
+            <a:pPr marL="400050" indent="-400050">
+              <a:buAutoNum type="romanUcPeriod" startAt="4"/>
+            </a:pPr>
+            <a:r>
+              <a:rPr lang="fr-FR" sz="1600" dirty="0" smtClean="0">
+                <a:solidFill>
+                  <a:schemeClr val="bg1"/>
+                </a:solidFill>
+              </a:rPr>
+              <a:t>Conclusion</a:t>
+            </a:r>
+          </a:p>
+          <a:p>
+            <a:r>
+              <a:rPr lang="fr-FR" sz="1600" dirty="0">
+                <a:solidFill>
+                  <a:srgbClr val="404040"/>
+                </a:solidFill>
+              </a:rPr>
+              <a:t> </a:t>
+            </a:r>
+            <a:r>
+              <a:rPr lang="fr-FR" sz="1600" dirty="0" smtClean="0">
+                <a:solidFill>
+                  <a:srgbClr val="404040"/>
+                </a:solidFill>
+              </a:rPr>
+              <a:t>        a) Difficultés</a:t>
+            </a:r>
+          </a:p>
+          <a:p>
+            <a:r>
+              <a:rPr lang="fr-FR" sz="1600" dirty="0" smtClean="0">
+                <a:solidFill>
+                  <a:schemeClr val="bg1"/>
+                </a:solidFill>
+              </a:rPr>
+              <a:t>         b) Apports</a:t>
+            </a:r>
+          </a:p>
+        </p:txBody>
+      </p:sp>
+      <p:sp>
+        <p:nvSpPr>
+          <p:cNvPr id="10" name="ZoneTexte 9"/>
+          <p:cNvSpPr txBox="1"/>
+          <p:nvPr/>
+        </p:nvSpPr>
+        <p:spPr>
+          <a:xfrm>
+            <a:off x="3441468" y="1363287"/>
+            <a:ext cx="7912331" cy="1477328"/>
+          </a:xfrm>
+          <a:prstGeom prst="rect">
+            <a:avLst/>
+          </a:prstGeom>
+          <a:noFill/>
+        </p:spPr>
+        <p:txBody>
+          <a:bodyPr wrap="square" rtlCol="0">
+            <a:spAutoFit/>
+          </a:bodyPr>
+          <a:lstStyle/>
+          <a:p>
+            <a:pPr marL="285750" indent="-285750">
+              <a:buFont typeface="Arial" panose="020B0604020202020204" pitchFamily="34" charset="0"/>
+              <a:buChar char="•"/>
+            </a:pPr>
+            <a:r>
+              <a:rPr lang="fr-FR" dirty="0" smtClean="0">
+                <a:solidFill>
+                  <a:schemeClr val="bg1"/>
+                </a:solidFill>
+              </a:rPr>
+              <a:t>Utilisation d’un autre langage</a:t>
+            </a:r>
+          </a:p>
+          <a:p>
+            <a:pPr marL="285750" indent="-285750">
+              <a:buFont typeface="Arial" panose="020B0604020202020204" pitchFamily="34" charset="0"/>
+              <a:buChar char="•"/>
+            </a:pPr>
+            <a:endParaRPr lang="fr-FR" dirty="0">
+              <a:solidFill>
+                <a:schemeClr val="bg1"/>
+              </a:solidFill>
+            </a:endParaRPr>
+          </a:p>
+          <a:p>
+            <a:pPr marL="285750" indent="-285750">
+              <a:buFont typeface="Arial" panose="020B0604020202020204" pitchFamily="34" charset="0"/>
+              <a:buChar char="•"/>
+            </a:pPr>
+            <a:r>
+              <a:rPr lang="fr-FR" dirty="0" smtClean="0">
+                <a:solidFill>
+                  <a:schemeClr val="bg1"/>
+                </a:solidFill>
+              </a:rPr>
+              <a:t>Structure d’API </a:t>
+            </a:r>
+          </a:p>
+          <a:p>
+            <a:pPr marL="285750" indent="-285750">
+              <a:buFont typeface="Arial" panose="020B0604020202020204" pitchFamily="34" charset="0"/>
+              <a:buChar char="•"/>
+            </a:pPr>
+            <a:endParaRPr lang="fr-FR" dirty="0">
+              <a:solidFill>
+                <a:schemeClr val="bg1"/>
+              </a:solidFill>
+            </a:endParaRPr>
+          </a:p>
+          <a:p>
+            <a:pPr marL="285750" indent="-285750">
+              <a:buFont typeface="Arial" panose="020B0604020202020204" pitchFamily="34" charset="0"/>
+              <a:buChar char="•"/>
+            </a:pPr>
+            <a:r>
+              <a:rPr lang="fr-FR" dirty="0" smtClean="0">
+                <a:solidFill>
+                  <a:schemeClr val="bg1"/>
+                </a:solidFill>
+              </a:rPr>
+              <a:t>Travail avec une entreprise</a:t>
+            </a:r>
+            <a:endParaRPr lang="fr-FR" dirty="0">
+              <a:solidFill>
+                <a:schemeClr val="bg1"/>
+              </a:solidFill>
+            </a:endParaRPr>
+          </a:p>
+        </p:txBody>
+      </p:sp>
+      <p:sp>
+        <p:nvSpPr>
+          <p:cNvPr id="11" name="ZoneTexte 10"/>
+          <p:cNvSpPr txBox="1"/>
+          <p:nvPr/>
+        </p:nvSpPr>
+        <p:spPr>
+          <a:xfrm>
+            <a:off x="2523066" y="6256867"/>
+            <a:ext cx="10143065" cy="323165"/>
+          </a:xfrm>
+          <a:prstGeom prst="rect">
+            <a:avLst/>
+          </a:prstGeom>
+          <a:noFill/>
+        </p:spPr>
+        <p:txBody>
+          <a:bodyPr wrap="square" rtlCol="0">
+            <a:spAutoFit/>
+          </a:bodyPr>
+          <a:lstStyle/>
+          <a:p>
+            <a:r>
+              <a:rPr lang="fr-FR" sz="1500" dirty="0" smtClean="0">
+                <a:solidFill>
+                  <a:srgbClr val="FB8543"/>
+                </a:solidFill>
+              </a:rPr>
+              <a:t>02/05/2017			    Paul LAURENT-ENSC				   	</a:t>
+            </a:r>
+            <a:r>
+              <a:rPr lang="fr-FR" sz="1500" dirty="0" smtClean="0">
+                <a:solidFill>
+                  <a:srgbClr val="FB8543"/>
+                </a:solidFill>
+              </a:rPr>
+              <a:t>12</a:t>
+            </a:r>
+            <a:endParaRPr lang="fr-FR" sz="1500" dirty="0">
+              <a:solidFill>
+                <a:srgbClr val="FB8543"/>
+              </a:solidFill>
+            </a:endParaRPr>
+          </a:p>
+        </p:txBody>
+      </p:sp>
+    </p:spTree>
+    <p:extLst>
+      <p:ext uri="{BB962C8B-B14F-4D97-AF65-F5344CB8AC3E}">
+        <p14:creationId xmlns:p14="http://schemas.microsoft.com/office/powerpoint/2010/main" val="1849212170"/>
+      </p:ext>
+    </p:extLst>
+  </p:cSld>
+  <p:clrMapOvr>
+    <a:masterClrMapping/>
+  </p:clrMapOvr>
+  <p:timing>
+    <p:tnLst>
+      <p:par>
+        <p:cTn id="1" dur="indefinite" restart="never" nodeType="tmRoot"/>
+      </p:par>
+    </p:tnLst>
+  </p:timing>
+</p:sld>
+</file>
+
+<file path=ppt/slides/slide13.xml><?xml version="1.0" encoding="utf-8"?>
+<p:sld xmlns:a="http://schemas.openxmlformats.org/drawingml/2006/main" xmlns:r="http://schemas.openxmlformats.org/officeDocument/2006/relationships" xmlns:p="http://schemas.openxmlformats.org/presentationml/2006/main">
+  <p:cSld>
+    <p:spTree>
+      <p:nvGrpSpPr>
+        <p:cNvPr id="1" name=""/>
+        <p:cNvGrpSpPr/>
+        <p:nvPr/>
+      </p:nvGrpSpPr>
+      <p:grpSpPr>
+        <a:xfrm>
+          <a:off x="0" y="0"/>
+          <a:ext cx="0" cy="0"/>
+          <a:chOff x="0" y="0"/>
+          <a:chExt cx="0" cy="0"/>
+        </a:xfrm>
+      </p:grpSpPr>
+      <p:sp>
+        <p:nvSpPr>
+          <p:cNvPr id="4" name="Rectangle 3"/>
+          <p:cNvSpPr/>
+          <p:nvPr/>
+        </p:nvSpPr>
+        <p:spPr>
+          <a:xfrm>
+            <a:off x="2" y="-9728"/>
+            <a:ext cx="12191998" cy="6858000"/>
+          </a:xfrm>
+          <a:prstGeom prst="rect">
+            <a:avLst/>
+          </a:prstGeom>
+          <a:solidFill>
+            <a:schemeClr val="tx1">
+              <a:lumMod val="75000"/>
+              <a:lumOff val="25000"/>
+            </a:schemeClr>
+          </a:solidFill>
+          <a:ln>
+            <a:noFill/>
+          </a:ln>
+        </p:spPr>
+        <p:style>
+          <a:lnRef idx="2">
+            <a:schemeClr val="accent1">
+              <a:shade val="50000"/>
+            </a:schemeClr>
+          </a:lnRef>
+          <a:fillRef idx="1">
+            <a:schemeClr val="accent1"/>
+          </a:fillRef>
+          <a:effectRef idx="0">
+            <a:schemeClr val="accent1"/>
+          </a:effectRef>
+          <a:fontRef idx="minor">
+            <a:schemeClr val="lt1"/>
+          </a:fontRef>
+        </p:style>
+        <p:txBody>
+          <a:bodyPr rtlCol="0" anchor="ctr"/>
+          <a:lstStyle/>
+          <a:p>
+            <a:pPr algn="ctr"/>
+            <a:endParaRPr lang="fr-FR"/>
+          </a:p>
+        </p:txBody>
+      </p:sp>
+      <p:sp>
+        <p:nvSpPr>
+          <p:cNvPr id="5" name="ZoneTexte 4"/>
+          <p:cNvSpPr txBox="1"/>
+          <p:nvPr/>
+        </p:nvSpPr>
+        <p:spPr>
+          <a:xfrm>
+            <a:off x="2032000" y="1811867"/>
+            <a:ext cx="7950200" cy="707886"/>
+          </a:xfrm>
+          <a:prstGeom prst="rect">
+            <a:avLst/>
+          </a:prstGeom>
+          <a:noFill/>
+        </p:spPr>
+        <p:txBody>
+          <a:bodyPr wrap="square" rtlCol="0">
+            <a:spAutoFit/>
+          </a:bodyPr>
+          <a:lstStyle/>
+          <a:p>
+            <a:r>
+              <a:rPr lang="fr-FR" sz="4000" dirty="0" smtClean="0">
+                <a:solidFill>
+                  <a:srgbClr val="FB8543"/>
+                </a:solidFill>
+              </a:rPr>
+              <a:t>Merci de votre attention</a:t>
+            </a:r>
+            <a:endParaRPr lang="fr-FR" sz="4000" dirty="0">
+              <a:solidFill>
+                <a:srgbClr val="FB8543"/>
+              </a:solidFill>
+            </a:endParaRPr>
+          </a:p>
+        </p:txBody>
+      </p:sp>
+      <p:sp>
+        <p:nvSpPr>
+          <p:cNvPr id="11" name="ZoneTexte 10"/>
+          <p:cNvSpPr txBox="1"/>
+          <p:nvPr/>
+        </p:nvSpPr>
+        <p:spPr>
+          <a:xfrm>
+            <a:off x="1024467" y="6231467"/>
+            <a:ext cx="9660467" cy="323165"/>
+          </a:xfrm>
+          <a:prstGeom prst="rect">
+            <a:avLst/>
+          </a:prstGeom>
+          <a:noFill/>
+        </p:spPr>
+        <p:txBody>
+          <a:bodyPr wrap="square" rtlCol="0">
+            <a:spAutoFit/>
+          </a:bodyPr>
+          <a:lstStyle/>
+          <a:p>
+            <a:r>
+              <a:rPr lang="fr-FR" sz="1500" dirty="0" smtClean="0">
+                <a:solidFill>
+                  <a:srgbClr val="FB8543"/>
+                </a:solidFill>
+              </a:rPr>
+              <a:t>02/05/2017			    Paul LAURENT-ENSC				   	</a:t>
+            </a:r>
+            <a:r>
+              <a:rPr lang="fr-FR" sz="1500" dirty="0" smtClean="0">
+                <a:solidFill>
+                  <a:srgbClr val="FB8543"/>
+                </a:solidFill>
+              </a:rPr>
+              <a:t>13</a:t>
+            </a:r>
+            <a:endParaRPr lang="fr-FR" sz="1500" dirty="0">
+              <a:solidFill>
+                <a:srgbClr val="FB8543"/>
+              </a:solidFill>
+            </a:endParaRPr>
+          </a:p>
+        </p:txBody>
+      </p:sp>
+    </p:spTree>
+    <p:extLst>
+      <p:ext uri="{BB962C8B-B14F-4D97-AF65-F5344CB8AC3E}">
+        <p14:creationId xmlns:p14="http://schemas.microsoft.com/office/powerpoint/2010/main" val="3714658852"/>
+      </p:ext>
+    </p:extLst>
+  </p:cSld>
+  <p:clrMapOvr>
+    <a:masterClrMapping/>
+  </p:clrMapOvr>
+  <p:timing>
+    <p:tnLst>
+      <p:par>
+        <p:cTn id="1" dur="indefinite" restart="never" nodeType="tmRoot"/>
+      </p:par>
+    </p:tnLst>
+  </p:timing>
+</p:sld>
+</file>
+
 <file path=ppt/slides/slide2.xml><?xml version="1.0" encoding="utf-8"?>
 <p:sld xmlns:a="http://schemas.openxmlformats.org/drawingml/2006/main" xmlns:r="http://schemas.openxmlformats.org/officeDocument/2006/relationships" xmlns:p="http://schemas.openxmlformats.org/presentationml/2006/main">
   <p:cSld>
@@ -3656,7 +5581,15 @@
                   <a:srgbClr val="FB8543"/>
                 </a:solidFill>
               </a:rPr>
-              <a:t>02/05/2017			    Paul LAURENT-ENSC				   	1</a:t>
+              <a:t>02/05/2017			    Paul LAURENT-ENSC				   	</a:t>
+            </a:r>
+            <a:r>
+              <a:rPr lang="fr-FR" sz="1500" dirty="0" smtClean="0">
+                <a:solidFill>
+                  <a:srgbClr val="FB8543"/>
+                </a:solidFill>
+              </a:rPr>
+              <a:t>2</a:t>
             </a:r>
             <a:endParaRPr lang="fr-FR" sz="1500" dirty="0">
               <a:solidFill>
@@ -3674,8 +5607,8 @@
         </p:nvSpPr>
         <p:spPr>
           <a:xfrm>
-            <a:off x="4216400" y="1179086"/>
-            <a:ext cx="4275667" cy="4093428"/>
+            <a:off x="4279897" y="723527"/>
+            <a:ext cx="4275667" cy="5016758"/>
           </a:xfrm>
           <a:prstGeom prst="rect">
             <a:avLst/>
@@ -3727,13 +5660,54 @@
             </a:r>
           </a:p>
           <a:p>
+            <a:pPr lvl="1"/>
+            <a:endParaRPr lang="fr-FR" sz="2000" dirty="0" smtClean="0">
+              <a:solidFill>
+                <a:schemeClr val="bg1"/>
+              </a:solidFill>
+            </a:endParaRPr>
+          </a:p>
+          <a:p>
             <a:r>
               <a:rPr lang="fr-FR" sz="2000" dirty="0" smtClean="0">
                 <a:solidFill>
                   <a:schemeClr val="bg1"/>
                 </a:solidFill>
               </a:rPr>
-              <a:t>II.    L’architecture</a:t>
+              <a:t>II. </a:t>
+            </a:r>
+            <a:r>
+              <a:rPr lang="fr-FR" sz="2000" dirty="0" smtClean="0">
+                <a:solidFill>
+                  <a:schemeClr val="bg1"/>
+                </a:solidFill>
+              </a:rPr>
+              <a:t>Langage/structure</a:t>
+            </a:r>
+          </a:p>
+          <a:p>
+            <a:endParaRPr lang="fr-FR" sz="2000" dirty="0">
+              <a:solidFill>
+                <a:schemeClr val="bg1"/>
+              </a:solidFill>
+            </a:endParaRPr>
+          </a:p>
+          <a:p>
+            <a:r>
+              <a:rPr lang="fr-FR" sz="2000" dirty="0" smtClean="0">
+                <a:solidFill>
+                  <a:schemeClr val="bg1"/>
+                </a:solidFill>
+              </a:rPr>
+              <a:t>III</a:t>
+            </a:r>
+            <a:r>
+              <a:rPr lang="fr-FR" sz="2000" dirty="0" smtClean="0">
+                <a:solidFill>
+                  <a:schemeClr val="bg1"/>
+                </a:solidFill>
+              </a:rPr>
+              <a:t>.   Les algorithmes</a:t>
             </a:r>
           </a:p>
           <a:p>
@@ -3746,7 +5720,7 @@
                   <a:schemeClr val="bg1"/>
                 </a:solidFill>
               </a:rPr>
-              <a:t>Langages</a:t>
+              <a:t>Questions</a:t>
             </a:r>
           </a:p>
           <a:p>
@@ -3759,17 +5733,7 @@
                   <a:schemeClr val="bg1"/>
                 </a:solidFill>
               </a:rPr>
-              <a:t>Structure</a:t>
-            </a:r>
-          </a:p>
-          <a:p>
-            <a:r>
-              <a:rPr lang="fr-FR" sz="2000" dirty="0" smtClean="0">
-                <a:solidFill>
-                  <a:schemeClr val="bg1"/>
-                </a:solidFill>
-              </a:rPr>
-              <a:t>III.   Les algorithmes</a:t>
+              <a:t>Fréquentiel</a:t>
             </a:r>
           </a:p>
           <a:p>
@@ -3782,7 +5746,7 @@
                   <a:schemeClr val="bg1"/>
                 </a:solidFill>
               </a:rPr>
-              <a:t>Questions</a:t>
+              <a:t>LDA</a:t>
             </a:r>
           </a:p>
           <a:p>
@@ -3795,7 +5759,7 @@
                   <a:schemeClr val="bg1"/>
                 </a:solidFill>
               </a:rPr>
-              <a:t>Fréquentiel</a:t>
+              <a:t>Ontologique</a:t>
             </a:r>
           </a:p>
           <a:p>
@@ -3808,12 +5772,20 @@
                   <a:schemeClr val="bg1"/>
                 </a:solidFill>
               </a:rPr>
-              <a:t>LDA</a:t>
-            </a:r>
-          </a:p>
-          <a:p>
-            <a:pPr marL="800100" lvl="1" indent="-342900">
-              <a:buAutoNum type="alphaLcParenR"/>
+              <a:t>HAC</a:t>
+            </a:r>
+          </a:p>
+          <a:p>
+            <a:pPr lvl="1"/>
+            <a:endParaRPr lang="fr-FR" sz="2000" dirty="0" smtClean="0">
+              <a:solidFill>
+                <a:schemeClr val="bg1"/>
+              </a:solidFill>
+            </a:endParaRPr>
+          </a:p>
+          <a:p>
+            <a:pPr marL="514350" indent="-514350">
+              <a:buAutoNum type="romanUcPeriod" startAt="4"/>
             </a:pPr>
             <a:r>
               <a:rPr lang="fr-FR" sz="2000" dirty="0" smtClean="0">
@@ -3821,20 +5793,22 @@
                   <a:schemeClr val="bg1"/>
                 </a:solidFill>
               </a:rPr>
-              <a:t>Ontologique</a:t>
-            </a:r>
-          </a:p>
-          <a:p>
-            <a:pPr marL="800100" lvl="1" indent="-342900">
-              <a:buAutoNum type="alphaLcParenR"/>
-            </a:pPr>
+              <a:t>Conclusion</a:t>
+            </a:r>
+            <a:endParaRPr lang="fr-FR" sz="2000" dirty="0">
+              <a:solidFill>
+                <a:schemeClr val="bg1"/>
+              </a:solidFill>
+            </a:endParaRPr>
+          </a:p>
+          <a:p>
             <a:r>
               <a:rPr lang="fr-FR" sz="2000" dirty="0" smtClean="0">
                 <a:solidFill>
                   <a:schemeClr val="bg1"/>
                 </a:solidFill>
               </a:rPr>
-              <a:t>HAC</a:t>
+              <a:t>         a) Difficultés</a:t>
             </a:r>
           </a:p>
           <a:p>
@@ -3844,9 +5818,9 @@
                   <a:schemeClr val="bg1"/>
                 </a:solidFill>
               </a:rPr>
-              <a:t>IV.    Conclusion</a:t>
-            </a:r>
-            <a:endParaRPr lang="fr-FR" sz="2000" dirty="0">
+              <a:t>         b) Apports</a:t>
+            </a:r>
+            <a:endParaRPr lang="fr-FR" sz="2000" dirty="0" smtClean="0">
               <a:solidFill>
                 <a:schemeClr val="bg1"/>
               </a:solidFill>
@@ -4048,7 +6022,7 @@
         <p:spPr>
           <a:xfrm>
             <a:off x="0" y="321733"/>
-            <a:ext cx="2048933" cy="4031873"/>
+            <a:ext cx="2048933" cy="4524315"/>
           </a:xfrm>
           <a:prstGeom prst="rect">
             <a:avLst/>
@@ -4235,19 +6209,37 @@
             </a:endParaRPr>
           </a:p>
           <a:p>
-            <a:r>
-              <a:rPr lang="fr-FR" sz="1600" dirty="0" smtClean="0">
-                <a:solidFill>
-                  <a:srgbClr val="404040"/>
-                </a:solidFill>
-              </a:rPr>
-              <a:t>IV.     Conclusion</a:t>
-            </a:r>
-            <a:endParaRPr lang="fr-FR" sz="1600" dirty="0">
-              <a:solidFill>
-                <a:srgbClr val="404040"/>
-              </a:solidFill>
-            </a:endParaRPr>
+            <a:pPr marL="400050" indent="-400050">
+              <a:buAutoNum type="romanUcPeriod" startAt="4"/>
+            </a:pPr>
+            <a:r>
+              <a:rPr lang="fr-FR" sz="1600" dirty="0">
+                <a:solidFill>
+                  <a:srgbClr val="404040"/>
+                </a:solidFill>
+              </a:rPr>
+              <a:t>Conclusion</a:t>
+            </a:r>
+          </a:p>
+          <a:p>
+            <a:r>
+              <a:rPr lang="fr-FR" sz="1600" dirty="0">
+                <a:solidFill>
+                  <a:srgbClr val="404040"/>
+                </a:solidFill>
+              </a:rPr>
+              <a:t>         a) Difficultés</a:t>
+            </a:r>
+          </a:p>
+          <a:p>
+            <a:r>
+              <a:rPr lang="fr-FR" sz="1600" dirty="0">
+                <a:solidFill>
+                  <a:srgbClr val="404040"/>
+                </a:solidFill>
+              </a:rPr>
+              <a:t>         b) Apports</a:t>
+            </a:r>
           </a:p>
         </p:txBody>
       </p:sp>
@@ -4279,7 +6271,15 @@
                   <a:srgbClr val="FB8543"/>
                 </a:solidFill>
               </a:rPr>
-              <a:t>02/05/2017			    Paul LAURENT-ENSC				   	1</a:t>
+              <a:t>02/05/2017			    Paul LAURENT-ENSC				   	</a:t>
+            </a:r>
+            <a:r>
+              <a:rPr lang="fr-FR" sz="1500" dirty="0" smtClean="0">
+                <a:solidFill>
+                  <a:srgbClr val="FB8543"/>
+                </a:solidFill>
+              </a:rPr>
+              <a:t>3</a:t>
             </a:r>
             <a:endParaRPr lang="fr-FR" sz="1500" dirty="0">
               <a:solidFill>
@@ -4602,7 +6602,7 @@
         <p:spPr>
           <a:xfrm>
             <a:off x="0" y="321733"/>
-            <a:ext cx="2048933" cy="4031873"/>
+            <a:ext cx="2048933" cy="4524315"/>
           </a:xfrm>
           <a:prstGeom prst="rect">
             <a:avLst/>
@@ -4789,13 +6789,36 @@
             </a:endParaRPr>
           </a:p>
           <a:p>
-            <a:r>
-              <a:rPr lang="fr-FR" sz="1600" dirty="0" smtClean="0">
-                <a:solidFill>
-                  <a:srgbClr val="404040"/>
-                </a:solidFill>
-              </a:rPr>
-              <a:t>IV.     Conclusion</a:t>
+            <a:pPr marL="400050" indent="-400050">
+              <a:buAutoNum type="romanUcPeriod" startAt="4"/>
+            </a:pPr>
+            <a:r>
+              <a:rPr lang="fr-FR" sz="1600" dirty="0">
+                <a:solidFill>
+                  <a:srgbClr val="404040"/>
+                </a:solidFill>
+              </a:rPr>
+              <a:t>Conclusion</a:t>
+            </a:r>
+          </a:p>
+          <a:p>
+            <a:r>
+              <a:rPr lang="fr-FR" sz="1600" dirty="0">
+                <a:solidFill>
+                  <a:srgbClr val="404040"/>
+                </a:solidFill>
+              </a:rPr>
+              <a:t>         a) Difficultés</a:t>
+            </a:r>
+          </a:p>
+          <a:p>
+            <a:r>
+              <a:rPr lang="fr-FR" sz="1600" dirty="0">
+                <a:solidFill>
+                  <a:srgbClr val="404040"/>
+                </a:solidFill>
+              </a:rPr>
+              <a:t>         b) Apports</a:t>
             </a:r>
             <a:endParaRPr lang="fr-FR" sz="1600" dirty="0">
               <a:solidFill>
@@ -4925,7 +6948,15 @@
                   <a:srgbClr val="FB8543"/>
                 </a:solidFill>
               </a:rPr>
-              <a:t>02/05/2017			    Paul LAURENT-ENSC				   	1</a:t>
+              <a:t>02/05/2017			    Paul LAURENT-ENSC				   	</a:t>
+            </a:r>
+            <a:r>
+              <a:rPr lang="fr-FR" sz="1500" dirty="0" smtClean="0">
+                <a:solidFill>
+                  <a:srgbClr val="FB8543"/>
+                </a:solidFill>
+              </a:rPr>
+              <a:t>4</a:t>
             </a:r>
             <a:endParaRPr lang="fr-FR" sz="1500" dirty="0">
               <a:solidFill>
@@ -5021,25 +7052,35 @@
           </a:p>
         </p:txBody>
       </p:sp>
-      <p:sp>
-        <p:nvSpPr>
-          <p:cNvPr id="3" name="Espace réservé du contenu 2"/>
-          <p:cNvSpPr>
-            <a:spLocks noGrp="1"/>
-          </p:cNvSpPr>
+      <p:pic>
+        <p:nvPicPr>
+          <p:cNvPr id="9" name="Espace réservé du contenu 8"/>
+          <p:cNvPicPr>
+            <a:picLocks noGrp="1" noChangeAspect="1"/>
+          </p:cNvPicPr>
           <p:nvPr>
             <p:ph idx="1"/>
           </p:nvPr>
-        </p:nvSpPr>
-        <p:spPr/>
-        <p:txBody>
-          <a:bodyPr/>
-          <a:lstStyle/>
-          <a:p>
-            <a:endParaRPr lang="fr-FR"/>
-          </a:p>
-        </p:txBody>
-      </p:sp>
+        </p:nvPicPr>
+        <p:blipFill>
+          <a:blip r:embed="rId2">
+            <a:extLst>
+              <a:ext uri="{28A0092B-C50C-407E-A947-70E740481C1C}">
+                <a14:useLocalDpi xmlns:a14="http://schemas.microsoft.com/office/drawing/2010/main" val="0"/>
+              </a:ext>
+            </a:extLst>
+          </a:blip>
+          <a:stretch>
+            <a:fillRect/>
+          </a:stretch>
+        </p:blipFill>
+        <p:spPr>
+          <a:xfrm>
+            <a:off x="3920331" y="1825625"/>
+            <a:ext cx="4351338" cy="4351338"/>
+          </a:xfrm>
+        </p:spPr>
+      </p:pic>
       <p:grpSp>
         <p:nvGrpSpPr>
           <p:cNvPr id="4" name="Groupe 3"/>
@@ -5159,7 +7200,7 @@
         <p:spPr>
           <a:xfrm>
             <a:off x="0" y="321733"/>
-            <a:ext cx="2048933" cy="4031873"/>
+            <a:ext cx="2048933" cy="4278094"/>
           </a:xfrm>
           <a:prstGeom prst="rect">
             <a:avLst/>
@@ -5219,13 +7260,38 @@
             </a:endParaRPr>
           </a:p>
           <a:p>
+            <a:pPr marL="400050" indent="-400050">
+              <a:buAutoNum type="romanUcPeriod" startAt="2"/>
+            </a:pPr>
             <a:r>
               <a:rPr lang="fr-FR" sz="1600" dirty="0" smtClean="0">
                 <a:solidFill>
                   <a:schemeClr val="bg1"/>
                 </a:solidFill>
               </a:rPr>
-              <a:t>II.      L’architecture</a:t>
+              <a:t>Langages / structure</a:t>
+            </a:r>
+            <a:endParaRPr lang="fr-FR" sz="1600" dirty="0">
+              <a:solidFill>
+                <a:schemeClr val="bg1"/>
+              </a:solidFill>
+            </a:endParaRPr>
+          </a:p>
+          <a:p>
+            <a:endParaRPr lang="fr-FR" sz="1600" dirty="0" smtClean="0">
+              <a:solidFill>
+                <a:srgbClr val="404040"/>
+              </a:solidFill>
+            </a:endParaRPr>
+          </a:p>
+          <a:p>
+            <a:r>
+              <a:rPr lang="fr-FR" sz="1600" dirty="0" smtClean="0">
+                <a:solidFill>
+                  <a:srgbClr val="404040"/>
+                </a:solidFill>
+              </a:rPr>
+              <a:t>III.     Les algorithmes</a:t>
             </a:r>
           </a:p>
           <a:p>
@@ -5235,10 +7301,10 @@
             <a:r>
               <a:rPr lang="fr-FR" sz="1600" dirty="0" smtClean="0">
                 <a:solidFill>
-                  <a:schemeClr val="bg1"/>
-                </a:solidFill>
-              </a:rPr>
-              <a:t>Langages</a:t>
+                  <a:srgbClr val="404040"/>
+                </a:solidFill>
+              </a:rPr>
+              <a:t>Questions</a:t>
             </a:r>
           </a:p>
           <a:p>
@@ -5251,7 +7317,46 @@
                   <a:srgbClr val="404040"/>
                 </a:solidFill>
               </a:rPr>
-              <a:t>Structure</a:t>
+              <a:t>Fréquentiel</a:t>
+            </a:r>
+          </a:p>
+          <a:p>
+            <a:pPr marL="800100" lvl="1" indent="-342900">
+              <a:buAutoNum type="alphaLcParenR"/>
+            </a:pPr>
+            <a:r>
+              <a:rPr lang="fr-FR" sz="1600" dirty="0" smtClean="0">
+                <a:solidFill>
+                  <a:srgbClr val="404040"/>
+                </a:solidFill>
+              </a:rPr>
+              <a:t>LDA</a:t>
+            </a:r>
+          </a:p>
+          <a:p>
+            <a:pPr marL="800100" lvl="1" indent="-342900">
+              <a:buAutoNum type="alphaLcParenR"/>
+            </a:pPr>
+            <a:r>
+              <a:rPr lang="fr-FR" sz="1600" dirty="0" smtClean="0">
+                <a:solidFill>
+                  <a:srgbClr val="404040"/>
+                </a:solidFill>
+              </a:rPr>
+              <a:t>Ontologique</a:t>
+            </a:r>
+          </a:p>
+          <a:p>
+            <a:pPr marL="800100" lvl="1" indent="-342900">
+              <a:buAutoNum type="alphaLcParenR"/>
+            </a:pPr>
+            <a:r>
+              <a:rPr lang="fr-FR" sz="1600" dirty="0" smtClean="0">
+                <a:solidFill>
+                  <a:srgbClr val="404040"/>
+                </a:solidFill>
+              </a:rPr>
+              <a:t>HAC</a:t>
             </a:r>
           </a:p>
           <a:p>
@@ -5263,96 +7368,36 @@
             </a:endParaRPr>
           </a:p>
           <a:p>
-            <a:r>
-              <a:rPr lang="fr-FR" sz="1600" dirty="0" smtClean="0">
-                <a:solidFill>
-                  <a:srgbClr val="404040"/>
-                </a:solidFill>
-              </a:rPr>
-              <a:t>III.     Les algorithmes</a:t>
-            </a:r>
-          </a:p>
-          <a:p>
-            <a:pPr marL="800100" lvl="1" indent="-342900">
-              <a:buAutoNum type="alphaLcParenR"/>
-            </a:pPr>
-            <a:r>
-              <a:rPr lang="fr-FR" sz="1600" dirty="0" smtClean="0">
-                <a:solidFill>
-                  <a:srgbClr val="404040"/>
-                </a:solidFill>
-              </a:rPr>
-              <a:t>Questions</a:t>
-            </a:r>
-          </a:p>
-          <a:p>
-            <a:pPr marL="800100" lvl="1" indent="-342900">
-              <a:buAutoNum type="alphaLcParenR"/>
-            </a:pPr>
-            <a:r>
-              <a:rPr lang="fr-FR" sz="1600" dirty="0" smtClean="0">
-                <a:solidFill>
-                  <a:srgbClr val="404040"/>
-                </a:solidFill>
-              </a:rPr>
-              <a:t>Fréquentiel</a:t>
-            </a:r>
-          </a:p>
-          <a:p>
-            <a:pPr marL="800100" lvl="1" indent="-342900">
-              <a:buAutoNum type="alphaLcParenR"/>
-            </a:pPr>
-            <a:r>
-              <a:rPr lang="fr-FR" sz="1600" dirty="0" smtClean="0">
-                <a:solidFill>
-                  <a:srgbClr val="404040"/>
-                </a:solidFill>
-              </a:rPr>
-              <a:t>LDA</a:t>
-            </a:r>
-          </a:p>
-          <a:p>
-            <a:pPr marL="800100" lvl="1" indent="-342900">
-              <a:buAutoNum type="alphaLcParenR"/>
-            </a:pPr>
-            <a:r>
-              <a:rPr lang="fr-FR" sz="1600" dirty="0" smtClean="0">
-                <a:solidFill>
-                  <a:srgbClr val="404040"/>
-                </a:solidFill>
-              </a:rPr>
-              <a:t>Ontologique</a:t>
-            </a:r>
-          </a:p>
-          <a:p>
-            <a:pPr marL="800100" lvl="1" indent="-342900">
-              <a:buAutoNum type="alphaLcParenR"/>
-            </a:pPr>
-            <a:r>
-              <a:rPr lang="fr-FR" sz="1600" dirty="0" smtClean="0">
-                <a:solidFill>
-                  <a:srgbClr val="404040"/>
-                </a:solidFill>
-              </a:rPr>
-              <a:t>HAC</a:t>
-            </a:r>
-          </a:p>
-          <a:p>
-            <a:pPr lvl="1"/>
-            <a:endParaRPr lang="fr-FR" sz="1600" dirty="0" smtClean="0">
-              <a:solidFill>
-                <a:srgbClr val="404040"/>
-              </a:solidFill>
-            </a:endParaRPr>
-          </a:p>
-          <a:p>
-            <a:r>
-              <a:rPr lang="fr-FR" sz="1600" dirty="0" smtClean="0">
-                <a:solidFill>
-                  <a:srgbClr val="404040"/>
-                </a:solidFill>
-              </a:rPr>
-              <a:t>IV.     Conclusion</a:t>
+            <a:pPr marL="400050" indent="-400050">
+              <a:buAutoNum type="romanUcPeriod" startAt="4"/>
+            </a:pPr>
+            <a:r>
+              <a:rPr lang="fr-FR" sz="1600" dirty="0">
+                <a:solidFill>
+                  <a:srgbClr val="404040"/>
+                </a:solidFill>
+              </a:rPr>
+              <a:t>Conclusion</a:t>
+            </a:r>
+          </a:p>
+          <a:p>
+            <a:r>
+              <a:rPr lang="fr-FR" sz="1600" dirty="0">
+                <a:solidFill>
+                  <a:srgbClr val="404040"/>
+                </a:solidFill>
+              </a:rPr>
+              <a:t>         a) Difficultés</a:t>
+            </a:r>
+          </a:p>
+          <a:p>
+            <a:r>
+              <a:rPr lang="fr-FR" sz="1600" dirty="0">
+                <a:solidFill>
+                  <a:srgbClr val="404040"/>
+                </a:solidFill>
+              </a:rPr>
+              <a:t>         b) Apports</a:t>
             </a:r>
             <a:endParaRPr lang="fr-FR" sz="1600" dirty="0">
               <a:solidFill>
@@ -5390,7 +7435,15 @@
                   <a:srgbClr val="FB8543"/>
                 </a:solidFill>
               </a:rPr>
-              <a:t>02/05/2017			    Paul LAURENT-ENSC				   	1</a:t>
+              <a:t>02/05/2017			    Paul LAURENT-ENSC				   	</a:t>
+            </a:r>
+            <a:r>
+              <a:rPr lang="fr-FR" sz="1500" dirty="0" smtClean="0">
+                <a:solidFill>
+                  <a:srgbClr val="FB8543"/>
+                </a:solidFill>
+              </a:rPr>
+              <a:t>5</a:t>
             </a:r>
             <a:endParaRPr lang="fr-FR" sz="1500" dirty="0">
               <a:solidFill>
@@ -5400,95 +7453,228 @@
           </a:p>
         </p:txBody>
       </p:sp>
-      <p:sp>
-        <p:nvSpPr>
-          <p:cNvPr id="11" name="ZoneTexte 10"/>
-          <p:cNvSpPr txBox="1"/>
+      <p:pic>
+        <p:nvPicPr>
+          <p:cNvPr id="10" name="Image 9"/>
+          <p:cNvPicPr>
+            <a:picLocks noChangeAspect="1"/>
+          </p:cNvPicPr>
           <p:nvPr/>
-        </p:nvSpPr>
+        </p:nvPicPr>
+        <p:blipFill>
+          <a:blip r:embed="rId3" cstate="print">
+            <a:extLst>
+              <a:ext uri="{28A0092B-C50C-407E-A947-70E740481C1C}">
+                <a14:useLocalDpi xmlns:a14="http://schemas.microsoft.com/office/drawing/2010/main" val="0"/>
+              </a:ext>
+            </a:extLst>
+          </a:blip>
+          <a:stretch>
+            <a:fillRect/>
+          </a:stretch>
+        </p:blipFill>
         <p:spPr>
           <a:xfrm>
-            <a:off x="4030133" y="1674674"/>
-            <a:ext cx="7696200" cy="1477328"/>
+            <a:off x="6095143" y="146941"/>
+            <a:ext cx="1543747" cy="1543747"/>
           </a:xfrm>
           <a:prstGeom prst="rect">
             <a:avLst/>
           </a:prstGeom>
-          <a:noFill/>
         </p:spPr>
-        <p:txBody>
-          <a:bodyPr wrap="square" rtlCol="0">
-            <a:spAutoFit/>
-          </a:bodyPr>
-          <a:lstStyle/>
-          <a:p>
-            <a:pPr marL="285750" indent="-285750">
-              <a:buFont typeface="Arial" panose="020B0604020202020204" pitchFamily="34" charset="0"/>
-              <a:buChar char="•"/>
-            </a:pPr>
-            <a:r>
-              <a:rPr lang="fr-FR" dirty="0" smtClean="0">
-                <a:solidFill>
-                  <a:schemeClr val="bg1"/>
-                </a:solidFill>
-              </a:rPr>
-              <a:t>Python : Partie serveur d’après état de l’art</a:t>
-            </a:r>
-            <a:endParaRPr lang="fr-FR" dirty="0">
-              <a:solidFill>
-                <a:schemeClr val="bg1"/>
-              </a:solidFill>
-            </a:endParaRPr>
-          </a:p>
-          <a:p>
-            <a:endParaRPr lang="fr-FR" dirty="0" smtClean="0">
-              <a:solidFill>
-                <a:schemeClr val="bg1"/>
-              </a:solidFill>
-            </a:endParaRPr>
-          </a:p>
-          <a:p>
-            <a:pPr marL="285750" indent="-285750">
-              <a:buFont typeface="Arial" panose="020B0604020202020204" pitchFamily="34" charset="0"/>
-              <a:buChar char="•"/>
-            </a:pPr>
-            <a:r>
-              <a:rPr lang="fr-FR" dirty="0" smtClean="0">
-                <a:solidFill>
-                  <a:schemeClr val="bg1"/>
-                </a:solidFill>
-              </a:rPr>
-              <a:t>C# : Partie client  d’après compétences</a:t>
-            </a:r>
-          </a:p>
-          <a:p>
-            <a:endParaRPr lang="fr-FR" dirty="0">
-              <a:solidFill>
-                <a:schemeClr val="bg1"/>
-              </a:solidFill>
-            </a:endParaRPr>
-          </a:p>
-          <a:p>
-            <a:pPr marL="285750" indent="-285750">
-              <a:buFont typeface="Arial" panose="020B0604020202020204" pitchFamily="34" charset="0"/>
-              <a:buChar char="•"/>
-            </a:pPr>
-            <a:r>
-              <a:rPr lang="fr-FR" dirty="0" smtClean="0">
-                <a:solidFill>
-                  <a:schemeClr val="bg1"/>
-                </a:solidFill>
-              </a:rPr>
-              <a:t>Données : XML(ontologie) / JSON(transfert) / CSV (données entrantes)</a:t>
-            </a:r>
-            <a:endParaRPr lang="fr-FR" dirty="0">
-              <a:solidFill>
-                <a:schemeClr val="bg1"/>
-              </a:solidFill>
-            </a:endParaRPr>
-          </a:p>
-        </p:txBody>
-      </p:sp>
+      </p:pic>
+      <p:pic>
+        <p:nvPicPr>
+          <p:cNvPr id="13" name="Image 12"/>
+          <p:cNvPicPr>
+            <a:picLocks noChangeAspect="1"/>
+          </p:cNvPicPr>
+          <p:nvPr/>
+        </p:nvPicPr>
+        <p:blipFill>
+          <a:blip r:embed="rId4" cstate="print">
+            <a:extLst>
+              <a:ext uri="{28A0092B-C50C-407E-A947-70E740481C1C}">
+                <a14:useLocalDpi xmlns:a14="http://schemas.microsoft.com/office/drawing/2010/main" val="0"/>
+              </a:ext>
+            </a:extLst>
+          </a:blip>
+          <a:stretch>
+            <a:fillRect/>
+          </a:stretch>
+        </p:blipFill>
+        <p:spPr>
+          <a:xfrm>
+            <a:off x="6094108" y="4252448"/>
+            <a:ext cx="1544782" cy="1544782"/>
+          </a:xfrm>
+          <a:prstGeom prst="rect">
+            <a:avLst/>
+          </a:prstGeom>
+        </p:spPr>
+      </p:pic>
+      <p:pic>
+        <p:nvPicPr>
+          <p:cNvPr id="17" name="Image 16"/>
+          <p:cNvPicPr>
+            <a:picLocks noChangeAspect="1"/>
+          </p:cNvPicPr>
+          <p:nvPr/>
+        </p:nvPicPr>
+        <p:blipFill>
+          <a:blip r:embed="rId5">
+            <a:extLst>
+              <a:ext uri="{28A0092B-C50C-407E-A947-70E740481C1C}">
+                <a14:useLocalDpi xmlns:a14="http://schemas.microsoft.com/office/drawing/2010/main" val="0"/>
+              </a:ext>
+            </a:extLst>
+          </a:blip>
+          <a:stretch>
+            <a:fillRect/>
+          </a:stretch>
+        </p:blipFill>
+        <p:spPr>
+          <a:xfrm>
+            <a:off x="6426604" y="2677277"/>
+            <a:ext cx="880284" cy="880284"/>
+          </a:xfrm>
+          <a:prstGeom prst="rect">
+            <a:avLst/>
+          </a:prstGeom>
+        </p:spPr>
+      </p:pic>
+      <p:pic>
+        <p:nvPicPr>
+          <p:cNvPr id="18" name="Image 17"/>
+          <p:cNvPicPr>
+            <a:picLocks noChangeAspect="1"/>
+          </p:cNvPicPr>
+          <p:nvPr/>
+        </p:nvPicPr>
+        <p:blipFill>
+          <a:blip r:embed="rId6" cstate="print">
+            <a:extLst>
+              <a:ext uri="{28A0092B-C50C-407E-A947-70E740481C1C}">
+                <a14:useLocalDpi xmlns:a14="http://schemas.microsoft.com/office/drawing/2010/main" val="0"/>
+              </a:ext>
+            </a:extLst>
+          </a:blip>
+          <a:stretch>
+            <a:fillRect/>
+          </a:stretch>
+        </p:blipFill>
+        <p:spPr>
+          <a:xfrm>
+            <a:off x="4285090" y="2535466"/>
+            <a:ext cx="893534" cy="893534"/>
+          </a:xfrm>
+          <a:prstGeom prst="rect">
+            <a:avLst/>
+          </a:prstGeom>
+        </p:spPr>
+      </p:pic>
+      <p:pic>
+        <p:nvPicPr>
+          <p:cNvPr id="19" name="Image 18"/>
+          <p:cNvPicPr>
+            <a:picLocks noChangeAspect="1"/>
+          </p:cNvPicPr>
+          <p:nvPr/>
+        </p:nvPicPr>
+        <p:blipFill>
+          <a:blip r:embed="rId7" cstate="print">
+            <a:extLst>
+              <a:ext uri="{28A0092B-C50C-407E-A947-70E740481C1C}">
+                <a14:useLocalDpi xmlns:a14="http://schemas.microsoft.com/office/drawing/2010/main" val="0"/>
+              </a:ext>
+            </a:extLst>
+          </a:blip>
+          <a:stretch>
+            <a:fillRect/>
+          </a:stretch>
+        </p:blipFill>
+        <p:spPr>
+          <a:xfrm>
+            <a:off x="3296913" y="2535476"/>
+            <a:ext cx="893524" cy="893524"/>
+          </a:xfrm>
+          <a:prstGeom prst="rect">
+            <a:avLst/>
+          </a:prstGeom>
+        </p:spPr>
+      </p:pic>
+      <p:cxnSp>
+        <p:nvCxnSpPr>
+          <p:cNvPr id="26" name="Connecteur droit avec flèche 25"/>
+          <p:cNvCxnSpPr/>
+          <p:nvPr/>
+        </p:nvCxnSpPr>
+        <p:spPr>
+          <a:xfrm flipH="1" flipV="1">
+            <a:off x="5952470" y="1825625"/>
+            <a:ext cx="0" cy="2268000"/>
+          </a:xfrm>
+          <a:prstGeom prst="straightConnector1">
+            <a:avLst/>
+          </a:prstGeom>
+          <a:ln w="50800">
+            <a:solidFill>
+              <a:schemeClr val="bg1"/>
+            </a:solidFill>
+            <a:tailEnd type="triangle"/>
+          </a:ln>
+        </p:spPr>
+        <p:style>
+          <a:lnRef idx="1">
+            <a:schemeClr val="accent1"/>
+          </a:lnRef>
+          <a:fillRef idx="0">
+            <a:schemeClr val="accent1"/>
+          </a:fillRef>
+          <a:effectRef idx="0">
+            <a:schemeClr val="accent1"/>
+          </a:effectRef>
+          <a:fontRef idx="minor">
+            <a:schemeClr val="tx1"/>
+          </a:fontRef>
+        </p:style>
+      </p:cxnSp>
+      <p:cxnSp>
+        <p:nvCxnSpPr>
+          <p:cNvPr id="28" name="Connecteur droit avec flèche 27"/>
+          <p:cNvCxnSpPr/>
+          <p:nvPr/>
+        </p:nvCxnSpPr>
+        <p:spPr>
+          <a:xfrm rot="10800000" flipH="1" flipV="1">
+            <a:off x="7816938" y="1839385"/>
+            <a:ext cx="0" cy="2268000"/>
+          </a:xfrm>
+          <a:prstGeom prst="straightConnector1">
+            <a:avLst/>
+          </a:prstGeom>
+          <a:ln w="50800">
+            <a:solidFill>
+              <a:schemeClr val="bg1"/>
+            </a:solidFill>
+            <a:tailEnd type="triangle"/>
+          </a:ln>
+        </p:spPr>
+        <p:style>
+          <a:lnRef idx="1">
+            <a:schemeClr val="accent1"/>
+          </a:lnRef>
+          <a:fillRef idx="0">
+            <a:schemeClr val="accent1"/>
+          </a:fillRef>
+          <a:effectRef idx="0">
+            <a:schemeClr val="accent1"/>
+          </a:effectRef>
+          <a:fontRef idx="minor">
+            <a:schemeClr val="tx1"/>
+          </a:fontRef>
+        </p:style>
+      </p:cxnSp>
     </p:spTree>
     <p:extLst>
       <p:ext uri="{BB962C8B-B14F-4D97-AF65-F5344CB8AC3E}">
@@ -5510,6 +7696,1239 @@
 </file>
 
 <file path=ppt/slides/slide6.xml><?xml version="1.0" encoding="utf-8"?>
+<p:sld xmlns:a="http://schemas.openxmlformats.org/drawingml/2006/main" xmlns:r="http://schemas.openxmlformats.org/officeDocument/2006/relationships" xmlns:p="http://schemas.openxmlformats.org/presentationml/2006/main">
+  <p:cSld>
+    <p:spTree>
+      <p:nvGrpSpPr>
+        <p:cNvPr id="1" name=""/>
+        <p:cNvGrpSpPr/>
+        <p:nvPr/>
+      </p:nvGrpSpPr>
+      <p:grpSpPr>
+        <a:xfrm>
+          <a:off x="0" y="0"/>
+          <a:ext cx="0" cy="0"/>
+          <a:chOff x="0" y="0"/>
+          <a:chExt cx="0" cy="0"/>
+        </a:xfrm>
+      </p:grpSpPr>
+      <p:sp>
+        <p:nvSpPr>
+          <p:cNvPr id="2" name="Titre 1"/>
+          <p:cNvSpPr>
+            <a:spLocks noGrp="1"/>
+          </p:cNvSpPr>
+          <p:nvPr>
+            <p:ph type="title"/>
+          </p:nvPr>
+        </p:nvSpPr>
+        <p:spPr>
+          <a:xfrm>
+            <a:off x="838200" y="365125"/>
+            <a:ext cx="10515600" cy="1325563"/>
+          </a:xfrm>
+        </p:spPr>
+        <p:txBody>
+          <a:bodyPr/>
+          <a:lstStyle/>
+          <a:p>
+            <a:endParaRPr lang="fr-FR"/>
+          </a:p>
+        </p:txBody>
+      </p:sp>
+      <p:sp>
+        <p:nvSpPr>
+          <p:cNvPr id="3" name="Espace réservé du contenu 2"/>
+          <p:cNvSpPr>
+            <a:spLocks noGrp="1"/>
+          </p:cNvSpPr>
+          <p:nvPr>
+            <p:ph idx="1"/>
+          </p:nvPr>
+        </p:nvSpPr>
+        <p:spPr>
+          <a:xfrm>
+            <a:off x="838200" y="1825625"/>
+            <a:ext cx="10515600" cy="4351338"/>
+          </a:xfrm>
+        </p:spPr>
+        <p:txBody>
+          <a:bodyPr/>
+          <a:lstStyle/>
+          <a:p>
+            <a:endParaRPr lang="fr-FR"/>
+          </a:p>
+        </p:txBody>
+      </p:sp>
+      <p:grpSp>
+        <p:nvGrpSpPr>
+          <p:cNvPr id="4" name="Groupe 3"/>
+          <p:cNvGrpSpPr/>
+          <p:nvPr/>
+        </p:nvGrpSpPr>
+        <p:grpSpPr>
+          <a:xfrm>
+            <a:off x="0" y="0"/>
+            <a:ext cx="12191998" cy="6858000"/>
+            <a:chOff x="0" y="0"/>
+            <a:chExt cx="12191998" cy="6858000"/>
+          </a:xfrm>
+        </p:grpSpPr>
+        <p:sp>
+          <p:nvSpPr>
+            <p:cNvPr id="5" name="Rectangle 4"/>
+            <p:cNvSpPr/>
+            <p:nvPr/>
+          </p:nvSpPr>
+          <p:spPr>
+            <a:xfrm>
+              <a:off x="2048933" y="0"/>
+              <a:ext cx="10143065" cy="6858000"/>
+            </a:xfrm>
+            <a:prstGeom prst="rect">
+              <a:avLst/>
+            </a:prstGeom>
+            <a:solidFill>
+              <a:schemeClr val="tx1">
+                <a:lumMod val="75000"/>
+                <a:lumOff val="25000"/>
+              </a:schemeClr>
+            </a:solidFill>
+            <a:ln>
+              <a:noFill/>
+            </a:ln>
+          </p:spPr>
+          <p:style>
+            <a:lnRef idx="2">
+              <a:schemeClr val="accent1">
+                <a:shade val="50000"/>
+              </a:schemeClr>
+            </a:lnRef>
+            <a:fillRef idx="1">
+              <a:schemeClr val="accent1"/>
+            </a:fillRef>
+            <a:effectRef idx="0">
+              <a:schemeClr val="accent1"/>
+            </a:effectRef>
+            <a:fontRef idx="minor">
+              <a:schemeClr val="lt1"/>
+            </a:fontRef>
+          </p:style>
+          <p:txBody>
+            <a:bodyPr rtlCol="0" anchor="ctr"/>
+            <a:lstStyle/>
+            <a:p>
+              <a:pPr algn="ctr"/>
+              <a:endParaRPr lang="fr-FR"/>
+            </a:p>
+          </p:txBody>
+        </p:sp>
+        <p:sp>
+          <p:nvSpPr>
+            <p:cNvPr id="6" name="Rectangle 5"/>
+            <p:cNvSpPr/>
+            <p:nvPr/>
+          </p:nvSpPr>
+          <p:spPr>
+            <a:xfrm>
+              <a:off x="0" y="0"/>
+              <a:ext cx="2048933" cy="6858000"/>
+            </a:xfrm>
+            <a:prstGeom prst="rect">
+              <a:avLst/>
+            </a:prstGeom>
+            <a:solidFill>
+              <a:srgbClr val="FB8543"/>
+            </a:solidFill>
+            <a:ln>
+              <a:noFill/>
+            </a:ln>
+          </p:spPr>
+          <p:style>
+            <a:lnRef idx="2">
+              <a:schemeClr val="accent1">
+                <a:shade val="50000"/>
+              </a:schemeClr>
+            </a:lnRef>
+            <a:fillRef idx="1">
+              <a:schemeClr val="accent1"/>
+            </a:fillRef>
+            <a:effectRef idx="0">
+              <a:schemeClr val="accent1"/>
+            </a:effectRef>
+            <a:fontRef idx="minor">
+              <a:schemeClr val="lt1"/>
+            </a:fontRef>
+          </p:style>
+          <p:txBody>
+            <a:bodyPr rtlCol="0" anchor="ctr"/>
+            <a:lstStyle/>
+            <a:p>
+              <a:pPr algn="ctr"/>
+              <a:endParaRPr lang="fr-FR"/>
+            </a:p>
+          </p:txBody>
+        </p:sp>
+      </p:grpSp>
+      <p:sp>
+        <p:nvSpPr>
+          <p:cNvPr id="8" name="ZoneTexte 7"/>
+          <p:cNvSpPr txBox="1"/>
+          <p:nvPr/>
+        </p:nvSpPr>
+        <p:spPr>
+          <a:xfrm>
+            <a:off x="2523066" y="6256867"/>
+            <a:ext cx="10143065" cy="323165"/>
+          </a:xfrm>
+          <a:prstGeom prst="rect">
+            <a:avLst/>
+          </a:prstGeom>
+          <a:noFill/>
+        </p:spPr>
+        <p:txBody>
+          <a:bodyPr wrap="square" rtlCol="0">
+            <a:spAutoFit/>
+          </a:bodyPr>
+          <a:lstStyle/>
+          <a:p>
+            <a:r>
+              <a:rPr lang="fr-FR" sz="1500" dirty="0" smtClean="0">
+                <a:solidFill>
+                  <a:srgbClr val="FB8543"/>
+                </a:solidFill>
+              </a:rPr>
+              <a:t>02/05/2017			    Paul LAURENT-ENSC				   	</a:t>
+            </a:r>
+            <a:r>
+              <a:rPr lang="fr-FR" sz="1500" dirty="0" smtClean="0">
+                <a:solidFill>
+                  <a:srgbClr val="FB8543"/>
+                </a:solidFill>
+              </a:rPr>
+              <a:t>6</a:t>
+            </a:r>
+            <a:endParaRPr lang="fr-FR" sz="1500" dirty="0">
+              <a:solidFill>
+                <a:srgbClr val="FB8543"/>
+              </a:solidFill>
+            </a:endParaRPr>
+          </a:p>
+        </p:txBody>
+      </p:sp>
+      <p:sp>
+        <p:nvSpPr>
+          <p:cNvPr id="10" name="ZoneTexte 9"/>
+          <p:cNvSpPr txBox="1"/>
+          <p:nvPr/>
+        </p:nvSpPr>
+        <p:spPr>
+          <a:xfrm>
+            <a:off x="3441468" y="1363287"/>
+            <a:ext cx="7912331" cy="2031325"/>
+          </a:xfrm>
+          <a:prstGeom prst="rect">
+            <a:avLst/>
+          </a:prstGeom>
+          <a:noFill/>
+        </p:spPr>
+        <p:txBody>
+          <a:bodyPr wrap="square" rtlCol="0">
+            <a:spAutoFit/>
+          </a:bodyPr>
+          <a:lstStyle/>
+          <a:p>
+            <a:pPr marL="285750" indent="-285750">
+              <a:buFont typeface="Arial" panose="020B0604020202020204" pitchFamily="34" charset="0"/>
+              <a:buChar char="•"/>
+            </a:pPr>
+            <a:r>
+              <a:rPr lang="fr-FR" dirty="0" smtClean="0">
+                <a:solidFill>
+                  <a:schemeClr val="bg1"/>
+                </a:solidFill>
+              </a:rPr>
+              <a:t>Question ouverte / fermée</a:t>
+            </a:r>
+          </a:p>
+          <a:p>
+            <a:endParaRPr lang="fr-FR" dirty="0">
+              <a:solidFill>
+                <a:schemeClr val="bg1"/>
+              </a:solidFill>
+            </a:endParaRPr>
+          </a:p>
+          <a:p>
+            <a:pPr marL="285750" indent="-285750">
+              <a:buFont typeface="Arial" panose="020B0604020202020204" pitchFamily="34" charset="0"/>
+              <a:buChar char="•"/>
+            </a:pPr>
+            <a:r>
+              <a:rPr lang="fr-FR" dirty="0" smtClean="0">
+                <a:solidFill>
+                  <a:schemeClr val="bg1"/>
+                </a:solidFill>
+              </a:rPr>
+              <a:t>Recherche de réponses strictement identiques</a:t>
+            </a:r>
+          </a:p>
+          <a:p>
+            <a:endParaRPr lang="fr-FR" dirty="0">
+              <a:solidFill>
+                <a:schemeClr val="bg1"/>
+              </a:solidFill>
+            </a:endParaRPr>
+          </a:p>
+          <a:p>
+            <a:pPr marL="285750" indent="-285750">
+              <a:buFont typeface="Arial" panose="020B0604020202020204" pitchFamily="34" charset="0"/>
+              <a:buChar char="•"/>
+            </a:pPr>
+            <a:r>
+              <a:rPr lang="fr-FR" dirty="0" smtClean="0">
+                <a:solidFill>
+                  <a:schemeClr val="bg1"/>
+                </a:solidFill>
+              </a:rPr>
+              <a:t>Problèmes de </a:t>
+            </a:r>
+            <a:r>
+              <a:rPr lang="fr-FR" dirty="0" err="1" smtClean="0">
+                <a:solidFill>
+                  <a:schemeClr val="bg1"/>
+                </a:solidFill>
+              </a:rPr>
+              <a:t>NaN</a:t>
+            </a:r>
+            <a:endParaRPr lang="fr-FR" dirty="0" smtClean="0">
+              <a:solidFill>
+                <a:schemeClr val="bg1"/>
+              </a:solidFill>
+            </a:endParaRPr>
+          </a:p>
+          <a:p>
+            <a:endParaRPr lang="fr-FR" dirty="0">
+              <a:solidFill>
+                <a:schemeClr val="bg1"/>
+              </a:solidFill>
+            </a:endParaRPr>
+          </a:p>
+          <a:p>
+            <a:pPr marL="285750" indent="-285750">
+              <a:buFont typeface="Arial" panose="020B0604020202020204" pitchFamily="34" charset="0"/>
+              <a:buChar char="•"/>
+            </a:pPr>
+            <a:r>
+              <a:rPr lang="fr-FR" dirty="0" smtClean="0">
+                <a:solidFill>
+                  <a:schemeClr val="bg1"/>
+                </a:solidFill>
+              </a:rPr>
+              <a:t>Coefficient de « </a:t>
+            </a:r>
+            <a:r>
+              <a:rPr lang="fr-FR" dirty="0" smtClean="0">
+                <a:solidFill>
+                  <a:schemeClr val="bg1"/>
+                </a:solidFill>
+              </a:rPr>
+              <a:t>corrélation</a:t>
+            </a:r>
+            <a:r>
+              <a:rPr lang="fr-FR" dirty="0" smtClean="0">
+                <a:solidFill>
+                  <a:schemeClr val="bg1"/>
+                </a:solidFill>
+              </a:rPr>
+              <a:t> » : recherche de 20% de réponses identiques</a:t>
+            </a:r>
+            <a:endParaRPr lang="fr-FR" dirty="0">
+              <a:solidFill>
+                <a:schemeClr val="bg1"/>
+              </a:solidFill>
+            </a:endParaRPr>
+          </a:p>
+        </p:txBody>
+      </p:sp>
+      <p:sp>
+        <p:nvSpPr>
+          <p:cNvPr id="11" name="ZoneTexte 10"/>
+          <p:cNvSpPr txBox="1"/>
+          <p:nvPr/>
+        </p:nvSpPr>
+        <p:spPr>
+          <a:xfrm>
+            <a:off x="0" y="321733"/>
+            <a:ext cx="2048933" cy="4278094"/>
+          </a:xfrm>
+          <a:prstGeom prst="rect">
+            <a:avLst/>
+          </a:prstGeom>
+          <a:noFill/>
+        </p:spPr>
+        <p:txBody>
+          <a:bodyPr wrap="square" rtlCol="0">
+            <a:spAutoFit/>
+          </a:bodyPr>
+          <a:lstStyle/>
+          <a:p>
+            <a:pPr marL="400050" indent="-400050">
+              <a:buAutoNum type="romanUcPeriod"/>
+            </a:pPr>
+            <a:r>
+              <a:rPr lang="fr-FR" sz="1600" dirty="0" smtClean="0">
+                <a:solidFill>
+                  <a:srgbClr val="404040"/>
+                </a:solidFill>
+              </a:rPr>
+              <a:t>Le contexte</a:t>
+            </a:r>
+          </a:p>
+          <a:p>
+            <a:pPr marL="800100" lvl="1" indent="-342900">
+              <a:buAutoNum type="alphaLcParenR"/>
+            </a:pPr>
+            <a:r>
+              <a:rPr lang="fr-FR" sz="1600" dirty="0" smtClean="0">
+                <a:solidFill>
+                  <a:srgbClr val="404040"/>
+                </a:solidFill>
+              </a:rPr>
+              <a:t>Général</a:t>
+            </a:r>
+          </a:p>
+          <a:p>
+            <a:pPr marL="800100" lvl="1" indent="-342900">
+              <a:buAutoNum type="alphaLcParenR"/>
+            </a:pPr>
+            <a:r>
+              <a:rPr lang="fr-FR" sz="1600" dirty="0" smtClean="0">
+                <a:solidFill>
+                  <a:srgbClr val="404040"/>
+                </a:solidFill>
+              </a:rPr>
+              <a:t>Quorum</a:t>
+            </a:r>
+          </a:p>
+          <a:p>
+            <a:pPr lvl="1"/>
+            <a:endParaRPr lang="fr-FR" sz="1600" dirty="0" smtClean="0">
+              <a:solidFill>
+                <a:srgbClr val="404040"/>
+              </a:solidFill>
+            </a:endParaRPr>
+          </a:p>
+          <a:p>
+            <a:pPr marL="400050" indent="-400050">
+              <a:buAutoNum type="romanUcPeriod" startAt="2"/>
+            </a:pPr>
+            <a:r>
+              <a:rPr lang="fr-FR" sz="1600" dirty="0" smtClean="0">
+                <a:solidFill>
+                  <a:srgbClr val="404040"/>
+                </a:solidFill>
+              </a:rPr>
+              <a:t>Langages / structure</a:t>
+            </a:r>
+            <a:endParaRPr lang="fr-FR" sz="1600" dirty="0">
+              <a:solidFill>
+                <a:srgbClr val="404040"/>
+              </a:solidFill>
+            </a:endParaRPr>
+          </a:p>
+          <a:p>
+            <a:endParaRPr lang="fr-FR" sz="1600" dirty="0" smtClean="0">
+              <a:solidFill>
+                <a:srgbClr val="404040"/>
+              </a:solidFill>
+            </a:endParaRPr>
+          </a:p>
+          <a:p>
+            <a:r>
+              <a:rPr lang="fr-FR" sz="1600" dirty="0" smtClean="0">
+                <a:solidFill>
+                  <a:schemeClr val="bg1"/>
+                </a:solidFill>
+              </a:rPr>
+              <a:t>III.     Les algorithmes</a:t>
+            </a:r>
+          </a:p>
+          <a:p>
+            <a:pPr marL="800100" lvl="1" indent="-342900">
+              <a:buAutoNum type="alphaLcParenR"/>
+            </a:pPr>
+            <a:r>
+              <a:rPr lang="fr-FR" sz="1600" dirty="0" smtClean="0">
+                <a:solidFill>
+                  <a:schemeClr val="bg1"/>
+                </a:solidFill>
+              </a:rPr>
+              <a:t>Questions</a:t>
+            </a:r>
+          </a:p>
+          <a:p>
+            <a:pPr marL="800100" lvl="1" indent="-342900">
+              <a:buAutoNum type="alphaLcParenR"/>
+            </a:pPr>
+            <a:r>
+              <a:rPr lang="fr-FR" sz="1600" dirty="0" smtClean="0">
+                <a:solidFill>
+                  <a:srgbClr val="404040"/>
+                </a:solidFill>
+              </a:rPr>
+              <a:t>Fréquentiel</a:t>
+            </a:r>
+          </a:p>
+          <a:p>
+            <a:pPr marL="800100" lvl="1" indent="-342900">
+              <a:buAutoNum type="alphaLcParenR"/>
+            </a:pPr>
+            <a:r>
+              <a:rPr lang="fr-FR" sz="1600" dirty="0" smtClean="0">
+                <a:solidFill>
+                  <a:srgbClr val="404040"/>
+                </a:solidFill>
+              </a:rPr>
+              <a:t>LDA</a:t>
+            </a:r>
+          </a:p>
+          <a:p>
+            <a:pPr marL="800100" lvl="1" indent="-342900">
+              <a:buAutoNum type="alphaLcParenR"/>
+            </a:pPr>
+            <a:r>
+              <a:rPr lang="fr-FR" sz="1600" dirty="0" smtClean="0">
+                <a:solidFill>
+                  <a:srgbClr val="404040"/>
+                </a:solidFill>
+              </a:rPr>
+              <a:t>Ontologique</a:t>
+            </a:r>
+          </a:p>
+          <a:p>
+            <a:pPr marL="800100" lvl="1" indent="-342900">
+              <a:buAutoNum type="alphaLcParenR"/>
+            </a:pPr>
+            <a:r>
+              <a:rPr lang="fr-FR" sz="1600" dirty="0" smtClean="0">
+                <a:solidFill>
+                  <a:srgbClr val="404040"/>
+                </a:solidFill>
+              </a:rPr>
+              <a:t>HAC</a:t>
+            </a:r>
+          </a:p>
+          <a:p>
+            <a:pPr lvl="1"/>
+            <a:endParaRPr lang="fr-FR" sz="1600" dirty="0" smtClean="0">
+              <a:solidFill>
+                <a:srgbClr val="404040"/>
+              </a:solidFill>
+            </a:endParaRPr>
+          </a:p>
+          <a:p>
+            <a:pPr marL="400050" indent="-400050">
+              <a:buAutoNum type="romanUcPeriod" startAt="4"/>
+            </a:pPr>
+            <a:r>
+              <a:rPr lang="fr-FR" sz="1600" dirty="0">
+                <a:solidFill>
+                  <a:srgbClr val="404040"/>
+                </a:solidFill>
+              </a:rPr>
+              <a:t>Conclusion</a:t>
+            </a:r>
+          </a:p>
+          <a:p>
+            <a:r>
+              <a:rPr lang="fr-FR" sz="1600" dirty="0">
+                <a:solidFill>
+                  <a:srgbClr val="404040"/>
+                </a:solidFill>
+              </a:rPr>
+              <a:t>         a) Difficultés</a:t>
+            </a:r>
+          </a:p>
+          <a:p>
+            <a:r>
+              <a:rPr lang="fr-FR" sz="1600" dirty="0">
+                <a:solidFill>
+                  <a:srgbClr val="404040"/>
+                </a:solidFill>
+              </a:rPr>
+              <a:t>         b) Apports</a:t>
+            </a:r>
+            <a:endParaRPr lang="fr-FR" sz="1600" dirty="0">
+              <a:solidFill>
+                <a:srgbClr val="404040"/>
+              </a:solidFill>
+            </a:endParaRPr>
+          </a:p>
+        </p:txBody>
+      </p:sp>
+    </p:spTree>
+    <p:extLst>
+      <p:ext uri="{BB962C8B-B14F-4D97-AF65-F5344CB8AC3E}">
+        <p14:creationId xmlns:p14="http://schemas.microsoft.com/office/powerpoint/2010/main" val="882877778"/>
+      </p:ext>
+    </p:extLst>
+  </p:cSld>
+  <p:clrMapOvr>
+    <a:masterClrMapping/>
+  </p:clrMapOvr>
+  <p:timing>
+    <p:tnLst>
+      <p:par>
+        <p:cTn id="1" dur="indefinite" restart="never" nodeType="tmRoot"/>
+      </p:par>
+    </p:tnLst>
+  </p:timing>
+</p:sld>
+</file>
+
+<file path=ppt/slides/slide7.xml><?xml version="1.0" encoding="utf-8"?>
+<p:sld xmlns:a="http://schemas.openxmlformats.org/drawingml/2006/main" xmlns:r="http://schemas.openxmlformats.org/officeDocument/2006/relationships" xmlns:p="http://schemas.openxmlformats.org/presentationml/2006/main">
+  <p:cSld>
+    <p:spTree>
+      <p:nvGrpSpPr>
+        <p:cNvPr id="1" name=""/>
+        <p:cNvGrpSpPr/>
+        <p:nvPr/>
+      </p:nvGrpSpPr>
+      <p:grpSpPr>
+        <a:xfrm>
+          <a:off x="0" y="0"/>
+          <a:ext cx="0" cy="0"/>
+          <a:chOff x="0" y="0"/>
+          <a:chExt cx="0" cy="0"/>
+        </a:xfrm>
+      </p:grpSpPr>
+      <p:sp>
+        <p:nvSpPr>
+          <p:cNvPr id="2" name="Titre 1"/>
+          <p:cNvSpPr>
+            <a:spLocks noGrp="1"/>
+          </p:cNvSpPr>
+          <p:nvPr>
+            <p:ph type="title"/>
+          </p:nvPr>
+        </p:nvSpPr>
+        <p:spPr/>
+        <p:txBody>
+          <a:bodyPr/>
+          <a:lstStyle/>
+          <a:p>
+            <a:endParaRPr lang="fr-FR"/>
+          </a:p>
+        </p:txBody>
+      </p:sp>
+      <p:sp>
+        <p:nvSpPr>
+          <p:cNvPr id="3" name="Espace réservé du contenu 2"/>
+          <p:cNvSpPr>
+            <a:spLocks noGrp="1"/>
+          </p:cNvSpPr>
+          <p:nvPr>
+            <p:ph idx="1"/>
+          </p:nvPr>
+        </p:nvSpPr>
+        <p:spPr/>
+        <p:txBody>
+          <a:bodyPr/>
+          <a:lstStyle/>
+          <a:p>
+            <a:endParaRPr lang="fr-FR"/>
+          </a:p>
+        </p:txBody>
+      </p:sp>
+      <p:grpSp>
+        <p:nvGrpSpPr>
+          <p:cNvPr id="4" name="Groupe 3"/>
+          <p:cNvGrpSpPr/>
+          <p:nvPr/>
+        </p:nvGrpSpPr>
+        <p:grpSpPr>
+          <a:xfrm>
+            <a:off x="0" y="0"/>
+            <a:ext cx="12191998" cy="6858000"/>
+            <a:chOff x="0" y="0"/>
+            <a:chExt cx="12191998" cy="6858000"/>
+          </a:xfrm>
+        </p:grpSpPr>
+        <p:sp>
+          <p:nvSpPr>
+            <p:cNvPr id="5" name="Rectangle 4"/>
+            <p:cNvSpPr/>
+            <p:nvPr/>
+          </p:nvSpPr>
+          <p:spPr>
+            <a:xfrm>
+              <a:off x="2048933" y="0"/>
+              <a:ext cx="10143065" cy="6858000"/>
+            </a:xfrm>
+            <a:prstGeom prst="rect">
+              <a:avLst/>
+            </a:prstGeom>
+            <a:solidFill>
+              <a:schemeClr val="tx1">
+                <a:lumMod val="75000"/>
+                <a:lumOff val="25000"/>
+              </a:schemeClr>
+            </a:solidFill>
+            <a:ln>
+              <a:noFill/>
+            </a:ln>
+          </p:spPr>
+          <p:style>
+            <a:lnRef idx="2">
+              <a:schemeClr val="accent1">
+                <a:shade val="50000"/>
+              </a:schemeClr>
+            </a:lnRef>
+            <a:fillRef idx="1">
+              <a:schemeClr val="accent1"/>
+            </a:fillRef>
+            <a:effectRef idx="0">
+              <a:schemeClr val="accent1"/>
+            </a:effectRef>
+            <a:fontRef idx="minor">
+              <a:schemeClr val="lt1"/>
+            </a:fontRef>
+          </p:style>
+          <p:txBody>
+            <a:bodyPr rtlCol="0" anchor="ctr"/>
+            <a:lstStyle/>
+            <a:p>
+              <a:pPr algn="ctr"/>
+              <a:endParaRPr lang="fr-FR"/>
+            </a:p>
+          </p:txBody>
+        </p:sp>
+        <p:sp>
+          <p:nvSpPr>
+            <p:cNvPr id="6" name="Rectangle 5"/>
+            <p:cNvSpPr/>
+            <p:nvPr/>
+          </p:nvSpPr>
+          <p:spPr>
+            <a:xfrm>
+              <a:off x="0" y="0"/>
+              <a:ext cx="2048933" cy="6858000"/>
+            </a:xfrm>
+            <a:prstGeom prst="rect">
+              <a:avLst/>
+            </a:prstGeom>
+            <a:solidFill>
+              <a:srgbClr val="FB8543"/>
+            </a:solidFill>
+            <a:ln>
+              <a:noFill/>
+            </a:ln>
+          </p:spPr>
+          <p:style>
+            <a:lnRef idx="2">
+              <a:schemeClr val="accent1">
+                <a:shade val="50000"/>
+              </a:schemeClr>
+            </a:lnRef>
+            <a:fillRef idx="1">
+              <a:schemeClr val="accent1"/>
+            </a:fillRef>
+            <a:effectRef idx="0">
+              <a:schemeClr val="accent1"/>
+            </a:effectRef>
+            <a:fontRef idx="minor">
+              <a:schemeClr val="lt1"/>
+            </a:fontRef>
+          </p:style>
+          <p:txBody>
+            <a:bodyPr rtlCol="0" anchor="ctr"/>
+            <a:lstStyle/>
+            <a:p>
+              <a:pPr algn="ctr"/>
+              <a:endParaRPr lang="fr-FR"/>
+            </a:p>
+          </p:txBody>
+        </p:sp>
+      </p:grpSp>
+      <p:sp>
+        <p:nvSpPr>
+          <p:cNvPr id="8" name="ZoneTexte 7"/>
+          <p:cNvSpPr txBox="1"/>
+          <p:nvPr/>
+        </p:nvSpPr>
+        <p:spPr>
+          <a:xfrm>
+            <a:off x="2523066" y="6256867"/>
+            <a:ext cx="10143065" cy="323165"/>
+          </a:xfrm>
+          <a:prstGeom prst="rect">
+            <a:avLst/>
+          </a:prstGeom>
+          <a:noFill/>
+        </p:spPr>
+        <p:txBody>
+          <a:bodyPr wrap="square" rtlCol="0">
+            <a:spAutoFit/>
+          </a:bodyPr>
+          <a:lstStyle/>
+          <a:p>
+            <a:r>
+              <a:rPr lang="fr-FR" sz="1500" dirty="0" smtClean="0">
+                <a:solidFill>
+                  <a:srgbClr val="FB8543"/>
+                </a:solidFill>
+              </a:rPr>
+              <a:t>02/05/2017			    Paul LAURENT-ENSC				   	</a:t>
+            </a:r>
+            <a:r>
+              <a:rPr lang="fr-FR" sz="1500" dirty="0" smtClean="0">
+                <a:solidFill>
+                  <a:srgbClr val="FB8543"/>
+                </a:solidFill>
+              </a:rPr>
+              <a:t>7</a:t>
+            </a:r>
+            <a:endParaRPr lang="fr-FR" sz="1500" dirty="0">
+              <a:solidFill>
+                <a:srgbClr val="FB8543"/>
+              </a:solidFill>
+            </a:endParaRPr>
+          </a:p>
+        </p:txBody>
+      </p:sp>
+      <p:sp>
+        <p:nvSpPr>
+          <p:cNvPr id="9" name="ZoneTexte 8"/>
+          <p:cNvSpPr txBox="1"/>
+          <p:nvPr/>
+        </p:nvSpPr>
+        <p:spPr>
+          <a:xfrm>
+            <a:off x="3441468" y="1363287"/>
+            <a:ext cx="7912331" cy="3139321"/>
+          </a:xfrm>
+          <a:prstGeom prst="rect">
+            <a:avLst/>
+          </a:prstGeom>
+          <a:noFill/>
+        </p:spPr>
+        <p:txBody>
+          <a:bodyPr wrap="square" rtlCol="0">
+            <a:spAutoFit/>
+          </a:bodyPr>
+          <a:lstStyle/>
+          <a:p>
+            <a:pPr marL="285750" indent="-285750">
+              <a:buFont typeface="Arial" panose="020B0604020202020204" pitchFamily="34" charset="0"/>
+              <a:buChar char="•"/>
+            </a:pPr>
+            <a:r>
+              <a:rPr lang="fr-FR" dirty="0" smtClean="0">
+                <a:solidFill>
+                  <a:schemeClr val="bg1"/>
+                </a:solidFill>
+              </a:rPr>
+              <a:t>Analyse des mots clefs</a:t>
+            </a:r>
+          </a:p>
+          <a:p>
+            <a:pPr marL="285750" indent="-285750">
+              <a:buFont typeface="Arial" panose="020B0604020202020204" pitchFamily="34" charset="0"/>
+              <a:buChar char="•"/>
+            </a:pPr>
+            <a:endParaRPr lang="fr-FR" dirty="0">
+              <a:solidFill>
+                <a:schemeClr val="bg1"/>
+              </a:solidFill>
+            </a:endParaRPr>
+          </a:p>
+          <a:p>
+            <a:pPr marL="285750" indent="-285750">
+              <a:buFont typeface="Arial" panose="020B0604020202020204" pitchFamily="34" charset="0"/>
+              <a:buChar char="•"/>
+            </a:pPr>
+            <a:r>
+              <a:rPr lang="fr-FR" dirty="0" err="1" smtClean="0">
+                <a:solidFill>
+                  <a:schemeClr val="bg1"/>
+                </a:solidFill>
+              </a:rPr>
+              <a:t>Tokenisation</a:t>
+            </a:r>
+            <a:r>
+              <a:rPr lang="fr-FR" dirty="0" smtClean="0">
+                <a:solidFill>
+                  <a:schemeClr val="bg1"/>
+                </a:solidFill>
+              </a:rPr>
+              <a:t> </a:t>
+            </a:r>
+          </a:p>
+          <a:p>
+            <a:pPr marL="285750" indent="-285750">
+              <a:buFont typeface="Arial" panose="020B0604020202020204" pitchFamily="34" charset="0"/>
+              <a:buChar char="•"/>
+            </a:pPr>
+            <a:endParaRPr lang="fr-FR" dirty="0">
+              <a:solidFill>
+                <a:schemeClr val="bg1"/>
+              </a:solidFill>
+            </a:endParaRPr>
+          </a:p>
+          <a:p>
+            <a:pPr marL="285750" indent="-285750">
+              <a:buFont typeface="Arial" panose="020B0604020202020204" pitchFamily="34" charset="0"/>
+              <a:buChar char="•"/>
+            </a:pPr>
+            <a:r>
+              <a:rPr lang="fr-FR" dirty="0" smtClean="0">
+                <a:solidFill>
+                  <a:schemeClr val="bg1"/>
+                </a:solidFill>
+              </a:rPr>
+              <a:t>Stop </a:t>
+            </a:r>
+            <a:r>
+              <a:rPr lang="fr-FR" dirty="0" err="1">
+                <a:solidFill>
+                  <a:schemeClr val="bg1"/>
+                </a:solidFill>
+              </a:rPr>
+              <a:t>W</a:t>
+            </a:r>
+            <a:r>
+              <a:rPr lang="fr-FR" dirty="0" err="1" smtClean="0">
+                <a:solidFill>
+                  <a:schemeClr val="bg1"/>
+                </a:solidFill>
+              </a:rPr>
+              <a:t>ords</a:t>
+            </a:r>
+            <a:r>
+              <a:rPr lang="fr-FR" dirty="0" smtClean="0">
+                <a:solidFill>
+                  <a:schemeClr val="bg1"/>
+                </a:solidFill>
+              </a:rPr>
+              <a:t> complétés par une liste inspirée du référencement</a:t>
+            </a:r>
+          </a:p>
+          <a:p>
+            <a:endParaRPr lang="fr-FR" dirty="0">
+              <a:solidFill>
+                <a:schemeClr val="bg1"/>
+              </a:solidFill>
+            </a:endParaRPr>
+          </a:p>
+          <a:p>
+            <a:pPr marL="285750" indent="-285750">
+              <a:buFont typeface="Arial" panose="020B0604020202020204" pitchFamily="34" charset="0"/>
+              <a:buChar char="•"/>
+            </a:pPr>
+            <a:r>
+              <a:rPr lang="fr-FR" dirty="0" smtClean="0">
+                <a:solidFill>
+                  <a:schemeClr val="bg1"/>
+                </a:solidFill>
+              </a:rPr>
+              <a:t>Liste de ponctuation</a:t>
+            </a:r>
+          </a:p>
+          <a:p>
+            <a:pPr marL="285750" indent="-285750">
+              <a:buFont typeface="Arial" panose="020B0604020202020204" pitchFamily="34" charset="0"/>
+              <a:buChar char="•"/>
+            </a:pPr>
+            <a:endParaRPr lang="fr-FR" dirty="0">
+              <a:solidFill>
+                <a:schemeClr val="bg1"/>
+              </a:solidFill>
+            </a:endParaRPr>
+          </a:p>
+          <a:p>
+            <a:pPr marL="285750" indent="-285750">
+              <a:buFont typeface="Arial" panose="020B0604020202020204" pitchFamily="34" charset="0"/>
+              <a:buChar char="•"/>
+            </a:pPr>
+            <a:r>
+              <a:rPr lang="fr-FR" dirty="0" smtClean="0">
+                <a:solidFill>
+                  <a:schemeClr val="bg1"/>
+                </a:solidFill>
+              </a:rPr>
+              <a:t>Distribution fréquentielle par réponse puis par question  </a:t>
+            </a:r>
+          </a:p>
+          <a:p>
+            <a:pPr marL="285750" indent="-285750">
+              <a:buFont typeface="Arial" panose="020B0604020202020204" pitchFamily="34" charset="0"/>
+              <a:buChar char="•"/>
+            </a:pPr>
+            <a:endParaRPr lang="fr-FR" dirty="0">
+              <a:solidFill>
+                <a:schemeClr val="bg1"/>
+              </a:solidFill>
+            </a:endParaRPr>
+          </a:p>
+          <a:p>
+            <a:pPr marL="285750" indent="-285750">
+              <a:buFont typeface="Arial" panose="020B0604020202020204" pitchFamily="34" charset="0"/>
+              <a:buChar char="•"/>
+            </a:pPr>
+            <a:endParaRPr lang="fr-FR" dirty="0">
+              <a:solidFill>
+                <a:schemeClr val="bg1"/>
+              </a:solidFill>
+            </a:endParaRPr>
+          </a:p>
+        </p:txBody>
+      </p:sp>
+      <p:sp>
+        <p:nvSpPr>
+          <p:cNvPr id="10" name="ZoneTexte 9"/>
+          <p:cNvSpPr txBox="1"/>
+          <p:nvPr/>
+        </p:nvSpPr>
+        <p:spPr>
+          <a:xfrm>
+            <a:off x="0" y="321733"/>
+            <a:ext cx="2048933" cy="4278094"/>
+          </a:xfrm>
+          <a:prstGeom prst="rect">
+            <a:avLst/>
+          </a:prstGeom>
+          <a:noFill/>
+        </p:spPr>
+        <p:txBody>
+          <a:bodyPr wrap="square" rtlCol="0">
+            <a:spAutoFit/>
+          </a:bodyPr>
+          <a:lstStyle/>
+          <a:p>
+            <a:pPr marL="400050" indent="-400050">
+              <a:buAutoNum type="romanUcPeriod"/>
+            </a:pPr>
+            <a:r>
+              <a:rPr lang="fr-FR" sz="1600" dirty="0" smtClean="0">
+                <a:solidFill>
+                  <a:srgbClr val="404040"/>
+                </a:solidFill>
+              </a:rPr>
+              <a:t>Le contexte</a:t>
+            </a:r>
+          </a:p>
+          <a:p>
+            <a:pPr marL="800100" lvl="1" indent="-342900">
+              <a:buAutoNum type="alphaLcParenR"/>
+            </a:pPr>
+            <a:r>
+              <a:rPr lang="fr-FR" sz="1600" dirty="0" smtClean="0">
+                <a:solidFill>
+                  <a:srgbClr val="404040"/>
+                </a:solidFill>
+              </a:rPr>
+              <a:t>Général</a:t>
+            </a:r>
+          </a:p>
+          <a:p>
+            <a:pPr marL="800100" lvl="1" indent="-342900">
+              <a:buAutoNum type="alphaLcParenR"/>
+            </a:pPr>
+            <a:r>
+              <a:rPr lang="fr-FR" sz="1600" dirty="0" smtClean="0">
+                <a:solidFill>
+                  <a:srgbClr val="404040"/>
+                </a:solidFill>
+              </a:rPr>
+              <a:t>Quorum</a:t>
+            </a:r>
+          </a:p>
+          <a:p>
+            <a:pPr lvl="1"/>
+            <a:endParaRPr lang="fr-FR" sz="1600" dirty="0" smtClean="0">
+              <a:solidFill>
+                <a:srgbClr val="404040"/>
+              </a:solidFill>
+            </a:endParaRPr>
+          </a:p>
+          <a:p>
+            <a:pPr marL="400050" indent="-400050">
+              <a:buAutoNum type="romanUcPeriod" startAt="2"/>
+            </a:pPr>
+            <a:r>
+              <a:rPr lang="fr-FR" sz="1600" dirty="0" smtClean="0">
+                <a:solidFill>
+                  <a:srgbClr val="404040"/>
+                </a:solidFill>
+              </a:rPr>
+              <a:t>Langages / structure</a:t>
+            </a:r>
+            <a:endParaRPr lang="fr-FR" sz="1600" dirty="0">
+              <a:solidFill>
+                <a:srgbClr val="404040"/>
+              </a:solidFill>
+            </a:endParaRPr>
+          </a:p>
+          <a:p>
+            <a:endParaRPr lang="fr-FR" sz="1600" dirty="0" smtClean="0">
+              <a:solidFill>
+                <a:srgbClr val="404040"/>
+              </a:solidFill>
+            </a:endParaRPr>
+          </a:p>
+          <a:p>
+            <a:r>
+              <a:rPr lang="fr-FR" sz="1600" dirty="0" smtClean="0">
+                <a:solidFill>
+                  <a:srgbClr val="404040"/>
+                </a:solidFill>
+              </a:rPr>
+              <a:t>III.     </a:t>
+            </a:r>
+            <a:r>
+              <a:rPr lang="fr-FR" sz="1600" dirty="0" smtClean="0">
+                <a:solidFill>
+                  <a:schemeClr val="bg1"/>
+                </a:solidFill>
+              </a:rPr>
+              <a:t>Les algorithmes</a:t>
+            </a:r>
+          </a:p>
+          <a:p>
+            <a:pPr marL="800100" lvl="1" indent="-342900">
+              <a:buAutoNum type="alphaLcParenR"/>
+            </a:pPr>
+            <a:r>
+              <a:rPr lang="fr-FR" sz="1600" dirty="0" smtClean="0">
+                <a:solidFill>
+                  <a:srgbClr val="404040"/>
+                </a:solidFill>
+              </a:rPr>
+              <a:t>Questions</a:t>
+            </a:r>
+          </a:p>
+          <a:p>
+            <a:pPr marL="800100" lvl="1" indent="-342900">
+              <a:buAutoNum type="alphaLcParenR"/>
+            </a:pPr>
+            <a:r>
+              <a:rPr lang="fr-FR" sz="1600" dirty="0" smtClean="0">
+                <a:solidFill>
+                  <a:schemeClr val="bg1"/>
+                </a:solidFill>
+              </a:rPr>
+              <a:t>Fréquentiel</a:t>
+            </a:r>
+          </a:p>
+          <a:p>
+            <a:pPr marL="800100" lvl="1" indent="-342900">
+              <a:buAutoNum type="alphaLcParenR"/>
+            </a:pPr>
+            <a:r>
+              <a:rPr lang="fr-FR" sz="1600" dirty="0" smtClean="0">
+                <a:solidFill>
+                  <a:srgbClr val="404040"/>
+                </a:solidFill>
+              </a:rPr>
+              <a:t>LDA</a:t>
+            </a:r>
+          </a:p>
+          <a:p>
+            <a:pPr marL="800100" lvl="1" indent="-342900">
+              <a:buAutoNum type="alphaLcParenR"/>
+            </a:pPr>
+            <a:r>
+              <a:rPr lang="fr-FR" sz="1600" dirty="0" smtClean="0">
+                <a:solidFill>
+                  <a:srgbClr val="404040"/>
+                </a:solidFill>
+              </a:rPr>
+              <a:t>Ontologique</a:t>
+            </a:r>
+          </a:p>
+          <a:p>
+            <a:pPr marL="800100" lvl="1" indent="-342900">
+              <a:buAutoNum type="alphaLcParenR"/>
+            </a:pPr>
+            <a:r>
+              <a:rPr lang="fr-FR" sz="1600" dirty="0" smtClean="0">
+                <a:solidFill>
+                  <a:srgbClr val="404040"/>
+                </a:solidFill>
+              </a:rPr>
+              <a:t>HAC</a:t>
+            </a:r>
+          </a:p>
+          <a:p>
+            <a:pPr lvl="1"/>
+            <a:endParaRPr lang="fr-FR" sz="1600" dirty="0" smtClean="0">
+              <a:solidFill>
+                <a:srgbClr val="404040"/>
+              </a:solidFill>
+            </a:endParaRPr>
+          </a:p>
+          <a:p>
+            <a:pPr marL="400050" indent="-400050">
+              <a:buAutoNum type="romanUcPeriod" startAt="4"/>
+            </a:pPr>
+            <a:r>
+              <a:rPr lang="fr-FR" sz="1600" dirty="0">
+                <a:solidFill>
+                  <a:srgbClr val="404040"/>
+                </a:solidFill>
+              </a:rPr>
+              <a:t>Conclusion</a:t>
+            </a:r>
+          </a:p>
+          <a:p>
+            <a:r>
+              <a:rPr lang="fr-FR" sz="1600" dirty="0">
+                <a:solidFill>
+                  <a:srgbClr val="404040"/>
+                </a:solidFill>
+              </a:rPr>
+              <a:t>         a) Difficultés</a:t>
+            </a:r>
+          </a:p>
+          <a:p>
+            <a:r>
+              <a:rPr lang="fr-FR" sz="1600" dirty="0">
+                <a:solidFill>
+                  <a:srgbClr val="404040"/>
+                </a:solidFill>
+              </a:rPr>
+              <a:t>         b) Apports</a:t>
+            </a:r>
+            <a:endParaRPr lang="fr-FR" sz="1600" dirty="0">
+              <a:solidFill>
+                <a:srgbClr val="404040"/>
+              </a:solidFill>
+            </a:endParaRPr>
+          </a:p>
+        </p:txBody>
+      </p:sp>
+    </p:spTree>
+    <p:extLst>
+      <p:ext uri="{BB962C8B-B14F-4D97-AF65-F5344CB8AC3E}">
+        <p14:creationId xmlns:p14="http://schemas.microsoft.com/office/powerpoint/2010/main" val="1842681860"/>
+      </p:ext>
+    </p:extLst>
+  </p:cSld>
+  <p:clrMapOvr>
+    <a:masterClrMapping/>
+  </p:clrMapOvr>
+  <p:timing>
+    <p:tnLst>
+      <p:par>
+        <p:cTn id="1" dur="indefinite" restart="never" nodeType="tmRoot"/>
+      </p:par>
+    </p:tnLst>
+  </p:timing>
+</p:sld>
+</file>
+
+<file path=ppt/slides/slide8.xml><?xml version="1.0" encoding="utf-8"?>
 <p:sld xmlns:a="http://schemas.openxmlformats.org/drawingml/2006/main" xmlns:r="http://schemas.openxmlformats.org/officeDocument/2006/relationships" xmlns:p="http://schemas.openxmlformats.org/presentationml/2006/main">
   <p:cSld>
     <p:spTree>
@@ -5693,7 +9112,7 @@
         <p:spPr>
           <a:xfrm>
             <a:off x="0" y="321733"/>
-            <a:ext cx="2048933" cy="4031873"/>
+            <a:ext cx="2048933" cy="4524315"/>
           </a:xfrm>
           <a:prstGeom prst="rect">
             <a:avLst/>
@@ -5756,7 +9175,7 @@
             <a:r>
               <a:rPr lang="fr-FR" sz="1600" dirty="0" smtClean="0">
                 <a:solidFill>
-                  <a:schemeClr val="bg1"/>
+                  <a:srgbClr val="404040"/>
                 </a:solidFill>
               </a:rPr>
               <a:t>II.      L’architecture</a:t>
@@ -5782,7 +9201,7 @@
             <a:r>
               <a:rPr lang="fr-FR" sz="1600" dirty="0" smtClean="0">
                 <a:solidFill>
-                  <a:schemeClr val="bg1"/>
+                  <a:srgbClr val="404040"/>
                 </a:solidFill>
               </a:rPr>
               <a:t>Structure</a:t>
@@ -5800,7 +9219,7 @@
             <a:r>
               <a:rPr lang="fr-FR" sz="1600" dirty="0" smtClean="0">
                 <a:solidFill>
-                  <a:srgbClr val="404040"/>
+                  <a:schemeClr val="bg1"/>
                 </a:solidFill>
               </a:rPr>
               <a:t>III.     Les algorithmes</a:t>
@@ -5839,7 +9258,7 @@
             <a:r>
               <a:rPr lang="fr-FR" sz="1600" dirty="0" smtClean="0">
                 <a:solidFill>
-                  <a:srgbClr val="404040"/>
+                  <a:schemeClr val="bg1"/>
                 </a:solidFill>
               </a:rPr>
               <a:t>LDA</a:t>
@@ -5880,13 +9299,36 @@
             </a:endParaRPr>
           </a:p>
           <a:p>
-            <a:r>
-              <a:rPr lang="fr-FR" sz="1600" dirty="0" smtClean="0">
-                <a:solidFill>
-                  <a:srgbClr val="404040"/>
-                </a:solidFill>
-              </a:rPr>
-              <a:t>IV.     Conclusion</a:t>
+            <a:pPr marL="400050" indent="-400050">
+              <a:buAutoNum type="romanUcPeriod" startAt="4"/>
+            </a:pPr>
+            <a:r>
+              <a:rPr lang="fr-FR" sz="1600" dirty="0">
+                <a:solidFill>
+                  <a:srgbClr val="404040"/>
+                </a:solidFill>
+              </a:rPr>
+              <a:t>Conclusion</a:t>
+            </a:r>
+          </a:p>
+          <a:p>
+            <a:r>
+              <a:rPr lang="fr-FR" sz="1600" dirty="0">
+                <a:solidFill>
+                  <a:srgbClr val="404040"/>
+                </a:solidFill>
+              </a:rPr>
+              <a:t>         a) Difficultés</a:t>
+            </a:r>
+          </a:p>
+          <a:p>
+            <a:r>
+              <a:rPr lang="fr-FR" sz="1600" dirty="0">
+                <a:solidFill>
+                  <a:srgbClr val="404040"/>
+                </a:solidFill>
+              </a:rPr>
+              <a:t>         b) Apports</a:t>
             </a:r>
             <a:endParaRPr lang="fr-FR" sz="1600" dirty="0">
               <a:solidFill>
@@ -5896,6 +9338,720 @@
           </a:p>
         </p:txBody>
       </p:sp>
+      <mc:AlternateContent xmlns:mc="http://schemas.openxmlformats.org/markup-compatibility/2006">
+        <mc:Choice xmlns:a14="http://schemas.microsoft.com/office/drawing/2010/main" Requires="a14">
+          <p:sp>
+            <p:nvSpPr>
+              <p:cNvPr id="10" name="ZoneTexte 9"/>
+              <p:cNvSpPr txBox="1"/>
+              <p:nvPr/>
+            </p:nvSpPr>
+            <p:spPr>
+              <a:xfrm>
+                <a:off x="3441468" y="1363287"/>
+                <a:ext cx="7912331" cy="4602991"/>
+              </a:xfrm>
+              <a:prstGeom prst="rect">
+                <a:avLst/>
+              </a:prstGeom>
+              <a:noFill/>
+            </p:spPr>
+            <p:txBody>
+              <a:bodyPr wrap="square" rtlCol="0">
+                <a:spAutoFit/>
+              </a:bodyPr>
+              <a:lstStyle/>
+              <a:p>
+                <a:pPr marL="285750" indent="-285750">
+                  <a:buFont typeface="Arial" panose="020B0604020202020204" pitchFamily="34" charset="0"/>
+                  <a:buChar char="•"/>
+                </a:pPr>
+                <a:r>
+                  <a:rPr lang="fr-FR" dirty="0" smtClean="0">
+                    <a:solidFill>
+                      <a:schemeClr val="bg1"/>
+                    </a:solidFill>
+                  </a:rPr>
+                  <a:t>Modèle probabiliste</a:t>
+                </a:r>
+              </a:p>
+              <a:p>
+                <a:pPr marL="285750" indent="-285750">
+                  <a:buFont typeface="Arial" panose="020B0604020202020204" pitchFamily="34" charset="0"/>
+                  <a:buChar char="•"/>
+                </a:pPr>
+                <a:endParaRPr lang="fr-FR" dirty="0">
+                  <a:solidFill>
+                    <a:schemeClr val="bg1"/>
+                  </a:solidFill>
+                </a:endParaRPr>
+              </a:p>
+              <a:p>
+                <a:pPr marL="285750" indent="-285750">
+                  <a:buFont typeface="Arial" panose="020B0604020202020204" pitchFamily="34" charset="0"/>
+                  <a:buChar char="•"/>
+                </a:pPr>
+                <a:r>
+                  <a:rPr lang="fr-FR" dirty="0" smtClean="0">
+                    <a:solidFill>
+                      <a:schemeClr val="bg1"/>
+                    </a:solidFill>
+                  </a:rPr>
+                  <a:t>Chaque mot est responsable de la formation d’un thème</a:t>
+                </a:r>
+              </a:p>
+              <a:p>
+                <a:pPr marL="285750" indent="-285750">
+                  <a:buFont typeface="Arial" panose="020B0604020202020204" pitchFamily="34" charset="0"/>
+                  <a:buChar char="•"/>
+                </a:pPr>
+                <a:endParaRPr lang="fr-FR" dirty="0">
+                  <a:solidFill>
+                    <a:schemeClr val="bg1"/>
+                  </a:solidFill>
+                </a:endParaRPr>
+              </a:p>
+              <a:p>
+                <a:pPr marL="285750" indent="-285750">
+                  <a:buFont typeface="Arial" panose="020B0604020202020204" pitchFamily="34" charset="0"/>
+                  <a:buChar char="•"/>
+                </a:pPr>
+                <a:endParaRPr lang="fr-FR" dirty="0">
+                  <a:solidFill>
+                    <a:schemeClr val="bg1"/>
+                  </a:solidFill>
+                </a:endParaRPr>
+              </a:p>
+              <a:p>
+                <a:r>
+                  <a:rPr lang="fr-FR" dirty="0" smtClean="0">
+                    <a:solidFill>
+                      <a:schemeClr val="bg1"/>
+                    </a:solidFill>
+                  </a:rPr>
+                  <a:t>Pour toutes les réponses :</a:t>
+                </a:r>
+              </a:p>
+              <a:p>
+                <a:r>
+                  <a:rPr lang="fr-FR" dirty="0">
+                    <a:solidFill>
+                      <a:schemeClr val="bg1"/>
+                    </a:solidFill>
+                  </a:rPr>
+                  <a:t>	</a:t>
+                </a:r>
+                <a:r>
+                  <a:rPr lang="fr-FR" dirty="0" smtClean="0">
+                    <a:solidFill>
+                      <a:schemeClr val="bg1"/>
+                    </a:solidFill>
+                  </a:rPr>
+                  <a:t>Pour </a:t>
+                </a:r>
+                <a:r>
+                  <a:rPr lang="fr-FR" dirty="0">
+                    <a:solidFill>
+                      <a:schemeClr val="bg1"/>
+                    </a:solidFill>
+                  </a:rPr>
+                  <a:t>tous les mots :</a:t>
+                </a:r>
+              </a:p>
+              <a:p>
+                <a:r>
+                  <a:rPr lang="fr-FR" dirty="0">
+                    <a:solidFill>
+                      <a:schemeClr val="bg1"/>
+                    </a:solidFill>
+                  </a:rPr>
+                  <a:t>		Assigner à mots un sujet aléatoire</a:t>
+                </a:r>
+              </a:p>
+              <a:p>
+                <a:r>
+                  <a:rPr lang="fr-FR" dirty="0">
+                    <a:solidFill>
+                      <a:schemeClr val="bg1"/>
+                    </a:solidFill>
+                  </a:rPr>
+                  <a:t>Pour toutes les réponses :</a:t>
+                </a:r>
+              </a:p>
+              <a:p>
+                <a:r>
+                  <a:rPr lang="fr-FR" dirty="0" smtClean="0">
+                    <a:solidFill>
+                      <a:schemeClr val="bg1"/>
+                    </a:solidFill>
+                  </a:rPr>
+                  <a:t>	Pour </a:t>
+                </a:r>
+                <a:r>
+                  <a:rPr lang="fr-FR" dirty="0">
+                    <a:solidFill>
+                      <a:schemeClr val="bg1"/>
+                    </a:solidFill>
+                  </a:rPr>
+                  <a:t>tous les mots :</a:t>
+                </a:r>
+              </a:p>
+              <a:p>
+                <a:r>
+                  <a:rPr lang="fr-FR" dirty="0">
+                    <a:solidFill>
+                      <a:schemeClr val="bg1"/>
+                    </a:solidFill>
+                  </a:rPr>
+                  <a:t>	</a:t>
+                </a:r>
+                <a:r>
+                  <a:rPr lang="fr-FR" dirty="0" smtClean="0">
+                    <a:solidFill>
+                      <a:schemeClr val="bg1"/>
+                    </a:solidFill>
+                  </a:rPr>
+                  <a:t>	Pour </a:t>
+                </a:r>
+                <a:r>
+                  <a:rPr lang="fr-FR" dirty="0">
+                    <a:solidFill>
+                      <a:schemeClr val="bg1"/>
+                    </a:solidFill>
+                  </a:rPr>
+                  <a:t>tous les sujets :</a:t>
+                </a:r>
+              </a:p>
+              <a:p>
+                <a:r>
+                  <a:rPr lang="fr-FR" dirty="0">
+                    <a:solidFill>
+                      <a:schemeClr val="bg1"/>
+                    </a:solidFill>
+                  </a:rPr>
+                  <a:t>		 </a:t>
+                </a:r>
+                <a14:m>
+                  <m:oMath xmlns:m="http://schemas.openxmlformats.org/officeDocument/2006/math">
+                    <m:sSub>
+                      <m:sSubPr>
+                        <m:ctrlPr>
+                          <a:rPr lang="fr-FR" i="1">
+                            <a:solidFill>
+                              <a:schemeClr val="bg1"/>
+                            </a:solidFill>
+                          </a:rPr>
+                        </m:ctrlPr>
+                      </m:sSubPr>
+                      <m:e>
+                        <m:r>
+                          <a:rPr lang="fr-FR" i="1">
+                            <a:solidFill>
+                              <a:schemeClr val="bg1"/>
+                            </a:solidFill>
+                          </a:rPr>
+                          <m:t>𝑃</m:t>
+                        </m:r>
+                      </m:e>
+                      <m:sub>
+                        <m:r>
+                          <a:rPr lang="fr-FR" i="1">
+                            <a:solidFill>
+                              <a:schemeClr val="bg1"/>
+                            </a:solidFill>
+                          </a:rPr>
+                          <m:t>𝐷𝑜𝑐𝑢𝑚𝑒𝑛𝑡</m:t>
+                        </m:r>
+                      </m:sub>
+                    </m:sSub>
+                    <m:r>
+                      <a:rPr lang="fr-FR" i="1">
+                        <a:solidFill>
+                          <a:schemeClr val="bg1"/>
+                        </a:solidFill>
+                      </a:rPr>
+                      <m:t>(</m:t>
+                    </m:r>
+                    <m:r>
+                      <a:rPr lang="fr-FR" i="1">
+                        <a:solidFill>
+                          <a:schemeClr val="bg1"/>
+                        </a:solidFill>
+                      </a:rPr>
+                      <m:t>𝑆𝑢𝑗𝑒𝑡</m:t>
+                    </m:r>
+                    <m:r>
+                      <a:rPr lang="fr-FR" i="1">
+                        <a:solidFill>
+                          <a:schemeClr val="bg1"/>
+                        </a:solidFill>
+                      </a:rPr>
+                      <m:t>)</m:t>
+                    </m:r>
+                  </m:oMath>
+                </a14:m>
+                <a:endParaRPr lang="fr-FR" dirty="0">
+                  <a:solidFill>
+                    <a:schemeClr val="bg1"/>
+                  </a:solidFill>
+                </a:endParaRPr>
+              </a:p>
+              <a:p>
+                <a:r>
+                  <a:rPr lang="fr-FR" dirty="0">
+                    <a:solidFill>
+                      <a:schemeClr val="bg1"/>
+                    </a:solidFill>
+                  </a:rPr>
+                  <a:t>		</a:t>
+                </a:r>
+                <a14:m>
+                  <m:oMath xmlns:m="http://schemas.openxmlformats.org/officeDocument/2006/math">
+                    <m:r>
+                      <a:rPr lang="fr-FR" i="1">
+                        <a:solidFill>
+                          <a:schemeClr val="bg1"/>
+                        </a:solidFill>
+                      </a:rPr>
+                      <m:t> </m:t>
+                    </m:r>
+                    <m:sSub>
+                      <m:sSubPr>
+                        <m:ctrlPr>
+                          <a:rPr lang="fr-FR" i="1">
+                            <a:solidFill>
+                              <a:schemeClr val="bg1"/>
+                            </a:solidFill>
+                          </a:rPr>
+                        </m:ctrlPr>
+                      </m:sSubPr>
+                      <m:e>
+                        <m:r>
+                          <a:rPr lang="fr-FR" i="1">
+                            <a:solidFill>
+                              <a:schemeClr val="bg1"/>
+                            </a:solidFill>
+                          </a:rPr>
+                          <m:t>𝑃</m:t>
+                        </m:r>
+                      </m:e>
+                      <m:sub>
+                        <m:r>
+                          <a:rPr lang="fr-FR" i="1">
+                            <a:solidFill>
+                              <a:schemeClr val="bg1"/>
+                            </a:solidFill>
+                          </a:rPr>
+                          <m:t>𝑆𝑢𝑗𝑒𝑡</m:t>
+                        </m:r>
+                      </m:sub>
+                    </m:sSub>
+                    <m:r>
+                      <a:rPr lang="fr-FR" i="1">
+                        <a:solidFill>
+                          <a:schemeClr val="bg1"/>
+                        </a:solidFill>
+                      </a:rPr>
+                      <m:t>(</m:t>
+                    </m:r>
+                    <m:r>
+                      <a:rPr lang="fr-FR" i="1">
+                        <a:solidFill>
+                          <a:schemeClr val="bg1"/>
+                        </a:solidFill>
+                      </a:rPr>
+                      <m:t>𝑀𝑜𝑡</m:t>
+                    </m:r>
+                    <m:r>
+                      <a:rPr lang="fr-FR" i="1">
+                        <a:solidFill>
+                          <a:schemeClr val="bg1"/>
+                        </a:solidFill>
+                      </a:rPr>
+                      <m:t>)</m:t>
+                    </m:r>
+                  </m:oMath>
+                </a14:m>
+                <a:endParaRPr lang="fr-FR" dirty="0">
+                  <a:solidFill>
+                    <a:schemeClr val="bg1"/>
+                  </a:solidFill>
+                </a:endParaRPr>
+              </a:p>
+              <a:p>
+                <a:r>
+                  <a:rPr lang="fr-FR" dirty="0">
+                    <a:solidFill>
+                      <a:schemeClr val="bg1"/>
+                    </a:solidFill>
+                  </a:rPr>
+                  <a:t>		 </a:t>
+                </a:r>
+                <a14:m>
+                  <m:oMath xmlns:m="http://schemas.openxmlformats.org/officeDocument/2006/math">
+                    <m:sSub>
+                      <m:sSubPr>
+                        <m:ctrlPr>
+                          <a:rPr lang="fr-FR" i="1">
+                            <a:solidFill>
+                              <a:schemeClr val="bg1"/>
+                            </a:solidFill>
+                          </a:rPr>
+                        </m:ctrlPr>
+                      </m:sSubPr>
+                      <m:e>
+                        <m:r>
+                          <a:rPr lang="fr-FR" i="1">
+                            <a:solidFill>
+                              <a:schemeClr val="bg1"/>
+                            </a:solidFill>
+                          </a:rPr>
+                          <m:t>𝑃</m:t>
+                        </m:r>
+                      </m:e>
+                      <m:sub>
+                        <m:r>
+                          <a:rPr lang="fr-FR" i="1">
+                            <a:solidFill>
+                              <a:schemeClr val="bg1"/>
+                            </a:solidFill>
+                          </a:rPr>
+                          <m:t>𝐷𝑜𝑐𝑢𝑚𝑒𝑛𝑡</m:t>
+                        </m:r>
+                      </m:sub>
+                    </m:sSub>
+                    <m:r>
+                      <a:rPr lang="fr-FR" i="1">
+                        <a:solidFill>
+                          <a:schemeClr val="bg1"/>
+                        </a:solidFill>
+                      </a:rPr>
+                      <m:t>(</m:t>
+                    </m:r>
+                    <m:r>
+                      <a:rPr lang="fr-FR" i="1">
+                        <a:solidFill>
+                          <a:schemeClr val="bg1"/>
+                        </a:solidFill>
+                      </a:rPr>
+                      <m:t>𝑆𝑢𝑗𝑒𝑡</m:t>
+                    </m:r>
+                    <m:r>
+                      <a:rPr lang="fr-FR" i="1">
+                        <a:solidFill>
+                          <a:schemeClr val="bg1"/>
+                        </a:solidFill>
+                      </a:rPr>
+                      <m:t>)</m:t>
+                    </m:r>
+                  </m:oMath>
+                </a14:m>
+                <a:r>
+                  <a:rPr lang="fr-FR" dirty="0">
+                    <a:solidFill>
+                      <a:schemeClr val="bg1"/>
+                    </a:solidFill>
+                  </a:rPr>
+                  <a:t>*</a:t>
+                </a:r>
+                <a14:m>
+                  <m:oMath xmlns:m="http://schemas.openxmlformats.org/officeDocument/2006/math">
+                    <m:r>
+                      <a:rPr lang="fr-FR" i="1">
+                        <a:solidFill>
+                          <a:schemeClr val="bg1"/>
+                        </a:solidFill>
+                      </a:rPr>
+                      <m:t> </m:t>
+                    </m:r>
+                    <m:sSub>
+                      <m:sSubPr>
+                        <m:ctrlPr>
+                          <a:rPr lang="fr-FR" i="1">
+                            <a:solidFill>
+                              <a:schemeClr val="bg1"/>
+                            </a:solidFill>
+                          </a:rPr>
+                        </m:ctrlPr>
+                      </m:sSubPr>
+                      <m:e>
+                        <m:r>
+                          <a:rPr lang="fr-FR" i="1">
+                            <a:solidFill>
+                              <a:schemeClr val="bg1"/>
+                            </a:solidFill>
+                          </a:rPr>
+                          <m:t>𝑃</m:t>
+                        </m:r>
+                      </m:e>
+                      <m:sub>
+                        <m:r>
+                          <a:rPr lang="fr-FR" i="1">
+                            <a:solidFill>
+                              <a:schemeClr val="bg1"/>
+                            </a:solidFill>
+                          </a:rPr>
+                          <m:t>𝑆𝑢𝑗𝑒𝑡</m:t>
+                        </m:r>
+                      </m:sub>
+                    </m:sSub>
+                    <m:r>
+                      <a:rPr lang="fr-FR" i="1">
+                        <a:solidFill>
+                          <a:schemeClr val="bg1"/>
+                        </a:solidFill>
+                      </a:rPr>
+                      <m:t>(</m:t>
+                    </m:r>
+                    <m:r>
+                      <a:rPr lang="fr-FR" i="1">
+                        <a:solidFill>
+                          <a:schemeClr val="bg1"/>
+                        </a:solidFill>
+                      </a:rPr>
+                      <m:t>𝑀𝑜𝑡</m:t>
+                    </m:r>
+                    <m:r>
+                      <a:rPr lang="fr-FR" i="1">
+                        <a:solidFill>
+                          <a:schemeClr val="bg1"/>
+                        </a:solidFill>
+                      </a:rPr>
+                      <m:t>)</m:t>
+                    </m:r>
+                  </m:oMath>
+                </a14:m>
+                <a:endParaRPr lang="fr-FR" dirty="0">
+                  <a:solidFill>
+                    <a:schemeClr val="bg1"/>
+                  </a:solidFill>
+                </a:endParaRPr>
+              </a:p>
+              <a:p>
+                <a:r>
+                  <a:rPr lang="fr-FR" dirty="0">
+                    <a:solidFill>
+                      <a:schemeClr val="bg1"/>
+                    </a:solidFill>
+                  </a:rPr>
+                  <a:t>Mots </a:t>
+                </a:r>
+                <a14:m>
+                  <m:oMath xmlns:m="http://schemas.openxmlformats.org/officeDocument/2006/math">
+                    <m:r>
+                      <a:rPr lang="fr-FR" i="1">
+                        <a:solidFill>
+                          <a:schemeClr val="bg1"/>
+                        </a:solidFill>
+                      </a:rPr>
+                      <m:t>←</m:t>
+                    </m:r>
+                  </m:oMath>
+                </a14:m>
+                <a:r>
+                  <a:rPr lang="fr-FR" dirty="0">
+                    <a:solidFill>
+                      <a:schemeClr val="bg1"/>
+                    </a:solidFill>
+                  </a:rPr>
+                  <a:t> sujet(max(</a:t>
+                </a:r>
+                <a14:m>
+                  <m:oMath xmlns:m="http://schemas.openxmlformats.org/officeDocument/2006/math">
+                    <m:sSub>
+                      <m:sSubPr>
+                        <m:ctrlPr>
+                          <a:rPr lang="fr-FR" i="1">
+                            <a:solidFill>
+                              <a:schemeClr val="bg1"/>
+                            </a:solidFill>
+                          </a:rPr>
+                        </m:ctrlPr>
+                      </m:sSubPr>
+                      <m:e>
+                        <m:r>
+                          <a:rPr lang="fr-FR" i="1">
+                            <a:solidFill>
+                              <a:schemeClr val="bg1"/>
+                            </a:solidFill>
+                          </a:rPr>
+                          <m:t>𝑃</m:t>
+                        </m:r>
+                      </m:e>
+                      <m:sub>
+                        <m:r>
+                          <a:rPr lang="fr-FR" i="1">
+                            <a:solidFill>
+                              <a:schemeClr val="bg1"/>
+                            </a:solidFill>
+                          </a:rPr>
+                          <m:t>𝐷𝑜𝑐𝑢𝑚𝑒𝑛𝑡</m:t>
+                        </m:r>
+                      </m:sub>
+                    </m:sSub>
+                    <m:r>
+                      <a:rPr lang="fr-FR" i="1">
+                        <a:solidFill>
+                          <a:schemeClr val="bg1"/>
+                        </a:solidFill>
+                      </a:rPr>
+                      <m:t>(</m:t>
+                    </m:r>
+                    <m:r>
+                      <a:rPr lang="fr-FR" i="1">
+                        <a:solidFill>
+                          <a:schemeClr val="bg1"/>
+                        </a:solidFill>
+                      </a:rPr>
+                      <m:t>𝑆𝑢𝑗𝑒𝑡</m:t>
+                    </m:r>
+                    <m:r>
+                      <a:rPr lang="fr-FR" i="1">
+                        <a:solidFill>
+                          <a:schemeClr val="bg1"/>
+                        </a:solidFill>
+                      </a:rPr>
+                      <m:t>)</m:t>
+                    </m:r>
+                  </m:oMath>
+                </a14:m>
+                <a:r>
+                  <a:rPr lang="fr-FR" dirty="0">
+                    <a:solidFill>
+                      <a:schemeClr val="bg1"/>
+                    </a:solidFill>
+                  </a:rPr>
+                  <a:t>*</a:t>
+                </a:r>
+                <a14:m>
+                  <m:oMath xmlns:m="http://schemas.openxmlformats.org/officeDocument/2006/math">
+                    <m:r>
+                      <a:rPr lang="fr-FR" i="1">
+                        <a:solidFill>
+                          <a:schemeClr val="bg1"/>
+                        </a:solidFill>
+                      </a:rPr>
+                      <m:t> </m:t>
+                    </m:r>
+                    <m:sSub>
+                      <m:sSubPr>
+                        <m:ctrlPr>
+                          <a:rPr lang="fr-FR" i="1">
+                            <a:solidFill>
+                              <a:schemeClr val="bg1"/>
+                            </a:solidFill>
+                          </a:rPr>
+                        </m:ctrlPr>
+                      </m:sSubPr>
+                      <m:e>
+                        <m:r>
+                          <a:rPr lang="fr-FR" i="1">
+                            <a:solidFill>
+                              <a:schemeClr val="bg1"/>
+                            </a:solidFill>
+                          </a:rPr>
+                          <m:t>𝑃</m:t>
+                        </m:r>
+                      </m:e>
+                      <m:sub>
+                        <m:r>
+                          <a:rPr lang="fr-FR" i="1">
+                            <a:solidFill>
+                              <a:schemeClr val="bg1"/>
+                            </a:solidFill>
+                          </a:rPr>
+                          <m:t>𝑆𝑢𝑗𝑒𝑡</m:t>
+                        </m:r>
+                      </m:sub>
+                    </m:sSub>
+                    <m:r>
+                      <a:rPr lang="fr-FR" i="1">
+                        <a:solidFill>
+                          <a:schemeClr val="bg1"/>
+                        </a:solidFill>
+                      </a:rPr>
+                      <m:t>(</m:t>
+                    </m:r>
+                    <m:r>
+                      <a:rPr lang="fr-FR" i="1">
+                        <a:solidFill>
+                          <a:schemeClr val="bg1"/>
+                        </a:solidFill>
+                      </a:rPr>
+                      <m:t>𝑀𝑜𝑡</m:t>
+                    </m:r>
+                    <m:r>
+                      <a:rPr lang="fr-FR" i="1">
+                        <a:solidFill>
+                          <a:schemeClr val="bg1"/>
+                        </a:solidFill>
+                      </a:rPr>
+                      <m:t>)</m:t>
+                    </m:r>
+                  </m:oMath>
+                </a14:m>
+                <a:r>
+                  <a:rPr lang="fr-FR" dirty="0">
+                    <a:solidFill>
+                      <a:schemeClr val="bg1"/>
+                    </a:solidFill>
+                  </a:rPr>
+                  <a:t>)</a:t>
+                </a:r>
+              </a:p>
+              <a:p>
+                <a:pPr marL="285750" indent="-285750">
+                  <a:buFont typeface="Arial" panose="020B0604020202020204" pitchFamily="34" charset="0"/>
+                  <a:buChar char="•"/>
+                </a:pPr>
+                <a:endParaRPr lang="fr-FR" dirty="0">
+                  <a:solidFill>
+                    <a:schemeClr val="bg1"/>
+                  </a:solidFill>
+                </a:endParaRPr>
+              </a:p>
+            </p:txBody>
+          </p:sp>
+        </mc:Choice>
+        <mc:Fallback>
+          <p:sp>
+            <p:nvSpPr>
+              <p:cNvPr id="10" name="ZoneTexte 9"/>
+              <p:cNvSpPr txBox="1">
+                <a:spLocks noRot="1" noChangeAspect="1" noMove="1" noResize="1" noEditPoints="1" noAdjustHandles="1" noChangeArrowheads="1" noChangeShapeType="1" noTextEdit="1"/>
+              </p:cNvSpPr>
+              <p:nvPr/>
+            </p:nvSpPr>
+            <p:spPr>
+              <a:xfrm>
+                <a:off x="3441468" y="1363287"/>
+                <a:ext cx="7912331" cy="4602991"/>
+              </a:xfrm>
+              <a:prstGeom prst="rect">
+                <a:avLst/>
+              </a:prstGeom>
+              <a:blipFill>
+                <a:blip r:embed="rId2"/>
+                <a:stretch>
+                  <a:fillRect l="-694" t="-795"/>
+                </a:stretch>
+              </a:blipFill>
+            </p:spPr>
+            <p:txBody>
+              <a:bodyPr/>
+              <a:lstStyle/>
+              <a:p>
+                <a:r>
+                  <a:rPr lang="fr-FR">
+                    <a:noFill/>
+                  </a:rPr>
+                  <a:t> </a:t>
+                </a:r>
+              </a:p>
+            </p:txBody>
+          </p:sp>
+        </mc:Fallback>
+      </mc:AlternateContent>
       <p:sp>
         <p:nvSpPr>
           <p:cNvPr id="11" name="ZoneTexte 10"/>
@@ -5924,7 +10080,15 @@
                   <a:srgbClr val="FB8543"/>
                 </a:solidFill>
               </a:rPr>
-              <a:t>02/05/2017			    Paul LAURENT-ENSC				   	1</a:t>
+              <a:t>02/05/2017			    Paul LAURENT-ENSC				   	</a:t>
+            </a:r>
+            <a:r>
+              <a:rPr lang="fr-FR" sz="1500" dirty="0" smtClean="0">
+                <a:solidFill>
+                  <a:srgbClr val="FB8543"/>
+                </a:solidFill>
+              </a:rPr>
+              <a:t>8</a:t>
             </a:r>
             <a:endParaRPr lang="fr-FR" sz="1500" dirty="0">
               <a:solidFill>
@@ -5934,41 +10098,10 @@
           </a:p>
         </p:txBody>
       </p:sp>
-      <p:pic>
-        <p:nvPicPr>
-          <p:cNvPr id="12" name="Image 11"/>
-          <p:cNvPicPr/>
-          <p:nvPr/>
-        </p:nvPicPr>
-        <p:blipFill rotWithShape="1">
-          <a:blip r:embed="rId2">
-            <a:extLst>
-              <a:ext uri="{28A0092B-C50C-407E-A947-70E740481C1C}">
-                <a14:useLocalDpi xmlns:a14="http://schemas.microsoft.com/office/drawing/2010/main" val="0"/>
-              </a:ext>
-            </a:extLst>
-          </a:blip>
-          <a:srcRect r="7662"/>
-          <a:stretch/>
-        </p:blipFill>
-        <p:spPr bwMode="auto">
-          <a:xfrm>
-            <a:off x="4657819" y="1345407"/>
-            <a:ext cx="4925291" cy="3448050"/>
-          </a:xfrm>
-          <a:prstGeom prst="rect">
-            <a:avLst/>
-          </a:prstGeom>
-          <a:noFill/>
-          <a:ln>
-            <a:noFill/>
-          </a:ln>
-        </p:spPr>
-      </p:pic>
     </p:spTree>
     <p:extLst>
       <p:ext uri="{BB962C8B-B14F-4D97-AF65-F5344CB8AC3E}">
-        <p14:creationId xmlns:p14="http://schemas.microsoft.com/office/powerpoint/2010/main" val="3259304767"/>
+        <p14:creationId xmlns:p14="http://schemas.microsoft.com/office/powerpoint/2010/main" val="2512029344"/>
       </p:ext>
     </p:extLst>
   </p:cSld>
@@ -5982,1180 +10115,6 @@
       </p:par>
     </p:tnLst>
   </p:timing>
-</p:sld>
-</file>
-
-<file path=ppt/slides/slide7.xml><?xml version="1.0" encoding="utf-8"?>
-<p:sld xmlns:a="http://schemas.openxmlformats.org/drawingml/2006/main" xmlns:r="http://schemas.openxmlformats.org/officeDocument/2006/relationships" xmlns:p="http://schemas.openxmlformats.org/presentationml/2006/main">
-  <p:cSld>
-    <p:spTree>
-      <p:nvGrpSpPr>
-        <p:cNvPr id="1" name=""/>
-        <p:cNvGrpSpPr/>
-        <p:nvPr/>
-      </p:nvGrpSpPr>
-      <p:grpSpPr>
-        <a:xfrm>
-          <a:off x="0" y="0"/>
-          <a:ext cx="0" cy="0"/>
-          <a:chOff x="0" y="0"/>
-          <a:chExt cx="0" cy="0"/>
-        </a:xfrm>
-      </p:grpSpPr>
-      <p:sp>
-        <p:nvSpPr>
-          <p:cNvPr id="2" name="Titre 1"/>
-          <p:cNvSpPr>
-            <a:spLocks noGrp="1"/>
-          </p:cNvSpPr>
-          <p:nvPr>
-            <p:ph type="title"/>
-          </p:nvPr>
-        </p:nvSpPr>
-        <p:spPr>
-          <a:xfrm>
-            <a:off x="838200" y="365125"/>
-            <a:ext cx="10515600" cy="1325563"/>
-          </a:xfrm>
-        </p:spPr>
-        <p:txBody>
-          <a:bodyPr/>
-          <a:lstStyle/>
-          <a:p>
-            <a:endParaRPr lang="fr-FR"/>
-          </a:p>
-        </p:txBody>
-      </p:sp>
-      <p:sp>
-        <p:nvSpPr>
-          <p:cNvPr id="3" name="Espace réservé du contenu 2"/>
-          <p:cNvSpPr>
-            <a:spLocks noGrp="1"/>
-          </p:cNvSpPr>
-          <p:nvPr>
-            <p:ph idx="1"/>
-          </p:nvPr>
-        </p:nvSpPr>
-        <p:spPr>
-          <a:xfrm>
-            <a:off x="838200" y="1825625"/>
-            <a:ext cx="10515600" cy="4351338"/>
-          </a:xfrm>
-        </p:spPr>
-        <p:txBody>
-          <a:bodyPr/>
-          <a:lstStyle/>
-          <a:p>
-            <a:endParaRPr lang="fr-FR"/>
-          </a:p>
-        </p:txBody>
-      </p:sp>
-      <p:grpSp>
-        <p:nvGrpSpPr>
-          <p:cNvPr id="4" name="Groupe 3"/>
-          <p:cNvGrpSpPr/>
-          <p:nvPr/>
-        </p:nvGrpSpPr>
-        <p:grpSpPr>
-          <a:xfrm>
-            <a:off x="0" y="0"/>
-            <a:ext cx="12191998" cy="6858000"/>
-            <a:chOff x="0" y="0"/>
-            <a:chExt cx="12191998" cy="6858000"/>
-          </a:xfrm>
-        </p:grpSpPr>
-        <p:sp>
-          <p:nvSpPr>
-            <p:cNvPr id="5" name="Rectangle 4"/>
-            <p:cNvSpPr/>
-            <p:nvPr/>
-          </p:nvSpPr>
-          <p:spPr>
-            <a:xfrm>
-              <a:off x="2048933" y="0"/>
-              <a:ext cx="10143065" cy="6858000"/>
-            </a:xfrm>
-            <a:prstGeom prst="rect">
-              <a:avLst/>
-            </a:prstGeom>
-            <a:solidFill>
-              <a:schemeClr val="tx1">
-                <a:lumMod val="75000"/>
-                <a:lumOff val="25000"/>
-              </a:schemeClr>
-            </a:solidFill>
-            <a:ln>
-              <a:noFill/>
-            </a:ln>
-          </p:spPr>
-          <p:style>
-            <a:lnRef idx="2">
-              <a:schemeClr val="accent1">
-                <a:shade val="50000"/>
-              </a:schemeClr>
-            </a:lnRef>
-            <a:fillRef idx="1">
-              <a:schemeClr val="accent1"/>
-            </a:fillRef>
-            <a:effectRef idx="0">
-              <a:schemeClr val="accent1"/>
-            </a:effectRef>
-            <a:fontRef idx="minor">
-              <a:schemeClr val="lt1"/>
-            </a:fontRef>
-          </p:style>
-          <p:txBody>
-            <a:bodyPr rtlCol="0" anchor="ctr"/>
-            <a:lstStyle/>
-            <a:p>
-              <a:pPr algn="ctr"/>
-              <a:endParaRPr lang="fr-FR"/>
-            </a:p>
-          </p:txBody>
-        </p:sp>
-        <p:sp>
-          <p:nvSpPr>
-            <p:cNvPr id="6" name="Rectangle 5"/>
-            <p:cNvSpPr/>
-            <p:nvPr/>
-          </p:nvSpPr>
-          <p:spPr>
-            <a:xfrm>
-              <a:off x="0" y="0"/>
-              <a:ext cx="2048933" cy="6858000"/>
-            </a:xfrm>
-            <a:prstGeom prst="rect">
-              <a:avLst/>
-            </a:prstGeom>
-            <a:solidFill>
-              <a:srgbClr val="FB8543"/>
-            </a:solidFill>
-            <a:ln>
-              <a:noFill/>
-            </a:ln>
-          </p:spPr>
-          <p:style>
-            <a:lnRef idx="2">
-              <a:schemeClr val="accent1">
-                <a:shade val="50000"/>
-              </a:schemeClr>
-            </a:lnRef>
-            <a:fillRef idx="1">
-              <a:schemeClr val="accent1"/>
-            </a:fillRef>
-            <a:effectRef idx="0">
-              <a:schemeClr val="accent1"/>
-            </a:effectRef>
-            <a:fontRef idx="minor">
-              <a:schemeClr val="lt1"/>
-            </a:fontRef>
-          </p:style>
-          <p:txBody>
-            <a:bodyPr rtlCol="0" anchor="ctr"/>
-            <a:lstStyle/>
-            <a:p>
-              <a:pPr algn="ctr"/>
-              <a:endParaRPr lang="fr-FR"/>
-            </a:p>
-          </p:txBody>
-        </p:sp>
-      </p:grpSp>
-      <p:sp>
-        <p:nvSpPr>
-          <p:cNvPr id="7" name="ZoneTexte 6"/>
-          <p:cNvSpPr txBox="1"/>
-          <p:nvPr/>
-        </p:nvSpPr>
-        <p:spPr>
-          <a:xfrm>
-            <a:off x="0" y="321733"/>
-            <a:ext cx="2048933" cy="4031873"/>
-          </a:xfrm>
-          <a:prstGeom prst="rect">
-            <a:avLst/>
-          </a:prstGeom>
-          <a:noFill/>
-        </p:spPr>
-        <p:txBody>
-          <a:bodyPr wrap="square" rtlCol="0">
-            <a:spAutoFit/>
-          </a:bodyPr>
-          <a:lstStyle/>
-          <a:p>
-            <a:pPr marL="400050" indent="-400050">
-              <a:buAutoNum type="romanUcPeriod"/>
-            </a:pPr>
-            <a:r>
-              <a:rPr lang="fr-FR" sz="1600" dirty="0" smtClean="0">
-                <a:solidFill>
-                  <a:srgbClr val="404040"/>
-                </a:solidFill>
-              </a:rPr>
-              <a:t>Le contexte</a:t>
-            </a:r>
-          </a:p>
-          <a:p>
-            <a:pPr marL="800100" lvl="1" indent="-342900">
-              <a:buAutoNum type="alphaLcParenR"/>
-            </a:pPr>
-            <a:r>
-              <a:rPr lang="fr-FR" sz="1600" dirty="0" smtClean="0">
-                <a:solidFill>
-                  <a:srgbClr val="404040"/>
-                </a:solidFill>
-              </a:rPr>
-              <a:t>Général</a:t>
-            </a:r>
-          </a:p>
-          <a:p>
-            <a:pPr marL="800100" lvl="1" indent="-342900">
-              <a:buAutoNum type="alphaLcParenR"/>
-            </a:pPr>
-            <a:r>
-              <a:rPr lang="fr-FR" sz="1600" dirty="0" smtClean="0">
-                <a:solidFill>
-                  <a:srgbClr val="404040"/>
-                </a:solidFill>
-              </a:rPr>
-              <a:t>Quorum</a:t>
-            </a:r>
-          </a:p>
-          <a:p>
-            <a:pPr lvl="1"/>
-            <a:endParaRPr lang="fr-FR" sz="1600" dirty="0" smtClean="0">
-              <a:solidFill>
-                <a:srgbClr val="404040"/>
-              </a:solidFill>
-            </a:endParaRPr>
-          </a:p>
-          <a:p>
-            <a:r>
-              <a:rPr lang="fr-FR" sz="1600" dirty="0" smtClean="0">
-                <a:solidFill>
-                  <a:srgbClr val="404040"/>
-                </a:solidFill>
-              </a:rPr>
-              <a:t>II.      L’architecture</a:t>
-            </a:r>
-          </a:p>
-          <a:p>
-            <a:pPr marL="800100" lvl="1" indent="-342900">
-              <a:buAutoNum type="alphaLcParenR"/>
-            </a:pPr>
-            <a:r>
-              <a:rPr lang="fr-FR" sz="1600" dirty="0" smtClean="0">
-                <a:solidFill>
-                  <a:srgbClr val="404040"/>
-                </a:solidFill>
-              </a:rPr>
-              <a:t>Langages</a:t>
-            </a:r>
-          </a:p>
-          <a:p>
-            <a:pPr marL="800100" lvl="1" indent="-342900">
-              <a:buAutoNum type="alphaLcParenR"/>
-            </a:pPr>
-            <a:r>
-              <a:rPr lang="fr-FR" sz="1600" dirty="0" smtClean="0">
-                <a:solidFill>
-                  <a:srgbClr val="404040"/>
-                </a:solidFill>
-              </a:rPr>
-              <a:t>Structure</a:t>
-            </a:r>
-          </a:p>
-          <a:p>
-            <a:pPr lvl="1"/>
-            <a:endParaRPr lang="fr-FR" sz="1600" dirty="0" smtClean="0">
-              <a:solidFill>
-                <a:srgbClr val="404040"/>
-              </a:solidFill>
-            </a:endParaRPr>
-          </a:p>
-          <a:p>
-            <a:r>
-              <a:rPr lang="fr-FR" sz="1600" dirty="0" smtClean="0">
-                <a:solidFill>
-                  <a:schemeClr val="bg1"/>
-                </a:solidFill>
-              </a:rPr>
-              <a:t>III.     Les algorithmes</a:t>
-            </a:r>
-          </a:p>
-          <a:p>
-            <a:pPr marL="800100" lvl="1" indent="-342900">
-              <a:buAutoNum type="alphaLcParenR"/>
-            </a:pPr>
-            <a:r>
-              <a:rPr lang="fr-FR" sz="1600" dirty="0" smtClean="0">
-                <a:solidFill>
-                  <a:schemeClr val="bg1"/>
-                </a:solidFill>
-              </a:rPr>
-              <a:t>Questions</a:t>
-            </a:r>
-          </a:p>
-          <a:p>
-            <a:pPr marL="800100" lvl="1" indent="-342900">
-              <a:buAutoNum type="alphaLcParenR"/>
-            </a:pPr>
-            <a:r>
-              <a:rPr lang="fr-FR" sz="1600" dirty="0" smtClean="0">
-                <a:solidFill>
-                  <a:srgbClr val="404040"/>
-                </a:solidFill>
-              </a:rPr>
-              <a:t>Fréquentiel</a:t>
-            </a:r>
-          </a:p>
-          <a:p>
-            <a:pPr marL="800100" lvl="1" indent="-342900">
-              <a:buAutoNum type="alphaLcParenR"/>
-            </a:pPr>
-            <a:r>
-              <a:rPr lang="fr-FR" sz="1600" dirty="0" smtClean="0">
-                <a:solidFill>
-                  <a:srgbClr val="404040"/>
-                </a:solidFill>
-              </a:rPr>
-              <a:t>LDA</a:t>
-            </a:r>
-          </a:p>
-          <a:p>
-            <a:pPr marL="800100" lvl="1" indent="-342900">
-              <a:buAutoNum type="alphaLcParenR"/>
-            </a:pPr>
-            <a:r>
-              <a:rPr lang="fr-FR" sz="1600" dirty="0" smtClean="0">
-                <a:solidFill>
-                  <a:srgbClr val="404040"/>
-                </a:solidFill>
-              </a:rPr>
-              <a:t>Ontologique</a:t>
-            </a:r>
-          </a:p>
-          <a:p>
-            <a:pPr marL="800100" lvl="1" indent="-342900">
-              <a:buAutoNum type="alphaLcParenR"/>
-            </a:pPr>
-            <a:r>
-              <a:rPr lang="fr-FR" sz="1600" dirty="0" smtClean="0">
-                <a:solidFill>
-                  <a:srgbClr val="404040"/>
-                </a:solidFill>
-              </a:rPr>
-              <a:t>HAC</a:t>
-            </a:r>
-          </a:p>
-          <a:p>
-            <a:pPr lvl="1"/>
-            <a:endParaRPr lang="fr-FR" sz="1600" dirty="0" smtClean="0">
-              <a:solidFill>
-                <a:srgbClr val="404040"/>
-              </a:solidFill>
-            </a:endParaRPr>
-          </a:p>
-          <a:p>
-            <a:r>
-              <a:rPr lang="fr-FR" sz="1600" dirty="0" smtClean="0">
-                <a:solidFill>
-                  <a:srgbClr val="404040"/>
-                </a:solidFill>
-              </a:rPr>
-              <a:t>IV.     Conclusion</a:t>
-            </a:r>
-            <a:endParaRPr lang="fr-FR" sz="1600" dirty="0">
-              <a:solidFill>
-                <a:srgbClr val="404040"/>
-              </a:solidFill>
-            </a:endParaRPr>
-          </a:p>
-        </p:txBody>
-      </p:sp>
-      <p:sp>
-        <p:nvSpPr>
-          <p:cNvPr id="8" name="ZoneTexte 7"/>
-          <p:cNvSpPr txBox="1"/>
-          <p:nvPr/>
-        </p:nvSpPr>
-        <p:spPr>
-          <a:xfrm>
-            <a:off x="2523066" y="6256867"/>
-            <a:ext cx="10143065" cy="323165"/>
-          </a:xfrm>
-          <a:prstGeom prst="rect">
-            <a:avLst/>
-          </a:prstGeom>
-          <a:noFill/>
-        </p:spPr>
-        <p:txBody>
-          <a:bodyPr wrap="square" rtlCol="0">
-            <a:spAutoFit/>
-          </a:bodyPr>
-          <a:lstStyle/>
-          <a:p>
-            <a:r>
-              <a:rPr lang="fr-FR" sz="1500" dirty="0" smtClean="0">
-                <a:solidFill>
-                  <a:srgbClr val="FB8543"/>
-                </a:solidFill>
-              </a:rPr>
-              <a:t>02/05/2017			    Paul LAURENT-ENSC				   	1</a:t>
-            </a:r>
-            <a:endParaRPr lang="fr-FR" sz="1500" dirty="0">
-              <a:solidFill>
-                <a:srgbClr val="FB8543"/>
-              </a:solidFill>
-            </a:endParaRPr>
-          </a:p>
-        </p:txBody>
-      </p:sp>
-      <p:sp>
-        <p:nvSpPr>
-          <p:cNvPr id="10" name="ZoneTexte 9"/>
-          <p:cNvSpPr txBox="1"/>
-          <p:nvPr/>
-        </p:nvSpPr>
-        <p:spPr>
-          <a:xfrm>
-            <a:off x="3441468" y="1363287"/>
-            <a:ext cx="7912331" cy="2031325"/>
-          </a:xfrm>
-          <a:prstGeom prst="rect">
-            <a:avLst/>
-          </a:prstGeom>
-          <a:noFill/>
-        </p:spPr>
-        <p:txBody>
-          <a:bodyPr wrap="square" rtlCol="0">
-            <a:spAutoFit/>
-          </a:bodyPr>
-          <a:lstStyle/>
-          <a:p>
-            <a:pPr marL="285750" indent="-285750">
-              <a:buFont typeface="Arial" panose="020B0604020202020204" pitchFamily="34" charset="0"/>
-              <a:buChar char="•"/>
-            </a:pPr>
-            <a:r>
-              <a:rPr lang="fr-FR" dirty="0" smtClean="0">
-                <a:solidFill>
-                  <a:schemeClr val="bg1"/>
-                </a:solidFill>
-              </a:rPr>
-              <a:t>Question ouverte / fermée</a:t>
-            </a:r>
-          </a:p>
-          <a:p>
-            <a:endParaRPr lang="fr-FR" dirty="0">
-              <a:solidFill>
-                <a:schemeClr val="bg1"/>
-              </a:solidFill>
-            </a:endParaRPr>
-          </a:p>
-          <a:p>
-            <a:pPr marL="285750" indent="-285750">
-              <a:buFont typeface="Arial" panose="020B0604020202020204" pitchFamily="34" charset="0"/>
-              <a:buChar char="•"/>
-            </a:pPr>
-            <a:r>
-              <a:rPr lang="fr-FR" dirty="0" smtClean="0">
-                <a:solidFill>
-                  <a:schemeClr val="bg1"/>
-                </a:solidFill>
-              </a:rPr>
-              <a:t>Recherche de réponses strictement identiques</a:t>
-            </a:r>
-          </a:p>
-          <a:p>
-            <a:endParaRPr lang="fr-FR" dirty="0">
-              <a:solidFill>
-                <a:schemeClr val="bg1"/>
-              </a:solidFill>
-            </a:endParaRPr>
-          </a:p>
-          <a:p>
-            <a:pPr marL="285750" indent="-285750">
-              <a:buFont typeface="Arial" panose="020B0604020202020204" pitchFamily="34" charset="0"/>
-              <a:buChar char="•"/>
-            </a:pPr>
-            <a:r>
-              <a:rPr lang="fr-FR" dirty="0" smtClean="0">
-                <a:solidFill>
-                  <a:schemeClr val="bg1"/>
-                </a:solidFill>
-              </a:rPr>
-              <a:t>Problèmes de nan</a:t>
-            </a:r>
-          </a:p>
-          <a:p>
-            <a:endParaRPr lang="fr-FR" dirty="0">
-              <a:solidFill>
-                <a:schemeClr val="bg1"/>
-              </a:solidFill>
-            </a:endParaRPr>
-          </a:p>
-          <a:p>
-            <a:pPr marL="285750" indent="-285750">
-              <a:buFont typeface="Arial" panose="020B0604020202020204" pitchFamily="34" charset="0"/>
-              <a:buChar char="•"/>
-            </a:pPr>
-            <a:r>
-              <a:rPr lang="fr-FR" dirty="0" smtClean="0">
-                <a:solidFill>
-                  <a:schemeClr val="bg1"/>
-                </a:solidFill>
-              </a:rPr>
-              <a:t>Coefficient de « </a:t>
-            </a:r>
-            <a:r>
-              <a:rPr lang="fr-FR" dirty="0" err="1" smtClean="0">
-                <a:solidFill>
-                  <a:schemeClr val="bg1"/>
-                </a:solidFill>
-              </a:rPr>
-              <a:t>correllation</a:t>
-            </a:r>
-            <a:r>
-              <a:rPr lang="fr-FR" dirty="0" smtClean="0">
-                <a:solidFill>
-                  <a:schemeClr val="bg1"/>
-                </a:solidFill>
-              </a:rPr>
-              <a:t> » : recherche de 20% de réponses identiques</a:t>
-            </a:r>
-            <a:endParaRPr lang="fr-FR" dirty="0">
-              <a:solidFill>
-                <a:schemeClr val="bg1"/>
-              </a:solidFill>
-            </a:endParaRPr>
-          </a:p>
-        </p:txBody>
-      </p:sp>
-    </p:spTree>
-    <p:extLst>
-      <p:ext uri="{BB962C8B-B14F-4D97-AF65-F5344CB8AC3E}">
-        <p14:creationId xmlns:p14="http://schemas.microsoft.com/office/powerpoint/2010/main" val="882877778"/>
-      </p:ext>
-    </p:extLst>
-  </p:cSld>
-  <p:clrMapOvr>
-    <a:masterClrMapping/>
-  </p:clrMapOvr>
-</p:sld>
-</file>
-
-<file path=ppt/slides/slide8.xml><?xml version="1.0" encoding="utf-8"?>
-<p:sld xmlns:a="http://schemas.openxmlformats.org/drawingml/2006/main" xmlns:r="http://schemas.openxmlformats.org/officeDocument/2006/relationships" xmlns:p="http://schemas.openxmlformats.org/presentationml/2006/main">
-  <p:cSld>
-    <p:spTree>
-      <p:nvGrpSpPr>
-        <p:cNvPr id="1" name=""/>
-        <p:cNvGrpSpPr/>
-        <p:nvPr/>
-      </p:nvGrpSpPr>
-      <p:grpSpPr>
-        <a:xfrm>
-          <a:off x="0" y="0"/>
-          <a:ext cx="0" cy="0"/>
-          <a:chOff x="0" y="0"/>
-          <a:chExt cx="0" cy="0"/>
-        </a:xfrm>
-      </p:grpSpPr>
-      <p:sp>
-        <p:nvSpPr>
-          <p:cNvPr id="2" name="Titre 1"/>
-          <p:cNvSpPr>
-            <a:spLocks noGrp="1"/>
-          </p:cNvSpPr>
-          <p:nvPr>
-            <p:ph type="title"/>
-          </p:nvPr>
-        </p:nvSpPr>
-        <p:spPr/>
-        <p:txBody>
-          <a:bodyPr/>
-          <a:lstStyle/>
-          <a:p>
-            <a:endParaRPr lang="fr-FR"/>
-          </a:p>
-        </p:txBody>
-      </p:sp>
-      <p:sp>
-        <p:nvSpPr>
-          <p:cNvPr id="3" name="Espace réservé du contenu 2"/>
-          <p:cNvSpPr>
-            <a:spLocks noGrp="1"/>
-          </p:cNvSpPr>
-          <p:nvPr>
-            <p:ph idx="1"/>
-          </p:nvPr>
-        </p:nvSpPr>
-        <p:spPr/>
-        <p:txBody>
-          <a:bodyPr/>
-          <a:lstStyle/>
-          <a:p>
-            <a:endParaRPr lang="fr-FR"/>
-          </a:p>
-        </p:txBody>
-      </p:sp>
-      <p:grpSp>
-        <p:nvGrpSpPr>
-          <p:cNvPr id="4" name="Groupe 3"/>
-          <p:cNvGrpSpPr/>
-          <p:nvPr/>
-        </p:nvGrpSpPr>
-        <p:grpSpPr>
-          <a:xfrm>
-            <a:off x="0" y="0"/>
-            <a:ext cx="12191998" cy="6858000"/>
-            <a:chOff x="0" y="0"/>
-            <a:chExt cx="12191998" cy="6858000"/>
-          </a:xfrm>
-        </p:grpSpPr>
-        <p:sp>
-          <p:nvSpPr>
-            <p:cNvPr id="5" name="Rectangle 4"/>
-            <p:cNvSpPr/>
-            <p:nvPr/>
-          </p:nvSpPr>
-          <p:spPr>
-            <a:xfrm>
-              <a:off x="2048933" y="0"/>
-              <a:ext cx="10143065" cy="6858000"/>
-            </a:xfrm>
-            <a:prstGeom prst="rect">
-              <a:avLst/>
-            </a:prstGeom>
-            <a:solidFill>
-              <a:schemeClr val="tx1">
-                <a:lumMod val="75000"/>
-                <a:lumOff val="25000"/>
-              </a:schemeClr>
-            </a:solidFill>
-            <a:ln>
-              <a:noFill/>
-            </a:ln>
-          </p:spPr>
-          <p:style>
-            <a:lnRef idx="2">
-              <a:schemeClr val="accent1">
-                <a:shade val="50000"/>
-              </a:schemeClr>
-            </a:lnRef>
-            <a:fillRef idx="1">
-              <a:schemeClr val="accent1"/>
-            </a:fillRef>
-            <a:effectRef idx="0">
-              <a:schemeClr val="accent1"/>
-            </a:effectRef>
-            <a:fontRef idx="minor">
-              <a:schemeClr val="lt1"/>
-            </a:fontRef>
-          </p:style>
-          <p:txBody>
-            <a:bodyPr rtlCol="0" anchor="ctr"/>
-            <a:lstStyle/>
-            <a:p>
-              <a:pPr algn="ctr"/>
-              <a:endParaRPr lang="fr-FR"/>
-            </a:p>
-          </p:txBody>
-        </p:sp>
-        <p:sp>
-          <p:nvSpPr>
-            <p:cNvPr id="6" name="Rectangle 5"/>
-            <p:cNvSpPr/>
-            <p:nvPr/>
-          </p:nvSpPr>
-          <p:spPr>
-            <a:xfrm>
-              <a:off x="0" y="0"/>
-              <a:ext cx="2048933" cy="6858000"/>
-            </a:xfrm>
-            <a:prstGeom prst="rect">
-              <a:avLst/>
-            </a:prstGeom>
-            <a:solidFill>
-              <a:srgbClr val="FB8543"/>
-            </a:solidFill>
-            <a:ln>
-              <a:noFill/>
-            </a:ln>
-          </p:spPr>
-          <p:style>
-            <a:lnRef idx="2">
-              <a:schemeClr val="accent1">
-                <a:shade val="50000"/>
-              </a:schemeClr>
-            </a:lnRef>
-            <a:fillRef idx="1">
-              <a:schemeClr val="accent1"/>
-            </a:fillRef>
-            <a:effectRef idx="0">
-              <a:schemeClr val="accent1"/>
-            </a:effectRef>
-            <a:fontRef idx="minor">
-              <a:schemeClr val="lt1"/>
-            </a:fontRef>
-          </p:style>
-          <p:txBody>
-            <a:bodyPr rtlCol="0" anchor="ctr"/>
-            <a:lstStyle/>
-            <a:p>
-              <a:pPr algn="ctr"/>
-              <a:endParaRPr lang="fr-FR"/>
-            </a:p>
-          </p:txBody>
-        </p:sp>
-      </p:grpSp>
-      <p:sp>
-        <p:nvSpPr>
-          <p:cNvPr id="7" name="ZoneTexte 6"/>
-          <p:cNvSpPr txBox="1"/>
-          <p:nvPr/>
-        </p:nvSpPr>
-        <p:spPr>
-          <a:xfrm>
-            <a:off x="0" y="321733"/>
-            <a:ext cx="2048933" cy="4031873"/>
-          </a:xfrm>
-          <a:prstGeom prst="rect">
-            <a:avLst/>
-          </a:prstGeom>
-          <a:noFill/>
-        </p:spPr>
-        <p:txBody>
-          <a:bodyPr wrap="square" rtlCol="0">
-            <a:spAutoFit/>
-          </a:bodyPr>
-          <a:lstStyle/>
-          <a:p>
-            <a:pPr marL="400050" indent="-400050">
-              <a:buAutoNum type="romanUcPeriod"/>
-            </a:pPr>
-            <a:r>
-              <a:rPr lang="fr-FR" sz="1600" dirty="0" smtClean="0">
-                <a:solidFill>
-                  <a:srgbClr val="404040"/>
-                </a:solidFill>
-              </a:rPr>
-              <a:t>Le contexte</a:t>
-            </a:r>
-          </a:p>
-          <a:p>
-            <a:pPr marL="800100" lvl="1" indent="-342900">
-              <a:buAutoNum type="alphaLcParenR"/>
-            </a:pPr>
-            <a:r>
-              <a:rPr lang="fr-FR" sz="1600" dirty="0" smtClean="0">
-                <a:solidFill>
-                  <a:srgbClr val="404040"/>
-                </a:solidFill>
-              </a:rPr>
-              <a:t>Général</a:t>
-            </a:r>
-          </a:p>
-          <a:p>
-            <a:pPr marL="800100" lvl="1" indent="-342900">
-              <a:buAutoNum type="alphaLcParenR"/>
-            </a:pPr>
-            <a:r>
-              <a:rPr lang="fr-FR" sz="1600" dirty="0" smtClean="0">
-                <a:solidFill>
-                  <a:srgbClr val="404040"/>
-                </a:solidFill>
-              </a:rPr>
-              <a:t>Quorum</a:t>
-            </a:r>
-          </a:p>
-          <a:p>
-            <a:pPr lvl="1"/>
-            <a:endParaRPr lang="fr-FR" sz="1600" dirty="0" smtClean="0">
-              <a:solidFill>
-                <a:srgbClr val="404040"/>
-              </a:solidFill>
-            </a:endParaRPr>
-          </a:p>
-          <a:p>
-            <a:r>
-              <a:rPr lang="fr-FR" sz="1600" dirty="0" smtClean="0">
-                <a:solidFill>
-                  <a:srgbClr val="404040"/>
-                </a:solidFill>
-              </a:rPr>
-              <a:t>II.      L’architecture</a:t>
-            </a:r>
-          </a:p>
-          <a:p>
-            <a:pPr marL="800100" lvl="1" indent="-342900">
-              <a:buAutoNum type="alphaLcParenR"/>
-            </a:pPr>
-            <a:r>
-              <a:rPr lang="fr-FR" sz="1600" dirty="0" smtClean="0">
-                <a:solidFill>
-                  <a:srgbClr val="404040"/>
-                </a:solidFill>
-              </a:rPr>
-              <a:t>Langages</a:t>
-            </a:r>
-          </a:p>
-          <a:p>
-            <a:pPr marL="800100" lvl="1" indent="-342900">
-              <a:buAutoNum type="alphaLcParenR"/>
-            </a:pPr>
-            <a:r>
-              <a:rPr lang="fr-FR" sz="1600" dirty="0" smtClean="0">
-                <a:solidFill>
-                  <a:srgbClr val="404040"/>
-                </a:solidFill>
-              </a:rPr>
-              <a:t>Structure</a:t>
-            </a:r>
-          </a:p>
-          <a:p>
-            <a:pPr lvl="1"/>
-            <a:endParaRPr lang="fr-FR" sz="1600" dirty="0" smtClean="0">
-              <a:solidFill>
-                <a:srgbClr val="404040"/>
-              </a:solidFill>
-            </a:endParaRPr>
-          </a:p>
-          <a:p>
-            <a:r>
-              <a:rPr lang="fr-FR" sz="1600" dirty="0" smtClean="0">
-                <a:solidFill>
-                  <a:schemeClr val="bg1"/>
-                </a:solidFill>
-              </a:rPr>
-              <a:t>III.     Les algorithmes</a:t>
-            </a:r>
-          </a:p>
-          <a:p>
-            <a:pPr marL="800100" lvl="1" indent="-342900">
-              <a:buAutoNum type="alphaLcParenR"/>
-            </a:pPr>
-            <a:r>
-              <a:rPr lang="fr-FR" sz="1600" dirty="0" smtClean="0">
-                <a:solidFill>
-                  <a:srgbClr val="404040"/>
-                </a:solidFill>
-              </a:rPr>
-              <a:t>Questions</a:t>
-            </a:r>
-          </a:p>
-          <a:p>
-            <a:pPr marL="800100" lvl="1" indent="-342900">
-              <a:buAutoNum type="alphaLcParenR"/>
-            </a:pPr>
-            <a:r>
-              <a:rPr lang="fr-FR" sz="1600" dirty="0" smtClean="0">
-                <a:solidFill>
-                  <a:schemeClr val="bg1"/>
-                </a:solidFill>
-              </a:rPr>
-              <a:t>Fréquentiel</a:t>
-            </a:r>
-          </a:p>
-          <a:p>
-            <a:pPr marL="800100" lvl="1" indent="-342900">
-              <a:buAutoNum type="alphaLcParenR"/>
-            </a:pPr>
-            <a:r>
-              <a:rPr lang="fr-FR" sz="1600" dirty="0" smtClean="0">
-                <a:solidFill>
-                  <a:srgbClr val="404040"/>
-                </a:solidFill>
-              </a:rPr>
-              <a:t>LDA</a:t>
-            </a:r>
-          </a:p>
-          <a:p>
-            <a:pPr marL="800100" lvl="1" indent="-342900">
-              <a:buAutoNum type="alphaLcParenR"/>
-            </a:pPr>
-            <a:r>
-              <a:rPr lang="fr-FR" sz="1600" dirty="0" smtClean="0">
-                <a:solidFill>
-                  <a:srgbClr val="404040"/>
-                </a:solidFill>
-              </a:rPr>
-              <a:t>Ontologique</a:t>
-            </a:r>
-          </a:p>
-          <a:p>
-            <a:pPr marL="800100" lvl="1" indent="-342900">
-              <a:buAutoNum type="alphaLcParenR"/>
-            </a:pPr>
-            <a:r>
-              <a:rPr lang="fr-FR" sz="1600" dirty="0" smtClean="0">
-                <a:solidFill>
-                  <a:srgbClr val="404040"/>
-                </a:solidFill>
-              </a:rPr>
-              <a:t>HAC</a:t>
-            </a:r>
-          </a:p>
-          <a:p>
-            <a:pPr lvl="1"/>
-            <a:endParaRPr lang="fr-FR" sz="1600" dirty="0" smtClean="0">
-              <a:solidFill>
-                <a:srgbClr val="404040"/>
-              </a:solidFill>
-            </a:endParaRPr>
-          </a:p>
-          <a:p>
-            <a:r>
-              <a:rPr lang="fr-FR" sz="1600" dirty="0" smtClean="0">
-                <a:solidFill>
-                  <a:srgbClr val="404040"/>
-                </a:solidFill>
-              </a:rPr>
-              <a:t>IV.     Conclusion</a:t>
-            </a:r>
-            <a:endParaRPr lang="fr-FR" sz="1600" dirty="0">
-              <a:solidFill>
-                <a:srgbClr val="404040"/>
-              </a:solidFill>
-            </a:endParaRPr>
-          </a:p>
-        </p:txBody>
-      </p:sp>
-      <p:sp>
-        <p:nvSpPr>
-          <p:cNvPr id="8" name="ZoneTexte 7"/>
-          <p:cNvSpPr txBox="1"/>
-          <p:nvPr/>
-        </p:nvSpPr>
-        <p:spPr>
-          <a:xfrm>
-            <a:off x="2523066" y="6256867"/>
-            <a:ext cx="10143065" cy="323165"/>
-          </a:xfrm>
-          <a:prstGeom prst="rect">
-            <a:avLst/>
-          </a:prstGeom>
-          <a:noFill/>
-        </p:spPr>
-        <p:txBody>
-          <a:bodyPr wrap="square" rtlCol="0">
-            <a:spAutoFit/>
-          </a:bodyPr>
-          <a:lstStyle/>
-          <a:p>
-            <a:r>
-              <a:rPr lang="fr-FR" sz="1500" dirty="0" smtClean="0">
-                <a:solidFill>
-                  <a:srgbClr val="FB8543"/>
-                </a:solidFill>
-              </a:rPr>
-              <a:t>02/05/2017			    Paul LAURENT-ENSC				   	1</a:t>
-            </a:r>
-            <a:endParaRPr lang="fr-FR" sz="1500" dirty="0">
-              <a:solidFill>
-                <a:srgbClr val="FB8543"/>
-              </a:solidFill>
-            </a:endParaRPr>
-          </a:p>
-        </p:txBody>
-      </p:sp>
-      <p:sp>
-        <p:nvSpPr>
-          <p:cNvPr id="9" name="ZoneTexte 8"/>
-          <p:cNvSpPr txBox="1"/>
-          <p:nvPr/>
-        </p:nvSpPr>
-        <p:spPr>
-          <a:xfrm>
-            <a:off x="3441468" y="1363287"/>
-            <a:ext cx="7912331" cy="3139321"/>
-          </a:xfrm>
-          <a:prstGeom prst="rect">
-            <a:avLst/>
-          </a:prstGeom>
-          <a:noFill/>
-        </p:spPr>
-        <p:txBody>
-          <a:bodyPr wrap="square" rtlCol="0">
-            <a:spAutoFit/>
-          </a:bodyPr>
-          <a:lstStyle/>
-          <a:p>
-            <a:pPr marL="285750" indent="-285750">
-              <a:buFont typeface="Arial" panose="020B0604020202020204" pitchFamily="34" charset="0"/>
-              <a:buChar char="•"/>
-            </a:pPr>
-            <a:r>
-              <a:rPr lang="fr-FR" dirty="0" smtClean="0">
-                <a:solidFill>
-                  <a:schemeClr val="bg1"/>
-                </a:solidFill>
-              </a:rPr>
-              <a:t>Analyse des mots clefs</a:t>
-            </a:r>
-          </a:p>
-          <a:p>
-            <a:pPr marL="285750" indent="-285750">
-              <a:buFont typeface="Arial" panose="020B0604020202020204" pitchFamily="34" charset="0"/>
-              <a:buChar char="•"/>
-            </a:pPr>
-            <a:endParaRPr lang="fr-FR" dirty="0">
-              <a:solidFill>
-                <a:schemeClr val="bg1"/>
-              </a:solidFill>
-            </a:endParaRPr>
-          </a:p>
-          <a:p>
-            <a:pPr marL="285750" indent="-285750">
-              <a:buFont typeface="Arial" panose="020B0604020202020204" pitchFamily="34" charset="0"/>
-              <a:buChar char="•"/>
-            </a:pPr>
-            <a:r>
-              <a:rPr lang="fr-FR" dirty="0" err="1" smtClean="0">
-                <a:solidFill>
-                  <a:schemeClr val="bg1"/>
-                </a:solidFill>
-              </a:rPr>
-              <a:t>Tokenisation</a:t>
-            </a:r>
-            <a:r>
-              <a:rPr lang="fr-FR" dirty="0" smtClean="0">
-                <a:solidFill>
-                  <a:schemeClr val="bg1"/>
-                </a:solidFill>
-              </a:rPr>
-              <a:t> </a:t>
-            </a:r>
-          </a:p>
-          <a:p>
-            <a:pPr marL="285750" indent="-285750">
-              <a:buFont typeface="Arial" panose="020B0604020202020204" pitchFamily="34" charset="0"/>
-              <a:buChar char="•"/>
-            </a:pPr>
-            <a:endParaRPr lang="fr-FR" dirty="0">
-              <a:solidFill>
-                <a:schemeClr val="bg1"/>
-              </a:solidFill>
-            </a:endParaRPr>
-          </a:p>
-          <a:p>
-            <a:pPr marL="285750" indent="-285750">
-              <a:buFont typeface="Arial" panose="020B0604020202020204" pitchFamily="34" charset="0"/>
-              <a:buChar char="•"/>
-            </a:pPr>
-            <a:r>
-              <a:rPr lang="fr-FR" dirty="0" smtClean="0">
-                <a:solidFill>
-                  <a:schemeClr val="bg1"/>
-                </a:solidFill>
-              </a:rPr>
-              <a:t>Stop </a:t>
-            </a:r>
-            <a:r>
-              <a:rPr lang="fr-FR" dirty="0" err="1">
-                <a:solidFill>
-                  <a:schemeClr val="bg1"/>
-                </a:solidFill>
-              </a:rPr>
-              <a:t>W</a:t>
-            </a:r>
-            <a:r>
-              <a:rPr lang="fr-FR" dirty="0" err="1" smtClean="0">
-                <a:solidFill>
-                  <a:schemeClr val="bg1"/>
-                </a:solidFill>
-              </a:rPr>
-              <a:t>ords</a:t>
-            </a:r>
-            <a:r>
-              <a:rPr lang="fr-FR" dirty="0" smtClean="0">
-                <a:solidFill>
-                  <a:schemeClr val="bg1"/>
-                </a:solidFill>
-              </a:rPr>
-              <a:t> complétés par une liste inspirée du référencement</a:t>
-            </a:r>
-          </a:p>
-          <a:p>
-            <a:endParaRPr lang="fr-FR" dirty="0">
-              <a:solidFill>
-                <a:schemeClr val="bg1"/>
-              </a:solidFill>
-            </a:endParaRPr>
-          </a:p>
-          <a:p>
-            <a:pPr marL="285750" indent="-285750">
-              <a:buFont typeface="Arial" panose="020B0604020202020204" pitchFamily="34" charset="0"/>
-              <a:buChar char="•"/>
-            </a:pPr>
-            <a:r>
-              <a:rPr lang="fr-FR" dirty="0" smtClean="0">
-                <a:solidFill>
-                  <a:schemeClr val="bg1"/>
-                </a:solidFill>
-              </a:rPr>
-              <a:t>Liste de ponctuation</a:t>
-            </a:r>
-          </a:p>
-          <a:p>
-            <a:pPr marL="285750" indent="-285750">
-              <a:buFont typeface="Arial" panose="020B0604020202020204" pitchFamily="34" charset="0"/>
-              <a:buChar char="•"/>
-            </a:pPr>
-            <a:endParaRPr lang="fr-FR" dirty="0">
-              <a:solidFill>
-                <a:schemeClr val="bg1"/>
-              </a:solidFill>
-            </a:endParaRPr>
-          </a:p>
-          <a:p>
-            <a:pPr marL="285750" indent="-285750">
-              <a:buFont typeface="Arial" panose="020B0604020202020204" pitchFamily="34" charset="0"/>
-              <a:buChar char="•"/>
-            </a:pPr>
-            <a:r>
-              <a:rPr lang="fr-FR" dirty="0" smtClean="0">
-                <a:solidFill>
-                  <a:schemeClr val="bg1"/>
-                </a:solidFill>
-              </a:rPr>
-              <a:t>Distribution fréquentielle par réponse puis par question  </a:t>
-            </a:r>
-          </a:p>
-          <a:p>
-            <a:pPr marL="285750" indent="-285750">
-              <a:buFont typeface="Arial" panose="020B0604020202020204" pitchFamily="34" charset="0"/>
-              <a:buChar char="•"/>
-            </a:pPr>
-            <a:endParaRPr lang="fr-FR" dirty="0">
-              <a:solidFill>
-                <a:schemeClr val="bg1"/>
-              </a:solidFill>
-            </a:endParaRPr>
-          </a:p>
-          <a:p>
-            <a:pPr marL="285750" indent="-285750">
-              <a:buFont typeface="Arial" panose="020B0604020202020204" pitchFamily="34" charset="0"/>
-              <a:buChar char="•"/>
-            </a:pPr>
-            <a:endParaRPr lang="fr-FR" dirty="0">
-              <a:solidFill>
-                <a:schemeClr val="bg1"/>
-              </a:solidFill>
-            </a:endParaRPr>
-          </a:p>
-        </p:txBody>
-      </p:sp>
-    </p:spTree>
-    <p:extLst>
-      <p:ext uri="{BB962C8B-B14F-4D97-AF65-F5344CB8AC3E}">
-        <p14:creationId xmlns:p14="http://schemas.microsoft.com/office/powerpoint/2010/main" val="1842681860"/>
-      </p:ext>
-    </p:extLst>
-  </p:cSld>
-  <p:clrMapOvr>
-    <a:masterClrMapping/>
-  </p:clrMapOvr>
 </p:sld>
 </file>
 
@@ -7343,7 +10302,7 @@
         <p:spPr>
           <a:xfrm>
             <a:off x="0" y="321733"/>
-            <a:ext cx="2048933" cy="4031873"/>
+            <a:ext cx="2048933" cy="4524315"/>
           </a:xfrm>
           <a:prstGeom prst="rect">
             <a:avLst/>
@@ -7489,7 +10448,7 @@
             <a:r>
               <a:rPr lang="fr-FR" sz="1600" dirty="0" smtClean="0">
                 <a:solidFill>
-                  <a:schemeClr val="bg1"/>
+                  <a:srgbClr val="404040"/>
                 </a:solidFill>
               </a:rPr>
               <a:t>LDA</a:t>
@@ -7502,7 +10461,7 @@
             <a:r>
               <a:rPr lang="fr-FR" sz="1600" dirty="0" smtClean="0">
                 <a:solidFill>
-                  <a:srgbClr val="404040"/>
+                  <a:schemeClr val="bg1"/>
                 </a:solidFill>
               </a:rPr>
               <a:t>Ontologique</a:t>
@@ -7530,13 +10489,36 @@
             </a:endParaRPr>
           </a:p>
           <a:p>
-            <a:r>
-              <a:rPr lang="fr-FR" sz="1600" dirty="0" smtClean="0">
-                <a:solidFill>
-                  <a:srgbClr val="404040"/>
-                </a:solidFill>
-              </a:rPr>
-              <a:t>IV.     Conclusion</a:t>
+            <a:pPr marL="400050" indent="-400050">
+              <a:buAutoNum type="romanUcPeriod" startAt="4"/>
+            </a:pPr>
+            <a:r>
+              <a:rPr lang="fr-FR" sz="1600" dirty="0">
+                <a:solidFill>
+                  <a:srgbClr val="404040"/>
+                </a:solidFill>
+              </a:rPr>
+              <a:t>Conclusion</a:t>
+            </a:r>
+          </a:p>
+          <a:p>
+            <a:r>
+              <a:rPr lang="fr-FR" sz="1600" dirty="0">
+                <a:solidFill>
+                  <a:srgbClr val="404040"/>
+                </a:solidFill>
+              </a:rPr>
+              <a:t>         a) Difficultés</a:t>
+            </a:r>
+          </a:p>
+          <a:p>
+            <a:r>
+              <a:rPr lang="fr-FR" sz="1600" dirty="0">
+                <a:solidFill>
+                  <a:srgbClr val="404040"/>
+                </a:solidFill>
+              </a:rPr>
+              <a:t>         b) Apports</a:t>
             </a:r>
             <a:endParaRPr lang="fr-FR" sz="1600" dirty="0">
               <a:solidFill>
@@ -7555,7 +10537,7 @@
         <p:spPr>
           <a:xfrm>
             <a:off x="3441468" y="1363287"/>
-            <a:ext cx="7912331" cy="1754326"/>
+            <a:ext cx="7912331" cy="2585323"/>
           </a:xfrm>
           <a:prstGeom prst="rect">
             <a:avLst/>
@@ -7578,7 +10560,7 @@
                   <a:schemeClr val="bg1"/>
                 </a:solidFill>
               </a:rPr>
-              <a:t>Modèle probabiliste</a:t>
+              <a:t>Ontologie WOLF</a:t>
             </a:r>
           </a:p>
           <a:p>
@@ -7603,8 +10585,21 @@
                   <a:schemeClr val="bg1"/>
                 </a:solidFill>
               </a:rPr>
-              <a:t>Chaque mot est responsable de la formation d’un thème</a:t>
-            </a:r>
+              <a:t>Pour tous les mots regarder les </a:t>
+            </a:r>
+            <a:r>
+              <a:rPr lang="fr-FR" dirty="0" err="1" smtClean="0">
+                <a:solidFill>
+                  <a:schemeClr val="bg1"/>
+                </a:solidFill>
+              </a:rPr>
+              <a:t>synsets</a:t>
+            </a:r>
+            <a:endParaRPr lang="fr-FR" dirty="0" smtClean="0">
+              <a:solidFill>
+                <a:schemeClr val="bg1"/>
+              </a:solidFill>
+            </a:endParaRPr>
           </a:p>
           <a:p>
             <a:pPr marL="285750" indent="-285750">
@@ -7622,6 +10617,20 @@
               <a:buFont typeface="Arial" panose="020B0604020202020204" pitchFamily="34" charset="0"/>
               <a:buChar char="•"/>
             </a:pPr>
+            <a:r>
+              <a:rPr lang="fr-FR" dirty="0" smtClean="0">
+                <a:solidFill>
+                  <a:schemeClr val="bg1"/>
+                </a:solidFill>
+              </a:rPr>
+              <a:t>Comparaison aves les termes gardés</a:t>
+            </a:r>
+          </a:p>
+          <a:p>
+            <a:pPr marL="285750" indent="-285750">
+              <a:buFont typeface="Arial" panose="020B0604020202020204" pitchFamily="34" charset="0"/>
+              <a:buChar char="•"/>
+            </a:pPr>
             <a:endParaRPr lang="fr-FR" dirty="0">
               <a:solidFill>
                 <a:schemeClr val="bg1"/>
@@ -7633,24 +10642,115 @@
               <a:buFont typeface="Arial" panose="020B0604020202020204" pitchFamily="34" charset="0"/>
               <a:buChar char="•"/>
             </a:pPr>
+            <a:r>
+              <a:rPr lang="fr-FR" dirty="0" smtClean="0">
+                <a:solidFill>
+                  <a:schemeClr val="bg1"/>
+                </a:solidFill>
+              </a:rPr>
+              <a:t>Permet de ne garder que les mots d’une idée/sujet</a:t>
+            </a:r>
             <a:endParaRPr lang="fr-FR" dirty="0">
               <a:solidFill>
                 <a:schemeClr val="bg1"/>
               </a:solidFill>
             </a:endParaRPr>
           </a:p>
+          <a:p>
+            <a:pPr marL="285750" indent="-285750">
+              <a:buFont typeface="Arial" panose="020B0604020202020204" pitchFamily="34" charset="0"/>
+              <a:buChar char="•"/>
+            </a:pPr>
+            <a:endParaRPr lang="fr-FR" dirty="0" smtClean="0">
+              <a:solidFill>
+                <a:schemeClr val="bg1"/>
+              </a:solidFill>
+            </a:endParaRPr>
+          </a:p>
+          <a:p>
+            <a:pPr marL="285750" indent="-285750">
+              <a:buFont typeface="Arial" panose="020B0604020202020204" pitchFamily="34" charset="0"/>
+              <a:buChar char="•"/>
+            </a:pPr>
+            <a:r>
+              <a:rPr lang="fr-FR" dirty="0" smtClean="0">
+                <a:solidFill>
+                  <a:schemeClr val="bg1"/>
+                </a:solidFill>
+              </a:rPr>
+              <a:t>Peu pertinent</a:t>
+            </a:r>
+            <a:endParaRPr lang="fr-FR" dirty="0">
+              <a:solidFill>
+                <a:schemeClr val="bg1"/>
+              </a:solidFill>
+            </a:endParaRPr>
+          </a:p>
+        </p:txBody>
+      </p:sp>
+      <p:sp>
+        <p:nvSpPr>
+          <p:cNvPr id="11" name="ZoneTexte 10"/>
+          <p:cNvSpPr txBox="1"/>
+          <p:nvPr/>
+        </p:nvSpPr>
+        <p:spPr>
+          <a:xfrm>
+            <a:off x="2523066" y="6256867"/>
+            <a:ext cx="10143065" cy="323165"/>
+          </a:xfrm>
+          <a:prstGeom prst="rect">
+            <a:avLst/>
+          </a:prstGeom>
+          <a:noFill/>
+        </p:spPr>
+        <p:txBody>
+          <a:bodyPr wrap="square" rtlCol="0">
+            <a:spAutoFit/>
+          </a:bodyPr>
+          <a:lstStyle/>
+          <a:p>
+            <a:r>
+              <a:rPr lang="fr-FR" sz="1500" dirty="0" smtClean="0">
+                <a:solidFill>
+                  <a:srgbClr val="FB8543"/>
+                </a:solidFill>
+              </a:rPr>
+              <a:t>02/05/2017			    Paul LAURENT-ENSC				   	</a:t>
+            </a:r>
+            <a:r>
+              <a:rPr lang="fr-FR" sz="1500" dirty="0" smtClean="0">
+                <a:solidFill>
+                  <a:srgbClr val="FB8543"/>
+                </a:solidFill>
+              </a:rPr>
+              <a:t>9</a:t>
+            </a:r>
+            <a:endParaRPr lang="fr-FR" sz="1500" dirty="0">
+              <a:solidFill>
+                <a:srgbClr val="FB8543"/>
+              </a:solidFill>
+            </a:endParaRPr>
+          </a:p>
         </p:txBody>
       </p:sp>
     </p:spTree>
     <p:extLst>
       <p:ext uri="{BB962C8B-B14F-4D97-AF65-F5344CB8AC3E}">
-        <p14:creationId xmlns:p14="http://schemas.microsoft.com/office/powerpoint/2010/main" val="2512029344"/>
+        <p14:creationId xmlns:p14="http://schemas.microsoft.com/office/powerpoint/2010/main" val="2848984783"/>
       </p:ext>
     </p:extLst>
   </p:cSld>
   <p:clrMapOvr>
     <a:masterClrMapping/>
   </p:clrMapOvr>
+  <p:timing>
+    <p:tnLst>
+      <p:par>
+        <p:cTn id="1" dur="indefinite" restart="never" nodeType="tmRoot"/>
+      </p:par>
+    </p:tnLst>
+  </p:timing>
 </p:sld>
 </file>
 
